--- a/MÓDULOS DE AULA/Módulo 01 - O Histórico da Computacão.pptx
+++ b/MÓDULOS DE AULA/Módulo 01 - O Histórico da Computacão.pptx
@@ -5,40 +5,41 @@
     <p:sldMasterId id="2147483648" r:id="rId1"/>
   </p:sldMasterIdLst>
   <p:notesMasterIdLst>
-    <p:notesMasterId r:id="rId30"/>
+    <p:notesMasterId r:id="rId31"/>
   </p:notesMasterIdLst>
   <p:handoutMasterIdLst>
-    <p:handoutMasterId r:id="rId31"/>
+    <p:handoutMasterId r:id="rId32"/>
   </p:handoutMasterIdLst>
   <p:sldIdLst>
     <p:sldId id="502" r:id="rId2"/>
-    <p:sldId id="381" r:id="rId3"/>
-    <p:sldId id="373" r:id="rId4"/>
-    <p:sldId id="383" r:id="rId5"/>
-    <p:sldId id="385" r:id="rId6"/>
-    <p:sldId id="394" r:id="rId7"/>
-    <p:sldId id="392" r:id="rId8"/>
-    <p:sldId id="395" r:id="rId9"/>
-    <p:sldId id="397" r:id="rId10"/>
-    <p:sldId id="499" r:id="rId11"/>
-    <p:sldId id="400" r:id="rId12"/>
-    <p:sldId id="427" r:id="rId13"/>
-    <p:sldId id="485" r:id="rId14"/>
-    <p:sldId id="433" r:id="rId15"/>
-    <p:sldId id="434" r:id="rId16"/>
-    <p:sldId id="438" r:id="rId17"/>
-    <p:sldId id="441" r:id="rId18"/>
-    <p:sldId id="443" r:id="rId19"/>
-    <p:sldId id="445" r:id="rId20"/>
-    <p:sldId id="450" r:id="rId21"/>
-    <p:sldId id="452" r:id="rId22"/>
-    <p:sldId id="457" r:id="rId23"/>
-    <p:sldId id="458" r:id="rId24"/>
-    <p:sldId id="461" r:id="rId25"/>
-    <p:sldId id="463" r:id="rId26"/>
-    <p:sldId id="465" r:id="rId27"/>
-    <p:sldId id="469" r:id="rId28"/>
-    <p:sldId id="472" r:id="rId29"/>
+    <p:sldId id="503" r:id="rId3"/>
+    <p:sldId id="381" r:id="rId4"/>
+    <p:sldId id="373" r:id="rId5"/>
+    <p:sldId id="383" r:id="rId6"/>
+    <p:sldId id="385" r:id="rId7"/>
+    <p:sldId id="394" r:id="rId8"/>
+    <p:sldId id="392" r:id="rId9"/>
+    <p:sldId id="395" r:id="rId10"/>
+    <p:sldId id="397" r:id="rId11"/>
+    <p:sldId id="499" r:id="rId12"/>
+    <p:sldId id="400" r:id="rId13"/>
+    <p:sldId id="427" r:id="rId14"/>
+    <p:sldId id="485" r:id="rId15"/>
+    <p:sldId id="433" r:id="rId16"/>
+    <p:sldId id="434" r:id="rId17"/>
+    <p:sldId id="438" r:id="rId18"/>
+    <p:sldId id="441" r:id="rId19"/>
+    <p:sldId id="443" r:id="rId20"/>
+    <p:sldId id="445" r:id="rId21"/>
+    <p:sldId id="450" r:id="rId22"/>
+    <p:sldId id="452" r:id="rId23"/>
+    <p:sldId id="457" r:id="rId24"/>
+    <p:sldId id="458" r:id="rId25"/>
+    <p:sldId id="461" r:id="rId26"/>
+    <p:sldId id="463" r:id="rId27"/>
+    <p:sldId id="465" r:id="rId28"/>
+    <p:sldId id="469" r:id="rId29"/>
+    <p:sldId id="472" r:id="rId30"/>
   </p:sldIdLst>
   <p:sldSz cx="9144000" cy="6858000" type="screen4x3"/>
   <p:notesSz cx="7099300" cy="10234613"/>
@@ -938,7 +939,7 @@
               <a:pPr>
                 <a:defRPr/>
               </a:pPr>
-              <a:t>24/04/2016</a:t>
+              <a:t>28/02/2018</a:t>
             </a:fld>
             <a:endParaRPr lang="pt-BR" dirty="0"/>
           </a:p>
@@ -1061,7 +1062,7 @@
               <a:pPr>
                 <a:defRPr/>
               </a:pPr>
-              <a:t>24/04/2016</a:t>
+              <a:t>28/02/2018</a:t>
             </a:fld>
             <a:endParaRPr lang="pt-BR" dirty="0"/>
           </a:p>
@@ -1184,7 +1185,7 @@
               <a:pPr>
                 <a:defRPr/>
               </a:pPr>
-              <a:t>24/04/2016</a:t>
+              <a:t>28/02/2018</a:t>
             </a:fld>
             <a:endParaRPr lang="pt-BR" dirty="0"/>
           </a:p>
@@ -1514,7 +1515,7 @@
               <a:pPr>
                 <a:defRPr/>
               </a:pPr>
-              <a:t>24/04/2016</a:t>
+              <a:t>28/02/2018</a:t>
             </a:fld>
             <a:endParaRPr lang="pt-BR" dirty="0"/>
           </a:p>
@@ -1697,7 +1698,7 @@
               <a:pPr>
                 <a:defRPr/>
               </a:pPr>
-              <a:t>24/04/2016</a:t>
+              <a:t>28/02/2018</a:t>
             </a:fld>
             <a:endParaRPr lang="pt-BR" dirty="0"/>
           </a:p>
@@ -1853,7 +1854,7 @@
               <a:pPr>
                 <a:defRPr/>
               </a:pPr>
-              <a:t>24/04/2016</a:t>
+              <a:t>28/02/2018</a:t>
             </a:fld>
             <a:endParaRPr lang="pt-BR" dirty="0"/>
           </a:p>
@@ -2736,23 +2737,6 @@
               </a:rPr>
               <a:t> 113476</a:t>
             </a:r>
-            <a:r>
-              <a:rPr kumimoji="0" lang="en-US" sz="1600" b="1" i="0" u="none" strike="noStrike" kern="0" cap="none" spc="0" normalizeH="0" baseline="0" noProof="0" dirty="0">
-                <a:ln>
-                  <a:noFill/>
-                </a:ln>
-                <a:solidFill>
-                  <a:schemeClr val="tx1"/>
-                </a:solidFill>
-                <a:effectLst/>
-                <a:uLnTx/>
-                <a:uFillTx/>
-                <a:latin typeface="Verdana" pitchFamily="34" charset="0"/>
-                <a:ea typeface="+mn-ea"/>
-                <a:cs typeface="+mn-cs"/>
-              </a:rPr>
-              <a:t/>
-            </a:r>
             <a:br>
               <a:rPr kumimoji="0" lang="en-US" sz="1600" b="1" i="0" u="none" strike="noStrike" kern="0" cap="none" spc="0" normalizeH="0" baseline="0" noProof="0" dirty="0">
                 <a:ln>
@@ -2921,37 +2905,27 @@
             </a:r>
           </a:p>
           <a:p>
-            <a:pPr marL="342900" marR="0" lvl="0" indent="-342900" algn="r" defTabSz="914400" rtl="0" eaLnBrk="0" fontAlgn="base" latinLnBrk="0" hangingPunct="0">
-              <a:lnSpc>
-                <a:spcPct val="100000"/>
-              </a:lnSpc>
-              <a:spcBef>
-                <a:spcPct val="20000"/>
-              </a:spcBef>
-              <a:spcAft>
-                <a:spcPct val="0"/>
-              </a:spcAft>
-              <a:buClrTx/>
-              <a:buSzTx/>
+            <a:pPr algn="r">
               <a:buFontTx/>
               <a:buNone/>
-              <a:tabLst/>
-              <a:defRPr/>
-            </a:pPr>
-            <a:r>
-              <a:rPr kumimoji="0" lang="en-US" sz="1400" b="0" i="0" u="none" strike="noStrike" kern="0" cap="none" spc="0" normalizeH="0" baseline="0" noProof="0" dirty="0">
-                <a:ln>
-                  <a:noFill/>
-                </a:ln>
-                <a:solidFill>
-                  <a:schemeClr val="tx1"/>
-                </a:solidFill>
-                <a:effectLst/>
-                <a:uLnTx/>
-                <a:uFillTx/>
-                <a:latin typeface="Verdana" pitchFamily="34" charset="0"/>
-                <a:ea typeface="+mn-ea"/>
-                <a:cs typeface="+mn-cs"/>
+              <a:defRPr/>
+            </a:pPr>
+            <a:r>
+              <a:rPr lang="en-US" sz="1600" dirty="0">
+                <a:latin typeface="Verdana" pitchFamily="34" charset="0"/>
+              </a:rPr>
+              <a:t>http://alexandre.zaghetto.com</a:t>
+            </a:r>
+          </a:p>
+          <a:p>
+            <a:pPr algn="r">
+              <a:buFontTx/>
+              <a:buNone/>
+              <a:defRPr/>
+            </a:pPr>
+            <a:r>
+              <a:rPr lang="en-US" sz="1400" dirty="0">
+                <a:latin typeface="Verdana" pitchFamily="34" charset="0"/>
               </a:rPr>
               <a:t>zaghetto@unb.com</a:t>
             </a:r>
@@ -3040,19 +3014,8 @@
               <a:tabLst/>
               <a:defRPr/>
             </a:pPr>
-            <a:endParaRPr kumimoji="0" lang="en-US" sz="2000" b="0" i="0" u="none" strike="noStrike" kern="0" cap="none" spc="0" normalizeH="0" baseline="0" noProof="0" dirty="0">
-              <a:ln>
-                <a:noFill/>
-              </a:ln>
-              <a:solidFill>
-                <a:schemeClr val="tx1"/>
-              </a:solidFill>
-              <a:effectLst/>
-              <a:uLnTx/>
-              <a:uFillTx/>
+            <a:endParaRPr lang="en-US" sz="2000" kern="0" dirty="0">
               <a:latin typeface="Verdana" pitchFamily="34" charset="0"/>
-              <a:ea typeface="+mn-ea"/>
-              <a:cs typeface="+mn-cs"/>
             </a:endParaRPr>
           </a:p>
           <a:p>
@@ -3532,7 +3495,7 @@
         </p:blipFill>
         <p:spPr bwMode="auto">
           <a:xfrm>
-            <a:off x="734826" y="1916832"/>
+            <a:off x="734826" y="2060848"/>
             <a:ext cx="3389425" cy="3528392"/>
           </a:xfrm>
           <a:prstGeom prst="rect">
@@ -3598,7 +3561,282 @@
               <a:pPr>
                 <a:defRPr/>
               </a:pPr>
-              <a:t>24/04/2016</a:t>
+              <a:t>28/02/2018</a:t>
+            </a:fld>
+            <a:endParaRPr lang="pt-BR" dirty="0"/>
+          </a:p>
+        </p:txBody>
+      </p:sp>
+      <p:sp>
+        <p:nvSpPr>
+          <p:cNvPr id="3" name="Slide Number Placeholder 2"/>
+          <p:cNvSpPr>
+            <a:spLocks noGrp="1"/>
+          </p:cNvSpPr>
+          <p:nvPr>
+            <p:ph type="sldNum" sz="quarter" idx="12"/>
+          </p:nvPr>
+        </p:nvSpPr>
+        <p:spPr/>
+        <p:txBody>
+          <a:bodyPr/>
+          <a:lstStyle/>
+          <a:p>
+            <a:pPr>
+              <a:defRPr/>
+            </a:pPr>
+            <a:fld id="{9C5A2CBA-94C5-40FF-84B0-C8AD0A48F3EA}" type="slidenum">
+              <a:rPr lang="pt-BR" smtClean="0"/>
+              <a:pPr>
+                <a:defRPr/>
+              </a:pPr>
+              <a:t>10</a:t>
+            </a:fld>
+            <a:endParaRPr lang="pt-BR"/>
+          </a:p>
+        </p:txBody>
+      </p:sp>
+      <p:sp>
+        <p:nvSpPr>
+          <p:cNvPr id="5" name="Text Box 2052"/>
+          <p:cNvSpPr txBox="1">
+            <a:spLocks noChangeArrowheads="1"/>
+          </p:cNvSpPr>
+          <p:nvPr/>
+        </p:nvSpPr>
+        <p:spPr bwMode="auto">
+          <a:xfrm>
+            <a:off x="990600" y="1349375"/>
+            <a:ext cx="6934200" cy="369332"/>
+          </a:xfrm>
+          <a:prstGeom prst="rect">
+            <a:avLst/>
+          </a:prstGeom>
+          <a:noFill/>
+          <a:ln w="9525">
+            <a:noFill/>
+            <a:miter lim="800000"/>
+            <a:headEnd/>
+            <a:tailEnd/>
+          </a:ln>
+          <a:effectLst/>
+        </p:spPr>
+        <p:txBody>
+          <a:bodyPr>
+            <a:spAutoFit/>
+          </a:bodyPr>
+          <a:lstStyle/>
+          <a:p>
+            <a:pPr algn="just">
+              <a:buFontTx/>
+              <a:buChar char="•"/>
+              <a:defRPr/>
+            </a:pPr>
+            <a:r>
+              <a:rPr lang="pt-BR" sz="1800" b="1" dirty="0">
+                <a:effectLst>
+                  <a:outerShdw blurRad="38100" dist="38100" dir="2700000" algn="tl">
+                    <a:srgbClr val="C0C0C0"/>
+                  </a:outerShdw>
+                </a:effectLst>
+                <a:latin typeface="Verdana" pitchFamily="34" charset="0"/>
+                <a:cs typeface="Times New Roman" pitchFamily="18" charset="0"/>
+              </a:rPr>
+              <a:t> </a:t>
+            </a:r>
+            <a:r>
+              <a:rPr lang="pt-BR" sz="1800" b="1" dirty="0" err="1">
+                <a:latin typeface="Verdana" pitchFamily="34" charset="0"/>
+                <a:cs typeface="Times New Roman" pitchFamily="18" charset="0"/>
+              </a:rPr>
+              <a:t>Gottfried</a:t>
+            </a:r>
+            <a:r>
+              <a:rPr lang="pt-BR" sz="1800" b="1" dirty="0">
+                <a:latin typeface="Verdana" pitchFamily="34" charset="0"/>
+                <a:cs typeface="Times New Roman" pitchFamily="18" charset="0"/>
+              </a:rPr>
+              <a:t> Wilhelm von Leibniz </a:t>
+            </a:r>
+            <a:r>
+              <a:rPr lang="pt-BR" sz="1800" dirty="0">
+                <a:latin typeface="Verdana" pitchFamily="34" charset="0"/>
+                <a:cs typeface="Times New Roman" pitchFamily="18" charset="0"/>
+              </a:rPr>
+              <a:t>(1646 - 1716):</a:t>
+            </a:r>
+          </a:p>
+        </p:txBody>
+      </p:sp>
+      <p:sp>
+        <p:nvSpPr>
+          <p:cNvPr id="6" name="Text Box 2051"/>
+          <p:cNvSpPr txBox="1">
+            <a:spLocks noChangeArrowheads="1"/>
+          </p:cNvSpPr>
+          <p:nvPr/>
+        </p:nvSpPr>
+        <p:spPr bwMode="auto">
+          <a:xfrm>
+            <a:off x="685800" y="842963"/>
+            <a:ext cx="7772400" cy="646112"/>
+          </a:xfrm>
+          <a:prstGeom prst="rect">
+            <a:avLst/>
+          </a:prstGeom>
+          <a:noFill/>
+          <a:ln w="9525">
+            <a:noFill/>
+            <a:miter lim="800000"/>
+            <a:headEnd/>
+            <a:tailEnd/>
+          </a:ln>
+          <a:effectLst/>
+        </p:spPr>
+        <p:txBody>
+          <a:bodyPr>
+            <a:spAutoFit/>
+          </a:bodyPr>
+          <a:lstStyle/>
+          <a:p>
+            <a:pPr algn="ctr">
+              <a:defRPr/>
+            </a:pPr>
+            <a:r>
+              <a:rPr lang="pt-BR" sz="1800" b="1" dirty="0">
+                <a:latin typeface="Verdana" pitchFamily="34" charset="0"/>
+              </a:rPr>
+              <a:t>3. Dispositivos Mecânicos (500 a.C. – 1880)</a:t>
+            </a:r>
+          </a:p>
+          <a:p>
+            <a:pPr algn="ctr">
+              <a:defRPr/>
+            </a:pPr>
+            <a:endParaRPr lang="pt-BR" sz="1800" b="1" dirty="0">
+              <a:effectLst>
+                <a:outerShdw blurRad="38100" dist="38100" dir="2700000" algn="tl">
+                  <a:srgbClr val="C0C0C0"/>
+                </a:outerShdw>
+              </a:effectLst>
+              <a:latin typeface="Verdana" pitchFamily="34" charset="0"/>
+            </a:endParaRPr>
+          </a:p>
+        </p:txBody>
+      </p:sp>
+      <p:pic>
+        <p:nvPicPr>
+          <p:cNvPr id="40966" name="Picture 8" descr="http://www.philso.uni-augsburg.de/web2/Schulpaed/website/images/leibniz.jpg"/>
+          <p:cNvPicPr>
+            <a:picLocks noChangeAspect="1" noChangeArrowheads="1"/>
+          </p:cNvPicPr>
+          <p:nvPr/>
+        </p:nvPicPr>
+        <p:blipFill>
+          <a:blip r:embed="rId2" cstate="print"/>
+          <a:srcRect/>
+          <a:stretch>
+            <a:fillRect/>
+          </a:stretch>
+        </p:blipFill>
+        <p:spPr bwMode="auto">
+          <a:xfrm>
+            <a:off x="1143000" y="2348880"/>
+            <a:ext cx="2395538" cy="2762250"/>
+          </a:xfrm>
+          <a:prstGeom prst="rect">
+            <a:avLst/>
+          </a:prstGeom>
+          <a:noFill/>
+          <a:ln w="9525">
+            <a:noFill/>
+            <a:miter lim="800000"/>
+            <a:headEnd/>
+            <a:tailEnd/>
+          </a:ln>
+        </p:spPr>
+      </p:pic>
+      <p:pic>
+        <p:nvPicPr>
+          <p:cNvPr id="40967" name="Picture 2" descr="http://www.deanstalk.net/photos/uncategorized/2008/04/23/leibniz_machine.jpeg"/>
+          <p:cNvPicPr>
+            <a:picLocks noChangeAspect="1" noChangeArrowheads="1"/>
+          </p:cNvPicPr>
+          <p:nvPr/>
+        </p:nvPicPr>
+        <p:blipFill>
+          <a:blip r:embed="rId3" cstate="print"/>
+          <a:srcRect/>
+          <a:stretch>
+            <a:fillRect/>
+          </a:stretch>
+        </p:blipFill>
+        <p:spPr bwMode="auto">
+          <a:xfrm>
+            <a:off x="4143375" y="2848942"/>
+            <a:ext cx="4143375" cy="1785938"/>
+          </a:xfrm>
+          <a:prstGeom prst="rect">
+            <a:avLst/>
+          </a:prstGeom>
+          <a:noFill/>
+          <a:ln w="9525">
+            <a:noFill/>
+            <a:miter lim="800000"/>
+            <a:headEnd/>
+            <a:tailEnd/>
+          </a:ln>
+        </p:spPr>
+      </p:pic>
+    </p:spTree>
+  </p:cSld>
+  <p:clrMapOvr>
+    <a:masterClrMapping/>
+  </p:clrMapOvr>
+</p:sld>
+</file>
+
+<file path=ppt/slides/slide11.xml><?xml version="1.0" encoding="utf-8"?>
+<p:sld xmlns:a="http://schemas.openxmlformats.org/drawingml/2006/main" xmlns:r="http://schemas.openxmlformats.org/officeDocument/2006/relationships" xmlns:p="http://schemas.openxmlformats.org/presentationml/2006/main">
+  <p:cSld>
+    <p:spTree>
+      <p:nvGrpSpPr>
+        <p:cNvPr id="1" name=""/>
+        <p:cNvGrpSpPr/>
+        <p:nvPr/>
+      </p:nvGrpSpPr>
+      <p:grpSpPr>
+        <a:xfrm>
+          <a:off x="0" y="0"/>
+          <a:ext cx="0" cy="0"/>
+          <a:chOff x="0" y="0"/>
+          <a:chExt cx="0" cy="0"/>
+        </a:xfrm>
+      </p:grpSpPr>
+      <p:sp>
+        <p:nvSpPr>
+          <p:cNvPr id="2" name="Date Placeholder 1"/>
+          <p:cNvSpPr>
+            <a:spLocks noGrp="1"/>
+          </p:cNvSpPr>
+          <p:nvPr>
+            <p:ph type="dt" sz="quarter" idx="10"/>
+          </p:nvPr>
+        </p:nvSpPr>
+        <p:spPr/>
+        <p:txBody>
+          <a:bodyPr/>
+          <a:lstStyle/>
+          <a:p>
+            <a:pPr>
+              <a:defRPr/>
+            </a:pPr>
+            <a:fld id="{BD0E1E77-F1BA-4DA4-8402-702C27B98F33}" type="datetime1">
+              <a:rPr lang="pt-BR" smtClean="0"/>
+              <a:pPr>
+                <a:defRPr/>
+              </a:pPr>
+              <a:t>28/02/2018</a:t>
             </a:fld>
             <a:endParaRPr lang="pt-BR" dirty="0"/>
           </a:p>
@@ -3627,7 +3865,7 @@
               <a:pPr>
                 <a:defRPr/>
               </a:pPr>
-              <a:t>10</a:t>
+              <a:t>11</a:t>
             </a:fld>
             <a:endParaRPr lang="pt-BR"/>
           </a:p>
@@ -3679,7 +3917,14 @@
                 <a:latin typeface="Verdana" pitchFamily="34" charset="0"/>
                 <a:cs typeface="Times New Roman" pitchFamily="18" charset="0"/>
               </a:rPr>
-              <a:t> Revolução Industrial: contribuiu no desenvolvimento de dispositivos automáticos.</a:t>
+              <a:t> </a:t>
+            </a:r>
+            <a:r>
+              <a:rPr lang="pt-BR" sz="1800" dirty="0">
+                <a:latin typeface="Verdana" pitchFamily="34" charset="0"/>
+                <a:cs typeface="Times New Roman" pitchFamily="18" charset="0"/>
+              </a:rPr>
+              <a:t>Revolução Industrial: contribuiu no desenvolvimento de dispositivos automáticos.</a:t>
             </a:r>
           </a:p>
           <a:p>
@@ -3689,11 +3934,6 @@
               <a:defRPr/>
             </a:pPr>
             <a:endParaRPr lang="pt-BR" sz="1800" dirty="0">
-              <a:effectLst>
-                <a:outerShdw blurRad="38100" dist="38100" dir="2700000" algn="tl">
-                  <a:srgbClr val="C0C0C0"/>
-                </a:outerShdw>
-              </a:effectLst>
               <a:latin typeface="Verdana" pitchFamily="34" charset="0"/>
               <a:cs typeface="Times New Roman" pitchFamily="18" charset="0"/>
             </a:endParaRPr>
@@ -3705,36 +3945,21 @@
               <a:defRPr/>
             </a:pPr>
             <a:r>
-              <a:rPr lang="pt-BR" sz="1800" dirty="0" smtClean="0">
-                <a:effectLst>
-                  <a:outerShdw blurRad="38100" dist="38100" dir="2700000" algn="tl">
-                    <a:srgbClr val="C0C0C0"/>
-                  </a:outerShdw>
-                </a:effectLst>
+              <a:rPr lang="pt-BR" sz="1800" dirty="0">
                 <a:latin typeface="Verdana" pitchFamily="34" charset="0"/>
                 <a:cs typeface="Times New Roman" pitchFamily="18" charset="0"/>
               </a:rPr>
               <a:t> </a:t>
             </a:r>
             <a:r>
-              <a:rPr lang="pt-BR" sz="1800" dirty="0" err="1" smtClean="0">
-                <a:effectLst>
-                  <a:outerShdw blurRad="38100" dist="38100" dir="2700000" algn="tl">
-                    <a:srgbClr val="C0C0C0"/>
-                  </a:outerShdw>
-                </a:effectLst>
+              <a:rPr lang="pt-BR" sz="1800" dirty="0" err="1">
                 <a:latin typeface="Verdana" pitchFamily="34" charset="0"/>
                 <a:cs typeface="Times New Roman" pitchFamily="18" charset="0"/>
               </a:rPr>
               <a:t>Basile</a:t>
             </a:r>
             <a:r>
-              <a:rPr lang="pt-BR" sz="1800" dirty="0" smtClean="0">
-                <a:effectLst>
-                  <a:outerShdw blurRad="38100" dist="38100" dir="2700000" algn="tl">
-                    <a:srgbClr val="C0C0C0"/>
-                  </a:outerShdw>
-                </a:effectLst>
+              <a:rPr lang="pt-BR" sz="1800" dirty="0">
                 <a:latin typeface="Verdana" pitchFamily="34" charset="0"/>
                 <a:cs typeface="Times New Roman" pitchFamily="18" charset="0"/>
               </a:rPr>
@@ -3742,11 +3967,6 @@
             </a:r>
             <a:r>
               <a:rPr lang="pt-BR" sz="1800" dirty="0" err="1">
-                <a:effectLst>
-                  <a:outerShdw blurRad="38100" dist="38100" dir="2700000" algn="tl">
-                    <a:srgbClr val="C0C0C0"/>
-                  </a:outerShdw>
-                </a:effectLst>
                 <a:latin typeface="Verdana" pitchFamily="34" charset="0"/>
                 <a:cs typeface="Times New Roman" pitchFamily="18" charset="0"/>
               </a:rPr>
@@ -3754,11 +3974,6 @@
             </a:r>
             <a:r>
               <a:rPr lang="pt-BR" sz="1800" dirty="0">
-                <a:effectLst>
-                  <a:outerShdw blurRad="38100" dist="38100" dir="2700000" algn="tl">
-                    <a:srgbClr val="C0C0C0"/>
-                  </a:outerShdw>
-                </a:effectLst>
                 <a:latin typeface="Verdana" pitchFamily="34" charset="0"/>
                 <a:cs typeface="Times New Roman" pitchFamily="18" charset="0"/>
               </a:rPr>
@@ -3766,11 +3981,6 @@
             </a:r>
             <a:r>
               <a:rPr lang="pt-BR" sz="1800" dirty="0" err="1">
-                <a:effectLst>
-                  <a:outerShdw blurRad="38100" dist="38100" dir="2700000" algn="tl">
-                    <a:srgbClr val="C0C0C0"/>
-                  </a:outerShdw>
-                </a:effectLst>
                 <a:latin typeface="Verdana" pitchFamily="34" charset="0"/>
                 <a:cs typeface="Times New Roman" pitchFamily="18" charset="0"/>
               </a:rPr>
@@ -3778,23 +3988,13 @@
             </a:r>
             <a:r>
               <a:rPr lang="pt-BR" sz="1800" dirty="0">
-                <a:effectLst>
-                  <a:outerShdw blurRad="38100" dist="38100" dir="2700000" algn="tl">
-                    <a:srgbClr val="C0C0C0"/>
-                  </a:outerShdw>
-                </a:effectLst>
                 <a:latin typeface="Verdana" pitchFamily="34" charset="0"/>
                 <a:cs typeface="Times New Roman" pitchFamily="18" charset="0"/>
               </a:rPr>
               <a:t>, Jacques </a:t>
             </a:r>
             <a:r>
-              <a:rPr lang="pt-BR" sz="1800" dirty="0" err="1" smtClean="0">
-                <a:effectLst>
-                  <a:outerShdw blurRad="38100" dist="38100" dir="2700000" algn="tl">
-                    <a:srgbClr val="C0C0C0"/>
-                  </a:outerShdw>
-                </a:effectLst>
+              <a:rPr lang="pt-BR" sz="1800" dirty="0" err="1">
                 <a:latin typeface="Verdana" pitchFamily="34" charset="0"/>
                 <a:cs typeface="Times New Roman" pitchFamily="18" charset="0"/>
               </a:rPr>
@@ -3802,49 +4002,25 @@
             </a:r>
             <a:r>
               <a:rPr lang="pt-BR" sz="1800" dirty="0">
-                <a:effectLst>
-                  <a:outerShdw blurRad="38100" dist="38100" dir="2700000" algn="tl">
-                    <a:srgbClr val="C0C0C0"/>
-                  </a:outerShdw>
-                </a:effectLst>
                 <a:latin typeface="Verdana" pitchFamily="34" charset="0"/>
                 <a:cs typeface="Times New Roman" pitchFamily="18" charset="0"/>
               </a:rPr>
               <a:t> e Joseph Marie </a:t>
             </a:r>
             <a:r>
-              <a:rPr lang="pt-BR" sz="1800" dirty="0" err="1" smtClean="0">
-                <a:effectLst>
-                  <a:outerShdw blurRad="38100" dist="38100" dir="2700000" algn="tl">
-                    <a:srgbClr val="C0C0C0"/>
-                  </a:outerShdw>
-                </a:effectLst>
+              <a:rPr lang="pt-BR" sz="1800" dirty="0" err="1">
                 <a:latin typeface="Verdana" pitchFamily="34" charset="0"/>
                 <a:cs typeface="Times New Roman" pitchFamily="18" charset="0"/>
               </a:rPr>
               <a:t>Jacquard</a:t>
             </a:r>
             <a:r>
-              <a:rPr lang="pt-BR" sz="1800" dirty="0" smtClean="0">
-                <a:effectLst>
-                  <a:outerShdw blurRad="38100" dist="38100" dir="2700000" algn="tl">
-                    <a:srgbClr val="C0C0C0"/>
-                  </a:outerShdw>
-                </a:effectLst>
+              <a:rPr lang="pt-BR" sz="1800" dirty="0">
                 <a:latin typeface="Verdana" pitchFamily="34" charset="0"/>
                 <a:cs typeface="Times New Roman" pitchFamily="18" charset="0"/>
               </a:rPr>
               <a:t> (Século XVIII):</a:t>
             </a:r>
-            <a:endParaRPr lang="pt-BR" sz="1800" dirty="0">
-              <a:effectLst>
-                <a:outerShdw blurRad="38100" dist="38100" dir="2700000" algn="tl">
-                  <a:srgbClr val="C0C0C0"/>
-                </a:outerShdw>
-              </a:effectLst>
-              <a:latin typeface="Verdana" pitchFamily="34" charset="0"/>
-              <a:cs typeface="Times New Roman" pitchFamily="18" charset="0"/>
-            </a:endParaRPr>
           </a:p>
         </p:txBody>
       </p:sp>
@@ -3859,7 +4035,7 @@
         <p:spPr bwMode="auto">
           <a:xfrm>
             <a:off x="685800" y="842963"/>
-            <a:ext cx="7772400" cy="646112"/>
+            <a:ext cx="7772400" cy="369332"/>
           </a:xfrm>
           <a:prstGeom prst="rect">
             <a:avLst/>
@@ -3884,28 +4060,10 @@
             </a:pPr>
             <a:r>
               <a:rPr lang="pt-BR" sz="1800" b="1" dirty="0">
-                <a:effectLst>
-                  <a:outerShdw blurRad="38100" dist="38100" dir="2700000" algn="tl">
-                    <a:srgbClr val="C0C0C0"/>
-                  </a:outerShdw>
-                </a:effectLst>
                 <a:latin typeface="Verdana" pitchFamily="34" charset="0"/>
               </a:rPr>
               <a:t>3. Dispositivos Mecânicos (500 a.C. – 1880)</a:t>
             </a:r>
-          </a:p>
-          <a:p>
-            <a:pPr algn="ctr">
-              <a:defRPr/>
-            </a:pPr>
-            <a:endParaRPr lang="pt-BR" sz="1800" b="1" dirty="0">
-              <a:effectLst>
-                <a:outerShdw blurRad="38100" dist="38100" dir="2700000" algn="tl">
-                  <a:srgbClr val="C0C0C0"/>
-                </a:outerShdw>
-              </a:effectLst>
-              <a:latin typeface="Verdana" pitchFamily="34" charset="0"/>
-            </a:endParaRPr>
           </a:p>
         </p:txBody>
       </p:sp>
@@ -3949,7 +4107,7 @@
 </p:sld>
 </file>
 
-<file path=ppt/slides/slide11.xml><?xml version="1.0" encoding="utf-8"?>
+<file path=ppt/slides/slide12.xml><?xml version="1.0" encoding="utf-8"?>
 <p:sld xmlns:a="http://schemas.openxmlformats.org/drawingml/2006/main" xmlns:r="http://schemas.openxmlformats.org/officeDocument/2006/relationships" xmlns:p="http://schemas.openxmlformats.org/presentationml/2006/main">
   <p:cSld>
     <p:spTree>
@@ -3989,7 +4147,7 @@
               <a:pPr>
                 <a:defRPr/>
               </a:pPr>
-              <a:t>24/04/2016</a:t>
+              <a:t>28/02/2018</a:t>
             </a:fld>
             <a:endParaRPr lang="pt-BR" dirty="0"/>
           </a:p>
@@ -4018,7 +4176,7 @@
               <a:pPr>
                 <a:defRPr/>
               </a:pPr>
-              <a:t>11</a:t>
+              <a:t>12</a:t>
             </a:fld>
             <a:endParaRPr lang="pt-BR"/>
           </a:p>
@@ -4035,7 +4193,7 @@
         <p:spPr bwMode="auto">
           <a:xfrm>
             <a:off x="990600" y="1349375"/>
-            <a:ext cx="6934200" cy="5355312"/>
+            <a:ext cx="6934200" cy="5078313"/>
           </a:xfrm>
           <a:prstGeom prst="rect">
             <a:avLst/>
@@ -4061,18 +4219,6 @@
               <a:defRPr/>
             </a:pPr>
             <a:r>
-              <a:rPr lang="pt-BR" sz="1800" b="1" dirty="0" smtClean="0">
-                <a:effectLst>
-                  <a:outerShdw blurRad="38100" dist="38100" dir="2700000" algn="tl">
-                    <a:srgbClr val="C0C0C0"/>
-                  </a:outerShdw>
-                </a:effectLst>
-                <a:latin typeface="Verdana" pitchFamily="34" charset="0"/>
-                <a:cs typeface="Times New Roman" pitchFamily="18" charset="0"/>
-              </a:rPr>
-              <a:t> Charles </a:t>
-            </a:r>
-            <a:r>
               <a:rPr lang="pt-BR" sz="1800" b="1" dirty="0">
                 <a:effectLst>
                   <a:outerShdw blurRad="38100" dist="38100" dir="2700000" algn="tl">
@@ -4082,53 +4228,29 @@
                 <a:latin typeface="Verdana" pitchFamily="34" charset="0"/>
                 <a:cs typeface="Times New Roman" pitchFamily="18" charset="0"/>
               </a:rPr>
-              <a:t>P. Babbage </a:t>
+              <a:t> </a:t>
+            </a:r>
+            <a:r>
+              <a:rPr lang="pt-BR" sz="1800" b="1" dirty="0">
+                <a:latin typeface="Verdana" pitchFamily="34" charset="0"/>
+                <a:cs typeface="Times New Roman" pitchFamily="18" charset="0"/>
+              </a:rPr>
+              <a:t>Charles P. Babbage </a:t>
             </a:r>
             <a:r>
               <a:rPr lang="pt-BR" sz="1800" dirty="0">
-                <a:effectLst>
-                  <a:outerShdw blurRad="38100" dist="38100" dir="2700000" algn="tl">
-                    <a:srgbClr val="C0C0C0"/>
-                  </a:outerShdw>
-                </a:effectLst>
-                <a:latin typeface="Verdana" pitchFamily="34" charset="0"/>
-                <a:cs typeface="Times New Roman" pitchFamily="18" charset="0"/>
-              </a:rPr>
-              <a:t>(1791 - 1871</a:t>
-            </a:r>
-            <a:r>
-              <a:rPr lang="pt-BR" sz="1800" dirty="0" smtClean="0">
-                <a:effectLst>
-                  <a:outerShdw blurRad="38100" dist="38100" dir="2700000" algn="tl">
-                    <a:srgbClr val="C0C0C0"/>
-                  </a:outerShdw>
-                </a:effectLst>
-                <a:latin typeface="Verdana" pitchFamily="34" charset="0"/>
-                <a:cs typeface="Times New Roman" pitchFamily="18" charset="0"/>
-              </a:rPr>
-              <a:t>)</a:t>
+                <a:latin typeface="Verdana" pitchFamily="34" charset="0"/>
+                <a:cs typeface="Times New Roman" pitchFamily="18" charset="0"/>
+              </a:rPr>
+              <a:t>(1791 - 1871)</a:t>
             </a:r>
             <a:r>
               <a:rPr lang="pt-BR" sz="1800" b="1" dirty="0">
-                <a:effectLst>
-                  <a:outerShdw blurRad="38100" dist="38100" dir="2700000" algn="tl">
-                    <a:srgbClr val="C0C0C0"/>
-                  </a:outerShdw>
-                </a:effectLst>
                 <a:latin typeface="Verdana" pitchFamily="34" charset="0"/>
                 <a:cs typeface="Times New Roman" pitchFamily="18" charset="0"/>
               </a:rPr>
               <a:t>.</a:t>
             </a:r>
-            <a:endParaRPr lang="pt-BR" sz="1800" b="1" dirty="0" smtClean="0">
-              <a:effectLst>
-                <a:outerShdw blurRad="38100" dist="38100" dir="2700000" algn="tl">
-                  <a:srgbClr val="C0C0C0"/>
-                </a:outerShdw>
-              </a:effectLst>
-              <a:latin typeface="Verdana" pitchFamily="34" charset="0"/>
-              <a:cs typeface="Times New Roman" pitchFamily="18" charset="0"/>
-            </a:endParaRPr>
           </a:p>
           <a:p>
             <a:pPr algn="just">
@@ -4152,22 +4274,6 @@
               <a:buChar char="•"/>
               <a:defRPr/>
             </a:pPr>
-            <a:endParaRPr lang="pt-BR" sz="1800" b="1" dirty="0" smtClean="0">
-              <a:effectLst>
-                <a:outerShdw blurRad="38100" dist="38100" dir="2700000" algn="tl">
-                  <a:srgbClr val="C0C0C0"/>
-                </a:outerShdw>
-              </a:effectLst>
-              <a:latin typeface="Verdana" pitchFamily="34" charset="0"/>
-              <a:cs typeface="Times New Roman" pitchFamily="18" charset="0"/>
-            </a:endParaRPr>
-          </a:p>
-          <a:p>
-            <a:pPr algn="just">
-              <a:buFontTx/>
-              <a:buChar char="•"/>
-              <a:defRPr/>
-            </a:pPr>
             <a:endParaRPr lang="pt-BR" sz="1800" b="1" dirty="0">
               <a:effectLst>
                 <a:outerShdw blurRad="38100" dist="38100" dir="2700000" algn="tl">
@@ -4184,22 +4290,6 @@
               <a:buChar char="•"/>
               <a:defRPr/>
             </a:pPr>
-            <a:endParaRPr lang="pt-BR" sz="1800" b="1" dirty="0" smtClean="0">
-              <a:effectLst>
-                <a:outerShdw blurRad="38100" dist="38100" dir="2700000" algn="tl">
-                  <a:srgbClr val="C0C0C0"/>
-                </a:outerShdw>
-              </a:effectLst>
-              <a:latin typeface="Verdana" pitchFamily="34" charset="0"/>
-              <a:cs typeface="Times New Roman" pitchFamily="18" charset="0"/>
-            </a:endParaRPr>
-          </a:p>
-          <a:p>
-            <a:pPr algn="just">
-              <a:buFontTx/>
-              <a:buChar char="•"/>
-              <a:defRPr/>
-            </a:pPr>
             <a:endParaRPr lang="pt-BR" sz="1800" b="1" dirty="0">
               <a:effectLst>
                 <a:outerShdw blurRad="38100" dist="38100" dir="2700000" algn="tl">
@@ -4216,38 +4306,6 @@
               <a:buChar char="•"/>
               <a:defRPr/>
             </a:pPr>
-            <a:endParaRPr lang="pt-BR" sz="1800" b="1" dirty="0" smtClean="0">
-              <a:effectLst>
-                <a:outerShdw blurRad="38100" dist="38100" dir="2700000" algn="tl">
-                  <a:srgbClr val="C0C0C0"/>
-                </a:outerShdw>
-              </a:effectLst>
-              <a:latin typeface="Verdana" pitchFamily="34" charset="0"/>
-              <a:cs typeface="Times New Roman" pitchFamily="18" charset="0"/>
-            </a:endParaRPr>
-          </a:p>
-          <a:p>
-            <a:pPr algn="just">
-              <a:buFontTx/>
-              <a:buChar char="•"/>
-              <a:defRPr/>
-            </a:pPr>
-            <a:endParaRPr lang="pt-BR" sz="1800" b="1" dirty="0" smtClean="0">
-              <a:effectLst>
-                <a:outerShdw blurRad="38100" dist="38100" dir="2700000" algn="tl">
-                  <a:srgbClr val="C0C0C0"/>
-                </a:outerShdw>
-              </a:effectLst>
-              <a:latin typeface="Verdana" pitchFamily="34" charset="0"/>
-              <a:cs typeface="Times New Roman" pitchFamily="18" charset="0"/>
-            </a:endParaRPr>
-          </a:p>
-          <a:p>
-            <a:pPr algn="just">
-              <a:buFontTx/>
-              <a:buChar char="•"/>
-              <a:defRPr/>
-            </a:pPr>
             <a:endParaRPr lang="pt-BR" sz="1800" b="1" dirty="0">
               <a:effectLst>
                 <a:outerShdw blurRad="38100" dist="38100" dir="2700000" algn="tl">
@@ -4280,22 +4338,6 @@
               <a:buChar char="•"/>
               <a:defRPr/>
             </a:pPr>
-            <a:endParaRPr lang="pt-BR" sz="1800" b="1" dirty="0" smtClean="0">
-              <a:effectLst>
-                <a:outerShdw blurRad="38100" dist="38100" dir="2700000" algn="tl">
-                  <a:srgbClr val="C0C0C0"/>
-                </a:outerShdw>
-              </a:effectLst>
-              <a:latin typeface="Verdana" pitchFamily="34" charset="0"/>
-              <a:cs typeface="Times New Roman" pitchFamily="18" charset="0"/>
-            </a:endParaRPr>
-          </a:p>
-          <a:p>
-            <a:pPr algn="just">
-              <a:buFontTx/>
-              <a:buChar char="•"/>
-              <a:defRPr/>
-            </a:pPr>
             <a:endParaRPr lang="pt-BR" sz="1800" b="1" dirty="0">
               <a:effectLst>
                 <a:outerShdw blurRad="38100" dist="38100" dir="2700000" algn="tl">
@@ -4312,6 +4354,68 @@
               <a:buChar char="•"/>
               <a:defRPr/>
             </a:pPr>
+            <a:endParaRPr lang="pt-BR" sz="1800" b="1" dirty="0">
+              <a:effectLst>
+                <a:outerShdw blurRad="38100" dist="38100" dir="2700000" algn="tl">
+                  <a:srgbClr val="C0C0C0"/>
+                </a:outerShdw>
+              </a:effectLst>
+              <a:latin typeface="Verdana" pitchFamily="34" charset="0"/>
+              <a:cs typeface="Times New Roman" pitchFamily="18" charset="0"/>
+            </a:endParaRPr>
+          </a:p>
+          <a:p>
+            <a:pPr algn="just">
+              <a:buFontTx/>
+              <a:buChar char="•"/>
+              <a:defRPr/>
+            </a:pPr>
+            <a:endParaRPr lang="pt-BR" sz="1800" b="1" dirty="0">
+              <a:effectLst>
+                <a:outerShdw blurRad="38100" dist="38100" dir="2700000" algn="tl">
+                  <a:srgbClr val="C0C0C0"/>
+                </a:outerShdw>
+              </a:effectLst>
+              <a:latin typeface="Verdana" pitchFamily="34" charset="0"/>
+              <a:cs typeface="Times New Roman" pitchFamily="18" charset="0"/>
+            </a:endParaRPr>
+          </a:p>
+          <a:p>
+            <a:pPr algn="just">
+              <a:buFontTx/>
+              <a:buChar char="•"/>
+              <a:defRPr/>
+            </a:pPr>
+            <a:endParaRPr lang="pt-BR" sz="1800" b="1" dirty="0">
+              <a:effectLst>
+                <a:outerShdw blurRad="38100" dist="38100" dir="2700000" algn="tl">
+                  <a:srgbClr val="C0C0C0"/>
+                </a:outerShdw>
+              </a:effectLst>
+              <a:latin typeface="Verdana" pitchFamily="34" charset="0"/>
+              <a:cs typeface="Times New Roman" pitchFamily="18" charset="0"/>
+            </a:endParaRPr>
+          </a:p>
+          <a:p>
+            <a:pPr algn="just">
+              <a:defRPr/>
+            </a:pPr>
+            <a:endParaRPr lang="pt-BR" sz="1800" b="1" dirty="0">
+              <a:effectLst>
+                <a:outerShdw blurRad="38100" dist="38100" dir="2700000" algn="tl">
+                  <a:srgbClr val="C0C0C0"/>
+                </a:outerShdw>
+              </a:effectLst>
+              <a:latin typeface="Verdana" pitchFamily="34" charset="0"/>
+              <a:cs typeface="Times New Roman" pitchFamily="18" charset="0"/>
+            </a:endParaRPr>
+          </a:p>
+          <a:p>
+            <a:pPr algn="just">
+              <a:buFontTx/>
+              <a:buChar char="•"/>
+              <a:defRPr/>
+            </a:pPr>
             <a:r>
               <a:rPr lang="pt-BR" sz="1800" dirty="0">
                 <a:effectLst>
@@ -4325,29 +4429,67 @@
               <a:t> </a:t>
             </a:r>
             <a:r>
-              <a:rPr lang="pt-BR" sz="1800" dirty="0" smtClean="0">
-                <a:effectLst>
-                  <a:outerShdw blurRad="38100" dist="38100" dir="2700000" algn="tl">
-                    <a:srgbClr val="C0C0C0"/>
-                  </a:outerShdw>
-                </a:effectLst>
-                <a:latin typeface="Verdana" pitchFamily="34" charset="0"/>
-                <a:cs typeface="Times New Roman" pitchFamily="18" charset="0"/>
-              </a:rPr>
-              <a:t>Projetou </a:t>
-            </a:r>
-            <a:r>
               <a:rPr lang="pt-BR" sz="1800" dirty="0">
-                <a:effectLst>
-                  <a:outerShdw blurRad="38100" dist="38100" dir="2700000" algn="tl">
-                    <a:srgbClr val="C0C0C0"/>
-                  </a:outerShdw>
-                </a:effectLst>
-                <a:latin typeface="Verdana" pitchFamily="34" charset="0"/>
-                <a:cs typeface="Times New Roman" pitchFamily="18" charset="0"/>
-              </a:rPr>
-              <a:t>dois tipos de máquinas: </a:t>
-            </a:r>
+                <a:latin typeface="Verdana" pitchFamily="34" charset="0"/>
+                <a:cs typeface="Times New Roman" pitchFamily="18" charset="0"/>
+              </a:rPr>
+              <a:t>Projetou dois tipos de máquinas: </a:t>
+            </a:r>
+          </a:p>
+          <a:p>
+            <a:pPr algn="just">
+              <a:defRPr/>
+            </a:pPr>
+            <a:endParaRPr lang="pt-BR" sz="1800" dirty="0">
+              <a:latin typeface="Verdana" pitchFamily="34" charset="0"/>
+              <a:cs typeface="Times New Roman" pitchFamily="18" charset="0"/>
+            </a:endParaRPr>
+          </a:p>
+          <a:p>
+            <a:pPr lvl="1" algn="just">
+              <a:buFont typeface="Wingdings" pitchFamily="2" charset="2"/>
+              <a:buChar char="ü"/>
+              <a:defRPr/>
+            </a:pPr>
+            <a:r>
+              <a:rPr lang="pt-BR" sz="1800" dirty="0">
+                <a:latin typeface="Verdana" pitchFamily="34" charset="0"/>
+                <a:cs typeface="Times New Roman" pitchFamily="18" charset="0"/>
+              </a:rPr>
+              <a:t> a máquina de diferenças; e</a:t>
+            </a:r>
+          </a:p>
+          <a:p>
+            <a:pPr lvl="1" algn="just">
+              <a:defRPr/>
+            </a:pPr>
+            <a:endParaRPr lang="pt-BR" sz="1800" dirty="0">
+              <a:latin typeface="Verdana" pitchFamily="34" charset="0"/>
+              <a:cs typeface="Times New Roman" pitchFamily="18" charset="0"/>
+            </a:endParaRPr>
+          </a:p>
+          <a:p>
+            <a:pPr lvl="1" algn="just">
+              <a:buFont typeface="Wingdings" pitchFamily="2" charset="2"/>
+              <a:buChar char="ü"/>
+              <a:defRPr/>
+            </a:pPr>
+            <a:r>
+              <a:rPr lang="pt-BR" sz="1800" dirty="0">
+                <a:latin typeface="Verdana" pitchFamily="34" charset="0"/>
+                <a:cs typeface="Times New Roman" pitchFamily="18" charset="0"/>
+              </a:rPr>
+              <a:t> a máquina analítica.</a:t>
+            </a:r>
+          </a:p>
+          <a:p>
+            <a:pPr algn="just">
+              <a:defRPr/>
+            </a:pPr>
+            <a:endParaRPr lang="pt-BR" sz="1800" dirty="0">
+              <a:latin typeface="Verdana" pitchFamily="34" charset="0"/>
+              <a:cs typeface="Times New Roman" pitchFamily="18" charset="0"/>
+            </a:endParaRPr>
           </a:p>
           <a:p>
             <a:pPr algn="just">
@@ -4363,86 +4505,6 @@
               <a:cs typeface="Times New Roman" pitchFamily="18" charset="0"/>
             </a:endParaRPr>
           </a:p>
-          <a:p>
-            <a:pPr lvl="1" algn="just">
-              <a:buFont typeface="Wingdings" pitchFamily="2" charset="2"/>
-              <a:buChar char="ü"/>
-              <a:defRPr/>
-            </a:pPr>
-            <a:r>
-              <a:rPr lang="pt-BR" sz="1800" dirty="0">
-                <a:effectLst>
-                  <a:outerShdw blurRad="38100" dist="38100" dir="2700000" algn="tl">
-                    <a:srgbClr val="C0C0C0"/>
-                  </a:outerShdw>
-                </a:effectLst>
-                <a:latin typeface="Verdana" pitchFamily="34" charset="0"/>
-                <a:cs typeface="Times New Roman" pitchFamily="18" charset="0"/>
-              </a:rPr>
-              <a:t> a máquina de diferenças; e</a:t>
-            </a:r>
-          </a:p>
-          <a:p>
-            <a:pPr lvl="1" algn="just">
-              <a:defRPr/>
-            </a:pPr>
-            <a:endParaRPr lang="pt-BR" sz="1800" dirty="0">
-              <a:effectLst>
-                <a:outerShdw blurRad="38100" dist="38100" dir="2700000" algn="tl">
-                  <a:srgbClr val="C0C0C0"/>
-                </a:outerShdw>
-              </a:effectLst>
-              <a:latin typeface="Verdana" pitchFamily="34" charset="0"/>
-              <a:cs typeface="Times New Roman" pitchFamily="18" charset="0"/>
-            </a:endParaRPr>
-          </a:p>
-          <a:p>
-            <a:pPr lvl="1" algn="just">
-              <a:buFont typeface="Wingdings" pitchFamily="2" charset="2"/>
-              <a:buChar char="ü"/>
-              <a:defRPr/>
-            </a:pPr>
-            <a:r>
-              <a:rPr lang="pt-BR" sz="1800" dirty="0">
-                <a:effectLst>
-                  <a:outerShdw blurRad="38100" dist="38100" dir="2700000" algn="tl">
-                    <a:srgbClr val="C0C0C0"/>
-                  </a:outerShdw>
-                </a:effectLst>
-                <a:latin typeface="Verdana" pitchFamily="34" charset="0"/>
-                <a:cs typeface="Times New Roman" pitchFamily="18" charset="0"/>
-              </a:rPr>
-              <a:t> a máquina analítica.</a:t>
-            </a:r>
-          </a:p>
-          <a:p>
-            <a:pPr algn="just">
-              <a:defRPr/>
-            </a:pPr>
-            <a:endParaRPr lang="pt-BR" sz="1800" dirty="0">
-              <a:effectLst>
-                <a:outerShdw blurRad="38100" dist="38100" dir="2700000" algn="tl">
-                  <a:srgbClr val="C0C0C0"/>
-                </a:outerShdw>
-              </a:effectLst>
-              <a:latin typeface="Verdana" pitchFamily="34" charset="0"/>
-              <a:cs typeface="Times New Roman" pitchFamily="18" charset="0"/>
-            </a:endParaRPr>
-          </a:p>
-          <a:p>
-            <a:pPr algn="just">
-              <a:defRPr/>
-            </a:pPr>
-            <a:endParaRPr lang="pt-BR" sz="1800" dirty="0">
-              <a:effectLst>
-                <a:outerShdw blurRad="38100" dist="38100" dir="2700000" algn="tl">
-                  <a:srgbClr val="C0C0C0"/>
-                </a:outerShdw>
-              </a:effectLst>
-              <a:latin typeface="Verdana" pitchFamily="34" charset="0"/>
-              <a:cs typeface="Times New Roman" pitchFamily="18" charset="0"/>
-            </a:endParaRPr>
-          </a:p>
         </p:txBody>
       </p:sp>
       <p:sp>
@@ -4456,7 +4518,7 @@
         <p:spPr bwMode="auto">
           <a:xfrm>
             <a:off x="685800" y="842963"/>
-            <a:ext cx="7772400" cy="646112"/>
+            <a:ext cx="7772400" cy="369332"/>
           </a:xfrm>
           <a:prstGeom prst="rect">
             <a:avLst/>
@@ -4481,28 +4543,10 @@
             </a:pPr>
             <a:r>
               <a:rPr lang="pt-BR" sz="1800" b="1" dirty="0">
-                <a:effectLst>
-                  <a:outerShdw blurRad="38100" dist="38100" dir="2700000" algn="tl">
-                    <a:srgbClr val="C0C0C0"/>
-                  </a:outerShdw>
-                </a:effectLst>
                 <a:latin typeface="Verdana" pitchFamily="34" charset="0"/>
               </a:rPr>
               <a:t>3. Dispositivos Mecânicos (500 a.C. – 1880)</a:t>
             </a:r>
-          </a:p>
-          <a:p>
-            <a:pPr algn="ctr">
-              <a:defRPr/>
-            </a:pPr>
-            <a:endParaRPr lang="pt-BR" sz="1800" b="1" dirty="0">
-              <a:effectLst>
-                <a:outerShdw blurRad="38100" dist="38100" dir="2700000" algn="tl">
-                  <a:srgbClr val="C0C0C0"/>
-                </a:outerShdw>
-              </a:effectLst>
-              <a:latin typeface="Verdana" pitchFamily="34" charset="0"/>
-            </a:endParaRPr>
           </a:p>
         </p:txBody>
       </p:sp>
@@ -4523,8 +4567,8 @@
         </p:blipFill>
         <p:spPr bwMode="auto">
           <a:xfrm>
-            <a:off x="3347864" y="1844824"/>
-            <a:ext cx="2240858" cy="2653879"/>
+            <a:off x="3419872" y="1844824"/>
+            <a:ext cx="2128051" cy="2520280"/>
           </a:xfrm>
           <a:prstGeom prst="rect">
             <a:avLst/>
@@ -4546,7 +4590,7 @@
 </p:sld>
 </file>
 
-<file path=ppt/slides/slide12.xml><?xml version="1.0" encoding="utf-8"?>
+<file path=ppt/slides/slide13.xml><?xml version="1.0" encoding="utf-8"?>
 <p:sld xmlns:a="http://schemas.openxmlformats.org/drawingml/2006/main" xmlns:r="http://schemas.openxmlformats.org/officeDocument/2006/relationships" xmlns:p="http://schemas.openxmlformats.org/presentationml/2006/main">
   <p:cSld>
     <p:spTree>
@@ -4586,7 +4630,7 @@
               <a:pPr>
                 <a:defRPr/>
               </a:pPr>
-              <a:t>24/04/2016</a:t>
+              <a:t>28/02/2018</a:t>
             </a:fld>
             <a:endParaRPr lang="pt-BR" dirty="0"/>
           </a:p>
@@ -4615,7 +4659,7 @@
               <a:pPr>
                 <a:defRPr/>
               </a:pPr>
-              <a:t>12</a:t>
+              <a:t>13</a:t>
             </a:fld>
             <a:endParaRPr lang="pt-BR"/>
           </a:p>
@@ -4667,15 +4711,17 @@
                 <a:latin typeface="Verdana" pitchFamily="34" charset="0"/>
                 <a:cs typeface="Times New Roman" pitchFamily="18" charset="0"/>
               </a:rPr>
-              <a:t> Com a invenção do motor elétrico (</a:t>
+              <a:t> </a:t>
+            </a:r>
+            <a:r>
+              <a:rPr lang="pt-BR" sz="1800" dirty="0">
+                <a:latin typeface="Verdana" pitchFamily="34" charset="0"/>
+                <a:cs typeface="Times New Roman" pitchFamily="18" charset="0"/>
+              </a:rPr>
+              <a:t>Com a invenção do motor elétrico (</a:t>
             </a:r>
             <a:r>
               <a:rPr lang="pt-BR" sz="1800" b="1" dirty="0">
-                <a:effectLst>
-                  <a:outerShdw blurRad="38100" dist="38100" dir="2700000" algn="tl">
-                    <a:srgbClr val="C0C0C0"/>
-                  </a:outerShdw>
-                </a:effectLst>
                 <a:latin typeface="Verdana" pitchFamily="34" charset="0"/>
                 <a:cs typeface="Times New Roman" pitchFamily="18" charset="0"/>
               </a:rPr>
@@ -4683,11 +4729,6 @@
             </a:r>
             <a:r>
               <a:rPr lang="pt-BR" sz="1800" b="1" dirty="0" err="1">
-                <a:effectLst>
-                  <a:outerShdw blurRad="38100" dist="38100" dir="2700000" algn="tl">
-                    <a:srgbClr val="C0C0C0"/>
-                  </a:outerShdw>
-                </a:effectLst>
                 <a:latin typeface="Verdana" pitchFamily="34" charset="0"/>
                 <a:cs typeface="Times New Roman" pitchFamily="18" charset="0"/>
               </a:rPr>
@@ -4695,11 +4736,6 @@
             </a:r>
             <a:r>
               <a:rPr lang="pt-BR" sz="1800" dirty="0">
-                <a:effectLst>
-                  <a:outerShdw blurRad="38100" dist="38100" dir="2700000" algn="tl">
-                    <a:srgbClr val="C0C0C0"/>
-                  </a:outerShdw>
-                </a:effectLst>
                 <a:latin typeface="Verdana" pitchFamily="34" charset="0"/>
                 <a:cs typeface="Times New Roman" pitchFamily="18" charset="0"/>
               </a:rPr>
@@ -4707,11 +4743,6 @@
             </a:r>
             <a:r>
               <a:rPr lang="pt-BR" sz="1800" b="1" dirty="0">
-                <a:effectLst>
-                  <a:outerShdw blurRad="38100" dist="38100" dir="2700000" algn="tl">
-                    <a:srgbClr val="C0C0C0"/>
-                  </a:outerShdw>
-                </a:effectLst>
                 <a:latin typeface="Verdana" pitchFamily="34" charset="0"/>
                 <a:cs typeface="Times New Roman" pitchFamily="18" charset="0"/>
               </a:rPr>
@@ -4719,11 +4750,6 @@
             </a:r>
             <a:r>
               <a:rPr lang="pt-BR" sz="1800" dirty="0">
-                <a:effectLst>
-                  <a:outerShdw blurRad="38100" dist="38100" dir="2700000" algn="tl">
-                    <a:srgbClr val="C0C0C0"/>
-                  </a:outerShdw>
-                </a:effectLst>
                 <a:latin typeface="Verdana" pitchFamily="34" charset="0"/>
                 <a:cs typeface="Times New Roman" pitchFamily="18" charset="0"/>
               </a:rPr>
@@ -4731,11 +4757,6 @@
             </a:r>
             <a:r>
               <a:rPr lang="pt-BR" sz="1800" b="1" dirty="0">
-                <a:effectLst>
-                  <a:outerShdw blurRad="38100" dist="38100" dir="2700000" algn="tl">
-                    <a:srgbClr val="C0C0C0"/>
-                  </a:outerShdw>
-                </a:effectLst>
                 <a:latin typeface="Verdana" pitchFamily="34" charset="0"/>
                 <a:cs typeface="Times New Roman" pitchFamily="18" charset="0"/>
               </a:rPr>
@@ -4743,11 +4764,6 @@
             </a:r>
             <a:r>
               <a:rPr lang="pt-BR" sz="1800" dirty="0">
-                <a:effectLst>
-                  <a:outerShdw blurRad="38100" dist="38100" dir="2700000" algn="tl">
-                    <a:srgbClr val="C0C0C0"/>
-                  </a:outerShdw>
-                </a:effectLst>
                 <a:latin typeface="Verdana" pitchFamily="34" charset="0"/>
                 <a:cs typeface="Times New Roman" pitchFamily="18" charset="0"/>
               </a:rPr>
@@ -4755,11 +4771,6 @@
             </a:r>
             <a:r>
               <a:rPr lang="pt-BR" sz="1800" b="1" dirty="0" err="1">
-                <a:effectLst>
-                  <a:outerShdw blurRad="38100" dist="38100" dir="2700000" algn="tl">
-                    <a:srgbClr val="C0C0C0"/>
-                  </a:outerShdw>
-                </a:effectLst>
                 <a:latin typeface="Verdana" pitchFamily="34" charset="0"/>
                 <a:cs typeface="Times New Roman" pitchFamily="18" charset="0"/>
               </a:rPr>
@@ -4767,11 +4778,6 @@
             </a:r>
             <a:r>
               <a:rPr lang="pt-BR" sz="1800" b="1" dirty="0">
-                <a:effectLst>
-                  <a:outerShdw blurRad="38100" dist="38100" dir="2700000" algn="tl">
-                    <a:srgbClr val="C0C0C0"/>
-                  </a:outerShdw>
-                </a:effectLst>
                 <a:latin typeface="Verdana" pitchFamily="34" charset="0"/>
                 <a:cs typeface="Times New Roman" pitchFamily="18" charset="0"/>
               </a:rPr>
@@ -4779,11 +4785,6 @@
             </a:r>
             <a:r>
               <a:rPr lang="pt-BR" sz="1800" dirty="0">
-                <a:effectLst>
-                  <a:outerShdw blurRad="38100" dist="38100" dir="2700000" algn="tl">
-                    <a:srgbClr val="C0C0C0"/>
-                  </a:outerShdw>
-                </a:effectLst>
                 <a:latin typeface="Verdana" pitchFamily="34" charset="0"/>
                 <a:cs typeface="Times New Roman" pitchFamily="18" charset="0"/>
               </a:rPr>
@@ -4828,11 +4829,6 @@
             </a:pPr>
             <a:r>
               <a:rPr lang="pt-BR" sz="1800" b="1" dirty="0">
-                <a:effectLst>
-                  <a:outerShdw blurRad="38100" dist="38100" dir="2700000" algn="tl">
-                    <a:srgbClr val="C0C0C0"/>
-                  </a:outerShdw>
-                </a:effectLst>
                 <a:latin typeface="Verdana" pitchFamily="34" charset="0"/>
               </a:rPr>
               <a:t>4. Dispositivos Eletromecânicos (1880 – 1930)</a:t>
@@ -5006,7 +5002,7 @@
 </p:sld>
 </file>
 
-<file path=ppt/slides/slide13.xml><?xml version="1.0" encoding="utf-8"?>
+<file path=ppt/slides/slide14.xml><?xml version="1.0" encoding="utf-8"?>
 <p:sld xmlns:a="http://schemas.openxmlformats.org/drawingml/2006/main" xmlns:r="http://schemas.openxmlformats.org/officeDocument/2006/relationships" xmlns:p="http://schemas.openxmlformats.org/presentationml/2006/main">
   <p:cSld>
     <p:spTree>
@@ -5046,7 +5042,7 @@
               <a:pPr>
                 <a:defRPr/>
               </a:pPr>
-              <a:t>24/04/2016</a:t>
+              <a:t>28/02/2018</a:t>
             </a:fld>
             <a:endParaRPr lang="pt-BR" dirty="0"/>
           </a:p>
@@ -5075,7 +5071,7 @@
               <a:pPr>
                 <a:defRPr/>
               </a:pPr>
-              <a:t>13</a:t>
+              <a:t>14</a:t>
             </a:fld>
             <a:endParaRPr lang="pt-BR"/>
           </a:p>
@@ -5127,15 +5123,17 @@
                 <a:latin typeface="Verdana" pitchFamily="34" charset="0"/>
                 <a:cs typeface="Times New Roman" pitchFamily="18" charset="0"/>
               </a:rPr>
-              <a:t> Em 1889 </a:t>
+              <a:t> </a:t>
+            </a:r>
+            <a:r>
+              <a:rPr lang="pt-BR" sz="1800" dirty="0">
+                <a:latin typeface="Verdana" pitchFamily="34" charset="0"/>
+                <a:cs typeface="Times New Roman" pitchFamily="18" charset="0"/>
+              </a:rPr>
+              <a:t>Em 1889 </a:t>
             </a:r>
             <a:r>
               <a:rPr lang="pt-BR" sz="1800" b="1" dirty="0">
-                <a:effectLst>
-                  <a:outerShdw blurRad="38100" dist="38100" dir="2700000" algn="tl">
-                    <a:srgbClr val="C0C0C0"/>
-                  </a:outerShdw>
-                </a:effectLst>
                 <a:latin typeface="Verdana" pitchFamily="34" charset="0"/>
                 <a:cs typeface="Times New Roman" pitchFamily="18" charset="0"/>
               </a:rPr>
@@ -5143,11 +5141,6 @@
             </a:r>
             <a:r>
               <a:rPr lang="pt-BR" sz="1800" b="1" dirty="0" err="1">
-                <a:effectLst>
-                  <a:outerShdw blurRad="38100" dist="38100" dir="2700000" algn="tl">
-                    <a:srgbClr val="C0C0C0"/>
-                  </a:outerShdw>
-                </a:effectLst>
                 <a:latin typeface="Verdana" pitchFamily="34" charset="0"/>
                 <a:cs typeface="Times New Roman" pitchFamily="18" charset="0"/>
               </a:rPr>
@@ -5155,11 +5148,6 @@
             </a:r>
             <a:r>
               <a:rPr lang="pt-BR" sz="1800" b="1" dirty="0">
-                <a:effectLst>
-                  <a:outerShdw blurRad="38100" dist="38100" dir="2700000" algn="tl">
-                    <a:srgbClr val="C0C0C0"/>
-                  </a:outerShdw>
-                </a:effectLst>
                 <a:latin typeface="Verdana" pitchFamily="34" charset="0"/>
                 <a:cs typeface="Times New Roman" pitchFamily="18" charset="0"/>
               </a:rPr>
@@ -5167,11 +5155,6 @@
             </a:r>
             <a:r>
               <a:rPr lang="pt-BR" sz="1800" dirty="0">
-                <a:effectLst>
-                  <a:outerShdw blurRad="38100" dist="38100" dir="2700000" algn="tl">
-                    <a:srgbClr val="C0C0C0"/>
-                  </a:outerShdw>
-                </a:effectLst>
                 <a:latin typeface="Verdana" pitchFamily="34" charset="0"/>
                 <a:cs typeface="Times New Roman" pitchFamily="18" charset="0"/>
               </a:rPr>
@@ -5179,11 +5162,6 @@
             </a:r>
             <a:r>
               <a:rPr lang="pt-BR" sz="1800" b="1" dirty="0">
-                <a:effectLst>
-                  <a:outerShdw blurRad="38100" dist="38100" dir="2700000" algn="tl">
-                    <a:srgbClr val="C0C0C0"/>
-                  </a:outerShdw>
-                </a:effectLst>
                 <a:latin typeface="Verdana" pitchFamily="34" charset="0"/>
                 <a:cs typeface="Times New Roman" pitchFamily="18" charset="0"/>
               </a:rPr>
@@ -5191,63 +5169,24 @@
             </a:r>
             <a:r>
               <a:rPr lang="pt-BR" sz="1800" dirty="0">
-                <a:effectLst>
-                  <a:outerShdw blurRad="38100" dist="38100" dir="2700000" algn="tl">
-                    <a:srgbClr val="C0C0C0"/>
-                  </a:outerShdw>
-                </a:effectLst>
-                <a:latin typeface="Verdana" pitchFamily="34" charset="0"/>
-                <a:cs typeface="Times New Roman" pitchFamily="18" charset="0"/>
-              </a:rPr>
-              <a:t>desenvolveu uma máquina perfuradora de cartões e uma máquina </a:t>
-            </a:r>
-            <a:r>
-              <a:rPr lang="pt-BR" sz="1800" dirty="0" smtClean="0">
-                <a:effectLst>
-                  <a:outerShdw blurRad="38100" dist="38100" dir="2700000" algn="tl">
-                    <a:srgbClr val="C0C0C0"/>
-                  </a:outerShdw>
-                </a:effectLst>
-                <a:latin typeface="Verdana" pitchFamily="34" charset="0"/>
-                <a:cs typeface="Times New Roman" pitchFamily="18" charset="0"/>
-              </a:rPr>
-              <a:t>elétrica </a:t>
-            </a:r>
-            <a:r>
-              <a:rPr lang="pt-BR" sz="1800" dirty="0" err="1" smtClean="0">
-                <a:effectLst>
-                  <a:outerShdw blurRad="38100" dist="38100" dir="2700000" algn="tl">
-                    <a:srgbClr val="C0C0C0"/>
-                  </a:outerShdw>
-                </a:effectLst>
+                <a:latin typeface="Verdana" pitchFamily="34" charset="0"/>
+                <a:cs typeface="Times New Roman" pitchFamily="18" charset="0"/>
+              </a:rPr>
+              <a:t>desenvolveu uma máquina perfuradora de cartões e uma máquina elétrica </a:t>
+            </a:r>
+            <a:r>
+              <a:rPr lang="pt-BR" sz="1800" dirty="0" err="1">
                 <a:latin typeface="Verdana" pitchFamily="34" charset="0"/>
                 <a:cs typeface="Times New Roman" pitchFamily="18" charset="0"/>
               </a:rPr>
               <a:t>tabuladora</a:t>
             </a:r>
             <a:r>
-              <a:rPr lang="pt-BR" sz="1800" dirty="0" smtClean="0">
-                <a:effectLst>
-                  <a:outerShdw blurRad="38100" dist="38100" dir="2700000" algn="tl">
-                    <a:srgbClr val="C0C0C0"/>
-                  </a:outerShdw>
-                </a:effectLst>
-                <a:latin typeface="Verdana" pitchFamily="34" charset="0"/>
-                <a:cs typeface="Times New Roman" pitchFamily="18" charset="0"/>
-              </a:rPr>
-              <a:t> </a:t>
-            </a:r>
-            <a:r>
               <a:rPr lang="pt-BR" sz="1800" dirty="0">
-                <a:effectLst>
-                  <a:outerShdw blurRad="38100" dist="38100" dir="2700000" algn="tl">
-                    <a:srgbClr val="C0C0C0"/>
-                  </a:outerShdw>
-                </a:effectLst>
-                <a:latin typeface="Verdana" pitchFamily="34" charset="0"/>
-                <a:cs typeface="Times New Roman" pitchFamily="18" charset="0"/>
-              </a:rPr>
-              <a:t>que contava, classificava e ordenava informações armazenadas em cartões perfurados.</a:t>
+                <a:latin typeface="Verdana" pitchFamily="34" charset="0"/>
+                <a:cs typeface="Times New Roman" pitchFamily="18" charset="0"/>
+              </a:rPr>
+              <a:t> que contava, classificava e ordenava informações armazenadas em cartões perfurados.</a:t>
             </a:r>
           </a:p>
         </p:txBody>
@@ -5263,7 +5202,7 @@
         <p:spPr bwMode="auto">
           <a:xfrm>
             <a:off x="685800" y="842963"/>
-            <a:ext cx="7772400" cy="923925"/>
+            <a:ext cx="7772400" cy="369332"/>
           </a:xfrm>
           <a:prstGeom prst="rect">
             <a:avLst/>
@@ -5288,41 +5227,10 @@
             </a:pPr>
             <a:r>
               <a:rPr lang="pt-BR" sz="1800" b="1" dirty="0">
-                <a:effectLst>
-                  <a:outerShdw blurRad="38100" dist="38100" dir="2700000" algn="tl">
-                    <a:srgbClr val="C0C0C0"/>
-                  </a:outerShdw>
-                </a:effectLst>
                 <a:latin typeface="Verdana" pitchFamily="34" charset="0"/>
               </a:rPr>
               <a:t>4. Dispositivos Eletromecânicos (1880 – 1930)</a:t>
             </a:r>
-          </a:p>
-          <a:p>
-            <a:pPr algn="ctr">
-              <a:defRPr/>
-            </a:pPr>
-            <a:endParaRPr lang="pt-BR" sz="1800" b="1" dirty="0">
-              <a:effectLst>
-                <a:outerShdw blurRad="38100" dist="38100" dir="2700000" algn="tl">
-                  <a:srgbClr val="C0C0C0"/>
-                </a:outerShdw>
-              </a:effectLst>
-              <a:latin typeface="Verdana" pitchFamily="34" charset="0"/>
-            </a:endParaRPr>
-          </a:p>
-          <a:p>
-            <a:pPr algn="ctr">
-              <a:defRPr/>
-            </a:pPr>
-            <a:endParaRPr lang="pt-BR" sz="1800" b="1" dirty="0">
-              <a:effectLst>
-                <a:outerShdw blurRad="38100" dist="38100" dir="2700000" algn="tl">
-                  <a:srgbClr val="C0C0C0"/>
-                </a:outerShdw>
-              </a:effectLst>
-              <a:latin typeface="Verdana" pitchFamily="34" charset="0"/>
-            </a:endParaRPr>
           </a:p>
         </p:txBody>
       </p:sp>
@@ -5415,7 +5323,7 @@
 </p:sld>
 </file>
 
-<file path=ppt/slides/slide14.xml><?xml version="1.0" encoding="utf-8"?>
+<file path=ppt/slides/slide15.xml><?xml version="1.0" encoding="utf-8"?>
 <p:sld xmlns:a="http://schemas.openxmlformats.org/drawingml/2006/main" xmlns:r="http://schemas.openxmlformats.org/officeDocument/2006/relationships" xmlns:p="http://schemas.openxmlformats.org/presentationml/2006/main">
   <p:cSld>
     <p:spTree>
@@ -5455,7 +5363,7 @@
               <a:pPr>
                 <a:defRPr/>
               </a:pPr>
-              <a:t>24/04/2016</a:t>
+              <a:t>28/02/2018</a:t>
             </a:fld>
             <a:endParaRPr lang="pt-BR" dirty="0"/>
           </a:p>
@@ -5484,7 +5392,7 @@
               <a:pPr>
                 <a:defRPr/>
               </a:pPr>
-              <a:t>14</a:t>
+              <a:t>15</a:t>
             </a:fld>
             <a:endParaRPr lang="pt-BR"/>
           </a:p>
@@ -5536,14 +5444,16 @@
                 <a:latin typeface="Verdana" pitchFamily="34" charset="0"/>
                 <a:cs typeface="Times New Roman" pitchFamily="18" charset="0"/>
               </a:rPr>
-              <a:t> Relé (Joseph Henry):</a:t>
+              <a:t> </a:t>
+            </a:r>
+            <a:r>
+              <a:rPr lang="pt-BR" sz="1800" dirty="0">
+                <a:latin typeface="Verdana" pitchFamily="34" charset="0"/>
+                <a:cs typeface="Times New Roman" pitchFamily="18" charset="0"/>
+              </a:rPr>
+              <a:t>Relé (Joseph Henry):</a:t>
             </a:r>
             <a:endParaRPr lang="pt-BR" sz="1800" i="1" dirty="0">
-              <a:effectLst>
-                <a:outerShdw blurRad="38100" dist="38100" dir="2700000" algn="tl">
-                  <a:srgbClr val="C0C0C0"/>
-                </a:outerShdw>
-              </a:effectLst>
               <a:latin typeface="Verdana" pitchFamily="34" charset="0"/>
               <a:cs typeface="Times New Roman" pitchFamily="18" charset="0"/>
             </a:endParaRPr>
@@ -5586,11 +5496,6 @@
             </a:pPr>
             <a:r>
               <a:rPr lang="pt-BR" sz="1800" b="1" dirty="0">
-                <a:effectLst>
-                  <a:outerShdw blurRad="38100" dist="38100" dir="2700000" algn="tl">
-                    <a:srgbClr val="C0C0C0"/>
-                  </a:outerShdw>
-                </a:effectLst>
                 <a:latin typeface="Verdana" pitchFamily="34" charset="0"/>
               </a:rPr>
               <a:t>4. Dispositivos Eletromecânicos (1880 – 1930)</a:t>
@@ -5687,7 +5592,7 @@
 </p:sld>
 </file>
 
-<file path=ppt/slides/slide15.xml><?xml version="1.0" encoding="utf-8"?>
+<file path=ppt/slides/slide16.xml><?xml version="1.0" encoding="utf-8"?>
 <p:sld xmlns:a="http://schemas.openxmlformats.org/drawingml/2006/main" xmlns:r="http://schemas.openxmlformats.org/officeDocument/2006/relationships" xmlns:p="http://schemas.openxmlformats.org/presentationml/2006/main">
   <p:cSld>
     <p:spTree>
@@ -5727,7 +5632,7 @@
               <a:pPr>
                 <a:defRPr/>
               </a:pPr>
-              <a:t>24/04/2016</a:t>
+              <a:t>28/02/2018</a:t>
             </a:fld>
             <a:endParaRPr lang="pt-BR" dirty="0"/>
           </a:p>
@@ -5756,7 +5661,7 @@
               <a:pPr>
                 <a:defRPr/>
               </a:pPr>
-              <a:t>15</a:t>
+              <a:t>16</a:t>
             </a:fld>
             <a:endParaRPr lang="pt-BR"/>
           </a:p>
@@ -5799,30 +5704,6 @@
               <a:defRPr/>
             </a:pPr>
             <a:r>
-              <a:rPr lang="pt-BR" sz="1800" b="1" dirty="0" smtClean="0">
-                <a:effectLst>
-                  <a:outerShdw blurRad="38100" dist="38100" dir="2700000" algn="tl">
-                    <a:srgbClr val="C0C0C0"/>
-                  </a:outerShdw>
-                </a:effectLst>
-                <a:latin typeface="Verdana" pitchFamily="34" charset="0"/>
-                <a:cs typeface="Times New Roman" pitchFamily="18" charset="0"/>
-              </a:rPr>
-              <a:t> Konrad </a:t>
-            </a:r>
-            <a:r>
-              <a:rPr lang="pt-BR" sz="1800" b="1" dirty="0" err="1">
-                <a:effectLst>
-                  <a:outerShdw blurRad="38100" dist="38100" dir="2700000" algn="tl">
-                    <a:srgbClr val="C0C0C0"/>
-                  </a:outerShdw>
-                </a:effectLst>
-                <a:latin typeface="Verdana" pitchFamily="34" charset="0"/>
-                <a:cs typeface="Times New Roman" pitchFamily="18" charset="0"/>
-              </a:rPr>
-              <a:t>Zuse</a:t>
-            </a:r>
-            <a:r>
               <a:rPr lang="pt-BR" sz="1800" b="1" dirty="0">
                 <a:effectLst>
                   <a:outerShdw blurRad="38100" dist="38100" dir="2700000" algn="tl">
@@ -5835,38 +5716,33 @@
               <a:t> </a:t>
             </a:r>
             <a:r>
+              <a:rPr lang="pt-BR" sz="1800" b="1" dirty="0">
+                <a:latin typeface="Verdana" pitchFamily="34" charset="0"/>
+                <a:cs typeface="Times New Roman" pitchFamily="18" charset="0"/>
+              </a:rPr>
+              <a:t>Konrad </a:t>
+            </a:r>
+            <a:r>
+              <a:rPr lang="pt-BR" sz="1800" b="1" dirty="0" err="1">
+                <a:latin typeface="Verdana" pitchFamily="34" charset="0"/>
+                <a:cs typeface="Times New Roman" pitchFamily="18" charset="0"/>
+              </a:rPr>
+              <a:t>Zuse</a:t>
+            </a:r>
+            <a:r>
+              <a:rPr lang="pt-BR" sz="1800" b="1" dirty="0">
+                <a:latin typeface="Verdana" pitchFamily="34" charset="0"/>
+                <a:cs typeface="Times New Roman" pitchFamily="18" charset="0"/>
+              </a:rPr>
+              <a:t> </a:t>
+            </a:r>
+            <a:r>
               <a:rPr lang="pt-BR" sz="1800" dirty="0">
-                <a:effectLst>
-                  <a:outerShdw blurRad="38100" dist="38100" dir="2700000" algn="tl">
-                    <a:srgbClr val="C0C0C0"/>
-                  </a:outerShdw>
-                </a:effectLst>
-                <a:latin typeface="Verdana" pitchFamily="34" charset="0"/>
-                <a:cs typeface="Times New Roman" pitchFamily="18" charset="0"/>
-              </a:rPr>
-              <a:t>(1910 - 1955</a:t>
-            </a:r>
-            <a:r>
-              <a:rPr lang="pt-BR" sz="1800" dirty="0" smtClean="0">
-                <a:effectLst>
-                  <a:outerShdw blurRad="38100" dist="38100" dir="2700000" algn="tl">
-                    <a:srgbClr val="C0C0C0"/>
-                  </a:outerShdw>
-                </a:effectLst>
-                <a:latin typeface="Verdana" pitchFamily="34" charset="0"/>
-                <a:cs typeface="Times New Roman" pitchFamily="18" charset="0"/>
-              </a:rPr>
-              <a:t>) e o Z1:</a:t>
-            </a:r>
-            <a:endParaRPr lang="pt-BR" sz="1800" dirty="0">
-              <a:effectLst>
-                <a:outerShdw blurRad="38100" dist="38100" dir="2700000" algn="tl">
-                  <a:srgbClr val="C0C0C0"/>
-                </a:outerShdw>
-              </a:effectLst>
-              <a:latin typeface="Verdana" pitchFamily="34" charset="0"/>
-              <a:cs typeface="Times New Roman" pitchFamily="18" charset="0"/>
-            </a:endParaRPr>
+                <a:latin typeface="Verdana" pitchFamily="34" charset="0"/>
+                <a:cs typeface="Times New Roman" pitchFamily="18" charset="0"/>
+              </a:rPr>
+              <a:t>(1910 - 1955) e o Z1:</a:t>
+            </a:r>
           </a:p>
         </p:txBody>
       </p:sp>
@@ -5881,7 +5757,7 @@
         <p:spPr bwMode="auto">
           <a:xfrm>
             <a:off x="685800" y="842963"/>
-            <a:ext cx="7772400" cy="646112"/>
+            <a:ext cx="7772400" cy="369332"/>
           </a:xfrm>
           <a:prstGeom prst="rect">
             <a:avLst/>
@@ -5906,28 +5782,10 @@
             </a:pPr>
             <a:r>
               <a:rPr lang="pt-BR" sz="1800" b="1" dirty="0">
-                <a:effectLst>
-                  <a:outerShdw blurRad="38100" dist="38100" dir="2700000" algn="tl">
-                    <a:srgbClr val="C0C0C0"/>
-                  </a:outerShdw>
-                </a:effectLst>
                 <a:latin typeface="Verdana" pitchFamily="34" charset="0"/>
               </a:rPr>
               <a:t>4. Dispositivos Eletromecânicos (1880 – 1930)</a:t>
             </a:r>
-          </a:p>
-          <a:p>
-            <a:pPr algn="ctr">
-              <a:defRPr/>
-            </a:pPr>
-            <a:endParaRPr lang="pt-BR" sz="1800" b="1" dirty="0">
-              <a:effectLst>
-                <a:outerShdw blurRad="38100" dist="38100" dir="2700000" algn="tl">
-                  <a:srgbClr val="C0C0C0"/>
-                </a:outerShdw>
-              </a:effectLst>
-              <a:latin typeface="Verdana" pitchFamily="34" charset="0"/>
-            </a:endParaRPr>
           </a:p>
         </p:txBody>
       </p:sp>
@@ -5971,7 +5829,7 @@
 </p:sld>
 </file>
 
-<file path=ppt/slides/slide16.xml><?xml version="1.0" encoding="utf-8"?>
+<file path=ppt/slides/slide17.xml><?xml version="1.0" encoding="utf-8"?>
 <p:sld xmlns:a="http://schemas.openxmlformats.org/drawingml/2006/main" xmlns:r="http://schemas.openxmlformats.org/officeDocument/2006/relationships" xmlns:p="http://schemas.openxmlformats.org/presentationml/2006/main">
   <p:cSld>
     <p:spTree>
@@ -6011,7 +5869,7 @@
               <a:pPr>
                 <a:defRPr/>
               </a:pPr>
-              <a:t>24/04/2016</a:t>
+              <a:t>28/02/2018</a:t>
             </a:fld>
             <a:endParaRPr lang="pt-BR" dirty="0"/>
           </a:p>
@@ -6040,7 +5898,7 @@
               <a:pPr>
                 <a:defRPr/>
               </a:pPr>
-              <a:t>16</a:t>
+              <a:t>17</a:t>
             </a:fld>
             <a:endParaRPr lang="pt-BR"/>
           </a:p>
@@ -6083,19 +5941,6 @@
               <a:defRPr/>
             </a:pPr>
             <a:r>
-              <a:rPr lang="pt-BR" sz="1800" b="1" dirty="0" smtClean="0">
-                <a:effectLst>
-                  <a:outerShdw blurRad="38100" dist="38100" dir="2700000" algn="tl">
-                    <a:srgbClr val="C0C0C0"/>
-                  </a:outerShdw>
-                </a:effectLst>
-                <a:latin typeface="Verdana" pitchFamily="34" charset="0"/>
-                <a:cs typeface="Times New Roman" pitchFamily="18" charset="0"/>
-                <a:sym typeface="Wingdings" pitchFamily="2" charset="2"/>
-              </a:rPr>
-              <a:t> Howard </a:t>
-            </a:r>
-            <a:r>
               <a:rPr lang="pt-BR" sz="1800" b="1" dirty="0">
                 <a:effectLst>
                   <a:outerShdw blurRad="38100" dist="38100" dir="2700000" algn="tl">
@@ -6106,15 +5951,18 @@
                 <a:cs typeface="Times New Roman" pitchFamily="18" charset="0"/>
                 <a:sym typeface="Wingdings" pitchFamily="2" charset="2"/>
               </a:rPr>
-              <a:t>H. </a:t>
+              <a:t> </a:t>
+            </a:r>
+            <a:r>
+              <a:rPr lang="pt-BR" sz="1800" b="1" dirty="0">
+                <a:latin typeface="Verdana" pitchFamily="34" charset="0"/>
+                <a:cs typeface="Times New Roman" pitchFamily="18" charset="0"/>
+                <a:sym typeface="Wingdings" pitchFamily="2" charset="2"/>
+              </a:rPr>
+              <a:t>Howard H. </a:t>
             </a:r>
             <a:r>
               <a:rPr lang="pt-BR" sz="1800" b="1" dirty="0" err="1">
-                <a:effectLst>
-                  <a:outerShdw blurRad="38100" dist="38100" dir="2700000" algn="tl">
-                    <a:srgbClr val="C0C0C0"/>
-                  </a:outerShdw>
-                </a:effectLst>
                 <a:latin typeface="Verdana" pitchFamily="34" charset="0"/>
                 <a:cs typeface="Times New Roman" pitchFamily="18" charset="0"/>
                 <a:sym typeface="Wingdings" pitchFamily="2" charset="2"/>
@@ -6123,11 +5971,6 @@
             </a:r>
             <a:r>
               <a:rPr lang="pt-BR" sz="1800" b="1" dirty="0">
-                <a:effectLst>
-                  <a:outerShdw blurRad="38100" dist="38100" dir="2700000" algn="tl">
-                    <a:srgbClr val="C0C0C0"/>
-                  </a:outerShdw>
-                </a:effectLst>
                 <a:latin typeface="Verdana" pitchFamily="34" charset="0"/>
                 <a:cs typeface="Times New Roman" pitchFamily="18" charset="0"/>
                 <a:sym typeface="Wingdings" pitchFamily="2" charset="2"/>
@@ -6136,76 +5979,54 @@
             </a:r>
             <a:r>
               <a:rPr lang="pt-BR" sz="1800" dirty="0">
-                <a:effectLst>
-                  <a:outerShdw blurRad="38100" dist="38100" dir="2700000" algn="tl">
-                    <a:srgbClr val="C0C0C0"/>
-                  </a:outerShdw>
-                </a:effectLst>
                 <a:latin typeface="Verdana" pitchFamily="34" charset="0"/>
                 <a:cs typeface="Times New Roman" pitchFamily="18" charset="0"/>
                 <a:sym typeface="Wingdings" pitchFamily="2" charset="2"/>
               </a:rPr>
-              <a:t>(1900 - 1973) </a:t>
-            </a:r>
-            <a:r>
-              <a:rPr lang="pt-BR" sz="1800" dirty="0" smtClean="0">
-                <a:effectLst>
-                  <a:outerShdw blurRad="38100" dist="38100" dir="2700000" algn="tl">
-                    <a:srgbClr val="C0C0C0"/>
-                  </a:outerShdw>
-                </a:effectLst>
+              <a:t>(1900 - 1973) e o </a:t>
+            </a:r>
+            <a:r>
+              <a:rPr lang="pt-BR" sz="1800" i="1" dirty="0" err="1">
                 <a:latin typeface="Verdana" pitchFamily="34" charset="0"/>
                 <a:cs typeface="Times New Roman" pitchFamily="18" charset="0"/>
                 <a:sym typeface="Wingdings" pitchFamily="2" charset="2"/>
               </a:rPr>
-              <a:t>e o </a:t>
-            </a:r>
-            <a:r>
-              <a:rPr lang="pt-BR" sz="1800" i="1" dirty="0" err="1" smtClean="0">
-                <a:effectLst>
-                  <a:outerShdw blurRad="38100" dist="38100" dir="2700000" algn="tl">
-                    <a:srgbClr val="C0C0C0"/>
-                  </a:outerShdw>
-                </a:effectLst>
+              <a:t>Automatic</a:t>
+            </a:r>
+            <a:r>
+              <a:rPr lang="pt-BR" sz="1800" i="1" dirty="0">
                 <a:latin typeface="Verdana" pitchFamily="34" charset="0"/>
                 <a:cs typeface="Times New Roman" pitchFamily="18" charset="0"/>
                 <a:sym typeface="Wingdings" pitchFamily="2" charset="2"/>
               </a:rPr>
-              <a:t>Automatic</a:t>
-            </a:r>
-            <a:r>
-              <a:rPr lang="pt-BR" sz="1800" i="1" dirty="0" smtClean="0">
-                <a:effectLst>
-                  <a:outerShdw blurRad="38100" dist="38100" dir="2700000" algn="tl">
-                    <a:srgbClr val="C0C0C0"/>
-                  </a:outerShdw>
-                </a:effectLst>
+              <a:t> </a:t>
+            </a:r>
+            <a:r>
+              <a:rPr lang="pt-BR" sz="1800" i="1" dirty="0" err="1">
                 <a:latin typeface="Verdana" pitchFamily="34" charset="0"/>
                 <a:cs typeface="Times New Roman" pitchFamily="18" charset="0"/>
                 <a:sym typeface="Wingdings" pitchFamily="2" charset="2"/>
               </a:rPr>
+              <a:t>Sequence</a:t>
+            </a:r>
+            <a:r>
+              <a:rPr lang="pt-BR" sz="1800" i="1" dirty="0">
+                <a:latin typeface="Verdana" pitchFamily="34" charset="0"/>
+                <a:cs typeface="Times New Roman" pitchFamily="18" charset="0"/>
+                <a:sym typeface="Wingdings" pitchFamily="2" charset="2"/>
+              </a:rPr>
               <a:t> </a:t>
             </a:r>
             <a:r>
               <a:rPr lang="pt-BR" sz="1800" i="1" dirty="0" err="1">
-                <a:effectLst>
-                  <a:outerShdw blurRad="38100" dist="38100" dir="2700000" algn="tl">
-                    <a:srgbClr val="C0C0C0"/>
-                  </a:outerShdw>
-                </a:effectLst>
                 <a:latin typeface="Verdana" pitchFamily="34" charset="0"/>
                 <a:cs typeface="Times New Roman" pitchFamily="18" charset="0"/>
                 <a:sym typeface="Wingdings" pitchFamily="2" charset="2"/>
               </a:rPr>
-              <a:t>Sequence</a:t>
-            </a:r>
-            <a:r>
-              <a:rPr lang="pt-BR" sz="1800" i="1" dirty="0">
-                <a:effectLst>
-                  <a:outerShdw blurRad="38100" dist="38100" dir="2700000" algn="tl">
-                    <a:srgbClr val="C0C0C0"/>
-                  </a:outerShdw>
-                </a:effectLst>
+              <a:t>Controlled</a:t>
+            </a:r>
+            <a:r>
+              <a:rPr lang="pt-BR" sz="1800" dirty="0">
                 <a:latin typeface="Verdana" pitchFamily="34" charset="0"/>
                 <a:cs typeface="Times New Roman" pitchFamily="18" charset="0"/>
                 <a:sym typeface="Wingdings" pitchFamily="2" charset="2"/>
@@ -6214,81 +6035,19 @@
             </a:r>
             <a:r>
               <a:rPr lang="pt-BR" sz="1800" i="1" dirty="0" err="1">
-                <a:effectLst>
-                  <a:outerShdw blurRad="38100" dist="38100" dir="2700000" algn="tl">
-                    <a:srgbClr val="C0C0C0"/>
-                  </a:outerShdw>
-                </a:effectLst>
                 <a:latin typeface="Verdana" pitchFamily="34" charset="0"/>
                 <a:cs typeface="Times New Roman" pitchFamily="18" charset="0"/>
                 <a:sym typeface="Wingdings" pitchFamily="2" charset="2"/>
               </a:rPr>
-              <a:t>Controlled</a:t>
+              <a:t>Calculator</a:t>
             </a:r>
             <a:r>
               <a:rPr lang="pt-BR" sz="1800" dirty="0">
-                <a:effectLst>
-                  <a:outerShdw blurRad="38100" dist="38100" dir="2700000" algn="tl">
-                    <a:srgbClr val="C0C0C0"/>
-                  </a:outerShdw>
-                </a:effectLst>
                 <a:latin typeface="Verdana" pitchFamily="34" charset="0"/>
                 <a:cs typeface="Times New Roman" pitchFamily="18" charset="0"/>
                 <a:sym typeface="Wingdings" pitchFamily="2" charset="2"/>
               </a:rPr>
-              <a:t> </a:t>
-            </a:r>
-            <a:r>
-              <a:rPr lang="pt-BR" sz="1800" i="1" dirty="0" err="1">
-                <a:effectLst>
-                  <a:outerShdw blurRad="38100" dist="38100" dir="2700000" algn="tl">
-                    <a:srgbClr val="C0C0C0"/>
-                  </a:outerShdw>
-                </a:effectLst>
-                <a:latin typeface="Verdana" pitchFamily="34" charset="0"/>
-                <a:cs typeface="Times New Roman" pitchFamily="18" charset="0"/>
-                <a:sym typeface="Wingdings" pitchFamily="2" charset="2"/>
-              </a:rPr>
-              <a:t>Calculator</a:t>
-            </a:r>
-            <a:r>
-              <a:rPr lang="pt-BR" sz="1800" dirty="0">
-                <a:effectLst>
-                  <a:outerShdw blurRad="38100" dist="38100" dir="2700000" algn="tl">
-                    <a:srgbClr val="C0C0C0"/>
-                  </a:outerShdw>
-                </a:effectLst>
-                <a:latin typeface="Verdana" pitchFamily="34" charset="0"/>
-                <a:cs typeface="Times New Roman" pitchFamily="18" charset="0"/>
-                <a:sym typeface="Wingdings" pitchFamily="2" charset="2"/>
-              </a:rPr>
-              <a:t> (</a:t>
-            </a:r>
-            <a:r>
-              <a:rPr lang="pt-BR" sz="1800" dirty="0" smtClean="0">
-                <a:effectLst>
-                  <a:outerShdw blurRad="38100" dist="38100" dir="2700000" algn="tl">
-                    <a:srgbClr val="C0C0C0"/>
-                  </a:outerShdw>
-                </a:effectLst>
-                <a:latin typeface="Verdana" pitchFamily="34" charset="0"/>
-                <a:cs typeface="Times New Roman" pitchFamily="18" charset="0"/>
-                <a:sym typeface="Wingdings" pitchFamily="2" charset="2"/>
-              </a:rPr>
-              <a:t>ASCC) ou Harvard </a:t>
-            </a:r>
-            <a:r>
-              <a:rPr lang="pt-BR" sz="1800" dirty="0">
-                <a:effectLst>
-                  <a:outerShdw blurRad="38100" dist="38100" dir="2700000" algn="tl">
-                    <a:srgbClr val="C0C0C0"/>
-                  </a:outerShdw>
-                </a:effectLst>
-                <a:latin typeface="Verdana" pitchFamily="34" charset="0"/>
-                <a:cs typeface="Times New Roman" pitchFamily="18" charset="0"/>
-                <a:sym typeface="Wingdings" pitchFamily="2" charset="2"/>
-              </a:rPr>
-              <a:t>Mark I.</a:t>
+              <a:t> (ASCC) ou Harvard Mark I.</a:t>
             </a:r>
           </a:p>
           <a:p>
@@ -6376,11 +6135,6 @@
             </a:pPr>
             <a:r>
               <a:rPr lang="pt-BR" sz="1800" b="1" dirty="0">
-                <a:effectLst>
-                  <a:outerShdw blurRad="38100" dist="38100" dir="2700000" algn="tl">
-                    <a:srgbClr val="C0C0C0"/>
-                  </a:outerShdw>
-                </a:effectLst>
                 <a:latin typeface="Verdana" pitchFamily="34" charset="0"/>
               </a:rPr>
               <a:t>4. Dispositivos Eletromecânicos (1880 – 1930)</a:t>
@@ -6477,7 +6231,7 @@
 </p:sld>
 </file>
 
-<file path=ppt/slides/slide17.xml><?xml version="1.0" encoding="utf-8"?>
+<file path=ppt/slides/slide18.xml><?xml version="1.0" encoding="utf-8"?>
 <p:sld xmlns:a="http://schemas.openxmlformats.org/drawingml/2006/main" xmlns:r="http://schemas.openxmlformats.org/officeDocument/2006/relationships" xmlns:p="http://schemas.openxmlformats.org/presentationml/2006/main">
   <p:cSld>
     <p:spTree>
@@ -6517,7 +6271,7 @@
               <a:pPr>
                 <a:defRPr/>
               </a:pPr>
-              <a:t>24/04/2016</a:t>
+              <a:t>28/02/2018</a:t>
             </a:fld>
             <a:endParaRPr lang="pt-BR" dirty="0"/>
           </a:p>
@@ -6546,7 +6300,7 @@
               <a:pPr>
                 <a:defRPr/>
               </a:pPr>
-              <a:t>17</a:t>
+              <a:t>18</a:t>
             </a:fld>
             <a:endParaRPr lang="pt-BR"/>
           </a:p>
@@ -6598,25 +6352,22 @@
                 <a:latin typeface="Verdana" pitchFamily="34" charset="0"/>
                 <a:cs typeface="Times New Roman" pitchFamily="18" charset="0"/>
               </a:rPr>
-              <a:t> Primeiras</a:t>
+              <a:t> </a:t>
             </a:r>
             <a:r>
               <a:rPr lang="pt-BR" sz="1800" dirty="0">
-                <a:effectLst>
-                  <a:outerShdw blurRad="38100" dist="38100" dir="2700000" algn="tl">
-                    <a:srgbClr val="C0C0C0"/>
-                  </a:outerShdw>
-                </a:effectLst>
+                <a:latin typeface="Verdana" pitchFamily="34" charset="0"/>
+                <a:cs typeface="Times New Roman" pitchFamily="18" charset="0"/>
+              </a:rPr>
+              <a:t>Primeiras</a:t>
+            </a:r>
+            <a:r>
+              <a:rPr lang="pt-BR" sz="1800" dirty="0">
                 <a:latin typeface="Verdana" pitchFamily="34" charset="0"/>
               </a:rPr>
               <a:t> Invenções (1930 – 1945)</a:t>
             </a:r>
             <a:endParaRPr lang="pt-BR" sz="1800" dirty="0">
-              <a:effectLst>
-                <a:outerShdw blurRad="38100" dist="38100" dir="2700000" algn="tl">
-                  <a:srgbClr val="C0C0C0"/>
-                </a:outerShdw>
-              </a:effectLst>
               <a:latin typeface="Verdana" pitchFamily="34" charset="0"/>
               <a:cs typeface="Times New Roman" pitchFamily="18" charset="0"/>
             </a:endParaRPr>
@@ -6628,11 +6379,6 @@
               <a:defRPr/>
             </a:pPr>
             <a:endParaRPr lang="pt-BR" sz="1800" dirty="0">
-              <a:effectLst>
-                <a:outerShdw blurRad="38100" dist="38100" dir="2700000" algn="tl">
-                  <a:srgbClr val="C0C0C0"/>
-                </a:outerShdw>
-              </a:effectLst>
               <a:latin typeface="Verdana" pitchFamily="34" charset="0"/>
               <a:cs typeface="Times New Roman" pitchFamily="18" charset="0"/>
               <a:sym typeface="Wingdings" pitchFamily="2" charset="2"/>
@@ -6646,11 +6392,6 @@
             </a:pPr>
             <a:r>
               <a:rPr lang="pt-BR" sz="1800" dirty="0">
-                <a:effectLst>
-                  <a:outerShdw blurRad="38100" dist="38100" dir="2700000" algn="tl">
-                    <a:srgbClr val="C0C0C0"/>
-                  </a:outerShdw>
-                </a:effectLst>
                 <a:latin typeface="Verdana" pitchFamily="34" charset="0"/>
                 <a:cs typeface="Times New Roman" pitchFamily="18" charset="0"/>
                 <a:sym typeface="Wingdings" pitchFamily="2" charset="2"/>
@@ -6665,11 +6406,6 @@
               <a:defRPr/>
             </a:pPr>
             <a:endParaRPr lang="pt-BR" sz="1800" dirty="0">
-              <a:effectLst>
-                <a:outerShdw blurRad="38100" dist="38100" dir="2700000" algn="tl">
-                  <a:srgbClr val="C0C0C0"/>
-                </a:outerShdw>
-              </a:effectLst>
               <a:latin typeface="Verdana" pitchFamily="34" charset="0"/>
               <a:cs typeface="Times New Roman" pitchFamily="18" charset="0"/>
               <a:sym typeface="Wingdings" pitchFamily="2" charset="2"/>
@@ -6682,11 +6418,6 @@
               <a:defRPr/>
             </a:pPr>
             <a:endParaRPr lang="pt-BR" sz="1800" dirty="0">
-              <a:effectLst>
-                <a:outerShdw blurRad="38100" dist="38100" dir="2700000" algn="tl">
-                  <a:srgbClr val="C0C0C0"/>
-                </a:outerShdw>
-              </a:effectLst>
               <a:latin typeface="Verdana" pitchFamily="34" charset="0"/>
               <a:cs typeface="Times New Roman" pitchFamily="18" charset="0"/>
               <a:sym typeface="Wingdings" pitchFamily="2" charset="2"/>
@@ -6699,11 +6430,6 @@
               <a:defRPr/>
             </a:pPr>
             <a:endParaRPr lang="pt-BR" sz="1800" dirty="0">
-              <a:effectLst>
-                <a:outerShdw blurRad="38100" dist="38100" dir="2700000" algn="tl">
-                  <a:srgbClr val="C0C0C0"/>
-                </a:outerShdw>
-              </a:effectLst>
               <a:latin typeface="Verdana" pitchFamily="34" charset="0"/>
               <a:cs typeface="Times New Roman" pitchFamily="18" charset="0"/>
               <a:sym typeface="Wingdings" pitchFamily="2" charset="2"/>
@@ -6716,11 +6442,6 @@
               <a:defRPr/>
             </a:pPr>
             <a:endParaRPr lang="pt-BR" sz="1800" dirty="0">
-              <a:effectLst>
-                <a:outerShdw blurRad="38100" dist="38100" dir="2700000" algn="tl">
-                  <a:srgbClr val="C0C0C0"/>
-                </a:outerShdw>
-              </a:effectLst>
               <a:latin typeface="Verdana" pitchFamily="34" charset="0"/>
               <a:cs typeface="Times New Roman" pitchFamily="18" charset="0"/>
               <a:sym typeface="Wingdings" pitchFamily="2" charset="2"/>
@@ -6733,11 +6454,6 @@
               <a:defRPr/>
             </a:pPr>
             <a:endParaRPr lang="pt-BR" sz="1800" dirty="0">
-              <a:effectLst>
-                <a:outerShdw blurRad="38100" dist="38100" dir="2700000" algn="tl">
-                  <a:srgbClr val="C0C0C0"/>
-                </a:outerShdw>
-              </a:effectLst>
               <a:latin typeface="Verdana" pitchFamily="34" charset="0"/>
               <a:cs typeface="Times New Roman" pitchFamily="18" charset="0"/>
               <a:sym typeface="Wingdings" pitchFamily="2" charset="2"/>
@@ -6748,11 +6464,6 @@
               <a:defRPr/>
             </a:pPr>
             <a:endParaRPr lang="pt-BR" sz="1800" dirty="0">
-              <a:effectLst>
-                <a:outerShdw blurRad="38100" dist="38100" dir="2700000" algn="tl">
-                  <a:srgbClr val="C0C0C0"/>
-                </a:outerShdw>
-              </a:effectLst>
               <a:latin typeface="Verdana" pitchFamily="34" charset="0"/>
               <a:cs typeface="Times New Roman" pitchFamily="18" charset="0"/>
               <a:sym typeface="Wingdings" pitchFamily="2" charset="2"/>
@@ -6765,11 +6476,6 @@
               <a:defRPr/>
             </a:pPr>
             <a:endParaRPr lang="pt-BR" sz="1800" dirty="0">
-              <a:effectLst>
-                <a:outerShdw blurRad="38100" dist="38100" dir="2700000" algn="tl">
-                  <a:srgbClr val="C0C0C0"/>
-                </a:outerShdw>
-              </a:effectLst>
               <a:latin typeface="Verdana" pitchFamily="34" charset="0"/>
               <a:cs typeface="Times New Roman" pitchFamily="18" charset="0"/>
               <a:sym typeface="Wingdings" pitchFamily="2" charset="2"/>
@@ -6782,11 +6488,6 @@
               <a:defRPr/>
             </a:pPr>
             <a:endParaRPr lang="pt-BR" sz="1800" dirty="0">
-              <a:effectLst>
-                <a:outerShdw blurRad="38100" dist="38100" dir="2700000" algn="tl">
-                  <a:srgbClr val="C0C0C0"/>
-                </a:outerShdw>
-              </a:effectLst>
               <a:latin typeface="Verdana" pitchFamily="34" charset="0"/>
               <a:cs typeface="Times New Roman" pitchFamily="18" charset="0"/>
               <a:sym typeface="Wingdings" pitchFamily="2" charset="2"/>
@@ -6797,11 +6498,6 @@
               <a:defRPr/>
             </a:pPr>
             <a:endParaRPr lang="pt-BR" sz="1800" dirty="0">
-              <a:effectLst>
-                <a:outerShdw blurRad="38100" dist="38100" dir="2700000" algn="tl">
-                  <a:srgbClr val="C0C0C0"/>
-                </a:outerShdw>
-              </a:effectLst>
               <a:latin typeface="Verdana" pitchFamily="34" charset="0"/>
               <a:cs typeface="Times New Roman" pitchFamily="18" charset="0"/>
               <a:sym typeface="Wingdings" pitchFamily="2" charset="2"/>
@@ -6815,11 +6511,6 @@
             </a:pPr>
             <a:r>
               <a:rPr lang="pt-BR" sz="1800" dirty="0">
-                <a:effectLst>
-                  <a:outerShdw blurRad="38100" dist="38100" dir="2700000" algn="tl">
-                    <a:srgbClr val="C0C0C0"/>
-                  </a:outerShdw>
-                </a:effectLst>
                 <a:latin typeface="Verdana" pitchFamily="34" charset="0"/>
                 <a:cs typeface="Times New Roman" pitchFamily="18" charset="0"/>
                 <a:sym typeface="Wingdings" pitchFamily="2" charset="2"/>
@@ -6834,11 +6525,6 @@
               <a:defRPr/>
             </a:pPr>
             <a:endParaRPr lang="pt-BR" sz="1800" dirty="0">
-              <a:effectLst>
-                <a:outerShdw blurRad="38100" dist="38100" dir="2700000" algn="tl">
-                  <a:srgbClr val="C0C0C0"/>
-                </a:outerShdw>
-              </a:effectLst>
               <a:latin typeface="Verdana" pitchFamily="34" charset="0"/>
               <a:cs typeface="Times New Roman" pitchFamily="18" charset="0"/>
               <a:sym typeface="Wingdings" pitchFamily="2" charset="2"/>
@@ -6852,11 +6538,6 @@
             </a:pPr>
             <a:r>
               <a:rPr lang="pt-BR" sz="1800" dirty="0">
-                <a:effectLst>
-                  <a:outerShdw blurRad="38100" dist="38100" dir="2700000" algn="tl">
-                    <a:srgbClr val="C0C0C0"/>
-                  </a:outerShdw>
-                </a:effectLst>
                 <a:latin typeface="Verdana" pitchFamily="34" charset="0"/>
                 <a:cs typeface="Times New Roman" pitchFamily="18" charset="0"/>
                 <a:sym typeface="Wingdings" pitchFamily="2" charset="2"/>
@@ -6865,11 +6546,6 @@
             </a:r>
             <a:r>
               <a:rPr lang="pt-BR" sz="1800" dirty="0" err="1">
-                <a:effectLst>
-                  <a:outerShdw blurRad="38100" dist="38100" dir="2700000" algn="tl">
-                    <a:srgbClr val="C0C0C0"/>
-                  </a:outerShdw>
-                </a:effectLst>
                 <a:latin typeface="Verdana" pitchFamily="34" charset="0"/>
                 <a:cs typeface="Times New Roman" pitchFamily="18" charset="0"/>
                 <a:sym typeface="Wingdings" pitchFamily="2" charset="2"/>
@@ -6878,11 +6554,6 @@
             </a:r>
             <a:r>
               <a:rPr lang="pt-BR" sz="1800" dirty="0">
-                <a:effectLst>
-                  <a:outerShdw blurRad="38100" dist="38100" dir="2700000" algn="tl">
-                    <a:srgbClr val="C0C0C0"/>
-                  </a:outerShdw>
-                </a:effectLst>
                 <a:latin typeface="Verdana" pitchFamily="34" charset="0"/>
                 <a:cs typeface="Times New Roman" pitchFamily="18" charset="0"/>
                 <a:sym typeface="Wingdings" pitchFamily="2" charset="2"/>
@@ -6891,11 +6562,6 @@
             </a:r>
             <a:r>
               <a:rPr lang="pt-BR" sz="1800" i="1" dirty="0">
-                <a:effectLst>
-                  <a:outerShdw blurRad="38100" dist="38100" dir="2700000" algn="tl">
-                    <a:srgbClr val="C0C0C0"/>
-                  </a:outerShdw>
-                </a:effectLst>
                 <a:latin typeface="Verdana" pitchFamily="34" charset="0"/>
                 <a:cs typeface="Times New Roman" pitchFamily="18" charset="0"/>
                 <a:sym typeface="Wingdings" pitchFamily="2" charset="2"/>
@@ -6904,11 +6570,6 @@
             </a:r>
             <a:r>
               <a:rPr lang="pt-BR" sz="1800" dirty="0">
-                <a:effectLst>
-                  <a:outerShdw blurRad="38100" dist="38100" dir="2700000" algn="tl">
-                    <a:srgbClr val="C0C0C0"/>
-                  </a:outerShdw>
-                </a:effectLst>
                 <a:latin typeface="Verdana" pitchFamily="34" charset="0"/>
                 <a:cs typeface="Times New Roman" pitchFamily="18" charset="0"/>
                 <a:sym typeface="Wingdings" pitchFamily="2" charset="2"/>
@@ -6954,11 +6615,6 @@
             </a:pPr>
             <a:r>
               <a:rPr lang="pt-BR" sz="1800" b="1" dirty="0">
-                <a:effectLst>
-                  <a:outerShdw blurRad="38100" dist="38100" dir="2700000" algn="tl">
-                    <a:srgbClr val="C0C0C0"/>
-                  </a:outerShdw>
-                </a:effectLst>
                 <a:latin typeface="Verdana" pitchFamily="34" charset="0"/>
               </a:rPr>
               <a:t>5. Componentes Eletrônicos </a:t>
@@ -7006,7 +6662,7 @@
 </p:sld>
 </file>
 
-<file path=ppt/slides/slide18.xml><?xml version="1.0" encoding="utf-8"?>
+<file path=ppt/slides/slide19.xml><?xml version="1.0" encoding="utf-8"?>
 <p:sld xmlns:a="http://schemas.openxmlformats.org/drawingml/2006/main" xmlns:r="http://schemas.openxmlformats.org/officeDocument/2006/relationships" xmlns:p="http://schemas.openxmlformats.org/presentationml/2006/main">
   <p:cSld>
     <p:spTree>
@@ -7046,7 +6702,7 @@
               <a:pPr>
                 <a:defRPr/>
               </a:pPr>
-              <a:t>24/04/2016</a:t>
+              <a:t>28/02/2018</a:t>
             </a:fld>
             <a:endParaRPr lang="pt-BR" dirty="0"/>
           </a:p>
@@ -7075,7 +6731,7 @@
               <a:pPr>
                 <a:defRPr/>
               </a:pPr>
-              <a:t>18</a:t>
+              <a:t>19</a:t>
             </a:fld>
             <a:endParaRPr lang="pt-BR"/>
           </a:p>
@@ -7127,25 +6783,22 @@
                 <a:latin typeface="Verdana" pitchFamily="34" charset="0"/>
                 <a:cs typeface="Times New Roman" pitchFamily="18" charset="0"/>
               </a:rPr>
-              <a:t> Primeiras </a:t>
+              <a:t> </a:t>
             </a:r>
             <a:r>
               <a:rPr lang="pt-BR" sz="1800" dirty="0">
-                <a:effectLst>
-                  <a:outerShdw blurRad="38100" dist="38100" dir="2700000" algn="tl">
-                    <a:srgbClr val="C0C0C0"/>
-                  </a:outerShdw>
-                </a:effectLst>
+                <a:latin typeface="Verdana" pitchFamily="34" charset="0"/>
+                <a:cs typeface="Times New Roman" pitchFamily="18" charset="0"/>
+              </a:rPr>
+              <a:t>Primeiras </a:t>
+            </a:r>
+            <a:r>
+              <a:rPr lang="pt-BR" sz="1800" dirty="0">
                 <a:latin typeface="Verdana" pitchFamily="34" charset="0"/>
               </a:rPr>
               <a:t>Invenções (1930 – 1945)</a:t>
             </a:r>
             <a:endParaRPr lang="pt-BR" sz="1800" dirty="0">
-              <a:effectLst>
-                <a:outerShdw blurRad="38100" dist="38100" dir="2700000" algn="tl">
-                  <a:srgbClr val="C0C0C0"/>
-                </a:outerShdw>
-              </a:effectLst>
               <a:latin typeface="Verdana" pitchFamily="34" charset="0"/>
               <a:cs typeface="Times New Roman" pitchFamily="18" charset="0"/>
             </a:endParaRPr>
@@ -7157,11 +6810,6 @@
               <a:defRPr/>
             </a:pPr>
             <a:endParaRPr lang="pt-BR" sz="1800" dirty="0">
-              <a:effectLst>
-                <a:outerShdw blurRad="38100" dist="38100" dir="2700000" algn="tl">
-                  <a:srgbClr val="C0C0C0"/>
-                </a:outerShdw>
-              </a:effectLst>
               <a:latin typeface="Verdana" pitchFamily="34" charset="0"/>
               <a:cs typeface="Times New Roman" pitchFamily="18" charset="0"/>
               <a:sym typeface="Wingdings" pitchFamily="2" charset="2"/>
@@ -7175,11 +6823,6 @@
             </a:pPr>
             <a:r>
               <a:rPr lang="pt-BR" sz="1800" dirty="0">
-                <a:effectLst>
-                  <a:outerShdw blurRad="38100" dist="38100" dir="2700000" algn="tl">
-                    <a:srgbClr val="C0C0C0"/>
-                  </a:outerShdw>
-                </a:effectLst>
                 <a:latin typeface="Verdana" pitchFamily="34" charset="0"/>
                 <a:cs typeface="Times New Roman" pitchFamily="18" charset="0"/>
                 <a:sym typeface="Wingdings" pitchFamily="2" charset="2"/>
@@ -7188,11 +6831,6 @@
             </a:r>
             <a:r>
               <a:rPr lang="pt-BR" sz="1800" dirty="0" err="1">
-                <a:effectLst>
-                  <a:outerShdw blurRad="38100" dist="38100" dir="2700000" algn="tl">
-                    <a:srgbClr val="C0C0C0"/>
-                  </a:outerShdw>
-                </a:effectLst>
                 <a:latin typeface="Verdana" pitchFamily="34" charset="0"/>
                 <a:cs typeface="Times New Roman" pitchFamily="18" charset="0"/>
                 <a:sym typeface="Wingdings" pitchFamily="2" charset="2"/>
@@ -7201,11 +6839,6 @@
             </a:r>
             <a:r>
               <a:rPr lang="pt-BR" sz="1800" dirty="0">
-                <a:effectLst>
-                  <a:outerShdw blurRad="38100" dist="38100" dir="2700000" algn="tl">
-                    <a:srgbClr val="C0C0C0"/>
-                  </a:outerShdw>
-                </a:effectLst>
                 <a:latin typeface="Verdana" pitchFamily="34" charset="0"/>
                 <a:cs typeface="Times New Roman" pitchFamily="18" charset="0"/>
                 <a:sym typeface="Wingdings" pitchFamily="2" charset="2"/>
@@ -7214,11 +6847,6 @@
             </a:r>
             <a:r>
               <a:rPr lang="pt-BR" sz="1800" dirty="0" err="1">
-                <a:effectLst>
-                  <a:outerShdw blurRad="38100" dist="38100" dir="2700000" algn="tl">
-                    <a:srgbClr val="C0C0C0"/>
-                  </a:outerShdw>
-                </a:effectLst>
                 <a:latin typeface="Verdana" pitchFamily="34" charset="0"/>
                 <a:cs typeface="Times New Roman" pitchFamily="18" charset="0"/>
                 <a:sym typeface="Wingdings" pitchFamily="2" charset="2"/>
@@ -7227,142 +6855,83 @@
             </a:r>
             <a:r>
               <a:rPr lang="pt-BR" sz="1800" dirty="0">
-                <a:effectLst>
-                  <a:outerShdw blurRad="38100" dist="38100" dir="2700000" algn="tl">
-                    <a:srgbClr val="C0C0C0"/>
-                  </a:outerShdw>
-                </a:effectLst>
                 <a:latin typeface="Verdana" pitchFamily="34" charset="0"/>
                 <a:cs typeface="Times New Roman" pitchFamily="18" charset="0"/>
                 <a:sym typeface="Wingdings" pitchFamily="2" charset="2"/>
               </a:rPr>
-              <a:t> realizavam seus trabalhos com dispositivos eletromecânicos, dois outros cientistas desenvolveram computadores usando válvulas</a:t>
-            </a:r>
-            <a:r>
-              <a:rPr lang="pt-BR" sz="1800" dirty="0" smtClean="0">
-                <a:effectLst>
-                  <a:outerShdw blurRad="38100" dist="38100" dir="2700000" algn="tl">
-                    <a:srgbClr val="C0C0C0"/>
-                  </a:outerShdw>
-                </a:effectLst>
-                <a:latin typeface="Verdana" pitchFamily="34" charset="0"/>
-                <a:cs typeface="Times New Roman" pitchFamily="18" charset="0"/>
-                <a:sym typeface="Wingdings" pitchFamily="2" charset="2"/>
-              </a:rPr>
-              <a:t>.</a:t>
-            </a:r>
+              <a:t> realizavam seus trabalhos com dispositivos eletromecânicos, dois outros cientistas desenvolveram computadores usando válvulas.</a:t>
+            </a:r>
+          </a:p>
+          <a:p>
+            <a:pPr lvl="1" algn="just">
+              <a:buFont typeface="Wingdings" pitchFamily="2" charset="2"/>
+              <a:buChar char="ü"/>
+              <a:defRPr/>
+            </a:pPr>
             <a:endParaRPr lang="pt-BR" sz="1800" dirty="0">
-              <a:effectLst>
-                <a:outerShdw blurRad="38100" dist="38100" dir="2700000" algn="tl">
-                  <a:srgbClr val="C0C0C0"/>
-                </a:outerShdw>
-              </a:effectLst>
               <a:latin typeface="Verdana" pitchFamily="34" charset="0"/>
               <a:cs typeface="Times New Roman" pitchFamily="18" charset="0"/>
               <a:sym typeface="Wingdings" pitchFamily="2" charset="2"/>
             </a:endParaRPr>
           </a:p>
           <a:p>
-            <a:pPr lvl="1" algn="just">
+            <a:pPr lvl="4" algn="just">
               <a:buFont typeface="Wingdings" pitchFamily="2" charset="2"/>
               <a:buChar char="ü"/>
               <a:defRPr/>
             </a:pPr>
+            <a:r>
+              <a:rPr lang="pt-BR" sz="1800" b="1" dirty="0">
+                <a:latin typeface="Verdana" pitchFamily="34" charset="0"/>
+                <a:cs typeface="Times New Roman" pitchFamily="18" charset="0"/>
+                <a:sym typeface="Wingdings" pitchFamily="2" charset="2"/>
+              </a:rPr>
+              <a:t> John V. </a:t>
+            </a:r>
+            <a:r>
+              <a:rPr lang="pt-BR" sz="1800" b="1" dirty="0" err="1">
+                <a:latin typeface="Verdana" pitchFamily="34" charset="0"/>
+                <a:cs typeface="Times New Roman" pitchFamily="18" charset="0"/>
+                <a:sym typeface="Wingdings" pitchFamily="2" charset="2"/>
+              </a:rPr>
+              <a:t>Atanasoff</a:t>
+            </a:r>
+            <a:r>
+              <a:rPr lang="pt-BR" sz="1800" b="1" dirty="0">
+                <a:latin typeface="Verdana" pitchFamily="34" charset="0"/>
+                <a:cs typeface="Times New Roman" pitchFamily="18" charset="0"/>
+                <a:sym typeface="Wingdings" pitchFamily="2" charset="2"/>
+              </a:rPr>
+              <a:t> </a:t>
+            </a:r>
+            <a:r>
+              <a:rPr lang="pt-BR" sz="1800" dirty="0">
+                <a:latin typeface="Verdana" pitchFamily="34" charset="0"/>
+                <a:cs typeface="Times New Roman" pitchFamily="18" charset="0"/>
+                <a:sym typeface="Wingdings" pitchFamily="2" charset="2"/>
+              </a:rPr>
+              <a:t>(1903 – 1995)</a:t>
+            </a:r>
+          </a:p>
+          <a:p>
+            <a:pPr lvl="5" algn="just">
+              <a:buFont typeface="Wingdings" pitchFamily="2" charset="2"/>
+              <a:buChar char="ü"/>
+              <a:defRPr/>
+            </a:pPr>
             <a:endParaRPr lang="pt-BR" sz="1800" dirty="0">
-              <a:effectLst>
-                <a:outerShdw blurRad="38100" dist="38100" dir="2700000" algn="tl">
-                  <a:srgbClr val="C0C0C0"/>
-                </a:outerShdw>
-              </a:effectLst>
               <a:latin typeface="Verdana" pitchFamily="34" charset="0"/>
               <a:cs typeface="Times New Roman" pitchFamily="18" charset="0"/>
               <a:sym typeface="Wingdings" pitchFamily="2" charset="2"/>
             </a:endParaRPr>
           </a:p>
           <a:p>
-            <a:pPr lvl="4" algn="just">
-              <a:buFont typeface="Wingdings" pitchFamily="2" charset="2"/>
-              <a:buChar char="ü"/>
-              <a:defRPr/>
-            </a:pPr>
-            <a:r>
-              <a:rPr lang="pt-BR" sz="1800" b="1" dirty="0" smtClean="0">
-                <a:effectLst>
-                  <a:outerShdw blurRad="38100" dist="38100" dir="2700000" algn="tl">
-                    <a:srgbClr val="C0C0C0"/>
-                  </a:outerShdw>
-                </a:effectLst>
-                <a:latin typeface="Verdana" pitchFamily="34" charset="0"/>
-                <a:cs typeface="Times New Roman" pitchFamily="18" charset="0"/>
-                <a:sym typeface="Wingdings" pitchFamily="2" charset="2"/>
-              </a:rPr>
-              <a:t> John V. </a:t>
-            </a:r>
-            <a:r>
-              <a:rPr lang="pt-BR" sz="1800" b="1" dirty="0" err="1" smtClean="0">
-                <a:effectLst>
-                  <a:outerShdw blurRad="38100" dist="38100" dir="2700000" algn="tl">
-                    <a:srgbClr val="C0C0C0"/>
-                  </a:outerShdw>
-                </a:effectLst>
-                <a:latin typeface="Verdana" pitchFamily="34" charset="0"/>
-                <a:cs typeface="Times New Roman" pitchFamily="18" charset="0"/>
-                <a:sym typeface="Wingdings" pitchFamily="2" charset="2"/>
-              </a:rPr>
-              <a:t>Atanasoff</a:t>
-            </a:r>
-            <a:r>
-              <a:rPr lang="pt-BR" sz="1800" b="1" dirty="0" smtClean="0">
-                <a:effectLst>
-                  <a:outerShdw blurRad="38100" dist="38100" dir="2700000" algn="tl">
-                    <a:srgbClr val="C0C0C0"/>
-                  </a:outerShdw>
-                </a:effectLst>
-                <a:latin typeface="Verdana" pitchFamily="34" charset="0"/>
-                <a:cs typeface="Times New Roman" pitchFamily="18" charset="0"/>
-                <a:sym typeface="Wingdings" pitchFamily="2" charset="2"/>
-              </a:rPr>
-              <a:t> </a:t>
-            </a:r>
-            <a:r>
-              <a:rPr lang="pt-BR" sz="1800" dirty="0">
-                <a:effectLst>
-                  <a:outerShdw blurRad="38100" dist="38100" dir="2700000" algn="tl">
-                    <a:srgbClr val="C0C0C0"/>
-                  </a:outerShdw>
-                </a:effectLst>
-                <a:latin typeface="Verdana" pitchFamily="34" charset="0"/>
-                <a:cs typeface="Times New Roman" pitchFamily="18" charset="0"/>
-                <a:sym typeface="Wingdings" pitchFamily="2" charset="2"/>
-              </a:rPr>
-              <a:t>(1903 – 1995</a:t>
-            </a:r>
-            <a:r>
-              <a:rPr lang="pt-BR" sz="1800" dirty="0" smtClean="0">
-                <a:effectLst>
-                  <a:outerShdw blurRad="38100" dist="38100" dir="2700000" algn="tl">
-                    <a:srgbClr val="C0C0C0"/>
-                  </a:outerShdw>
-                </a:effectLst>
-                <a:latin typeface="Verdana" pitchFamily="34" charset="0"/>
-                <a:cs typeface="Times New Roman" pitchFamily="18" charset="0"/>
-                <a:sym typeface="Wingdings" pitchFamily="2" charset="2"/>
-              </a:rPr>
-              <a:t>)</a:t>
-            </a:r>
-          </a:p>
-          <a:p>
             <a:pPr lvl="5" algn="just">
               <a:buFont typeface="Wingdings" pitchFamily="2" charset="2"/>
               <a:buChar char="ü"/>
               <a:defRPr/>
             </a:pPr>
             <a:endParaRPr lang="pt-BR" sz="1800" dirty="0">
-              <a:effectLst>
-                <a:outerShdw blurRad="38100" dist="38100" dir="2700000" algn="tl">
-                  <a:srgbClr val="C0C0C0"/>
-                </a:outerShdw>
-              </a:effectLst>
               <a:latin typeface="Verdana" pitchFamily="34" charset="0"/>
               <a:cs typeface="Times New Roman" pitchFamily="18" charset="0"/>
               <a:sym typeface="Wingdings" pitchFamily="2" charset="2"/>
@@ -7374,102 +6943,50 @@
               <a:buChar char="ü"/>
               <a:defRPr/>
             </a:pPr>
-            <a:endParaRPr lang="pt-BR" sz="1800" dirty="0" smtClean="0">
-              <a:effectLst>
-                <a:outerShdw blurRad="38100" dist="38100" dir="2700000" algn="tl">
-                  <a:srgbClr val="C0C0C0"/>
-                </a:outerShdw>
-              </a:effectLst>
+            <a:endParaRPr lang="pt-BR" sz="1800" dirty="0">
               <a:latin typeface="Verdana" pitchFamily="34" charset="0"/>
               <a:cs typeface="Times New Roman" pitchFamily="18" charset="0"/>
               <a:sym typeface="Wingdings" pitchFamily="2" charset="2"/>
             </a:endParaRPr>
           </a:p>
           <a:p>
+            <a:pPr lvl="4" algn="just">
+              <a:buFont typeface="Wingdings" pitchFamily="2" charset="2"/>
+              <a:buChar char="ü"/>
+              <a:defRPr/>
+            </a:pPr>
+            <a:r>
+              <a:rPr lang="pt-BR" sz="1800" dirty="0">
+                <a:latin typeface="Verdana" pitchFamily="34" charset="0"/>
+                <a:cs typeface="Times New Roman" pitchFamily="18" charset="0"/>
+                <a:sym typeface="Wingdings" pitchFamily="2" charset="2"/>
+              </a:rPr>
+              <a:t> </a:t>
+            </a:r>
+            <a:r>
+              <a:rPr lang="pt-BR" sz="1800" b="1" dirty="0">
+                <a:latin typeface="Verdana" pitchFamily="34" charset="0"/>
+                <a:cs typeface="Times New Roman" pitchFamily="18" charset="0"/>
+                <a:sym typeface="Wingdings" pitchFamily="2" charset="2"/>
+              </a:rPr>
+              <a:t>Alan Turing </a:t>
+            </a:r>
+            <a:r>
+              <a:rPr lang="pt-BR" sz="1800" dirty="0">
+                <a:latin typeface="Verdana" pitchFamily="34" charset="0"/>
+                <a:cs typeface="Times New Roman" pitchFamily="18" charset="0"/>
+                <a:sym typeface="Wingdings" pitchFamily="2" charset="2"/>
+              </a:rPr>
+              <a:t>(1912 - 1954),</a:t>
+            </a:r>
+          </a:p>
+          <a:p>
             <a:pPr lvl="5" algn="just">
               <a:buFont typeface="Wingdings" pitchFamily="2" charset="2"/>
               <a:buChar char="ü"/>
               <a:defRPr/>
             </a:pPr>
             <a:endParaRPr lang="pt-BR" sz="1800" dirty="0">
-              <a:effectLst>
-                <a:outerShdw blurRad="38100" dist="38100" dir="2700000" algn="tl">
-                  <a:srgbClr val="C0C0C0"/>
-                </a:outerShdw>
-              </a:effectLst>
-              <a:latin typeface="Verdana" pitchFamily="34" charset="0"/>
-              <a:cs typeface="Times New Roman" pitchFamily="18" charset="0"/>
-              <a:sym typeface="Wingdings" pitchFamily="2" charset="2"/>
-            </a:endParaRPr>
-          </a:p>
-          <a:p>
-            <a:pPr lvl="4" algn="just">
-              <a:buFont typeface="Wingdings" pitchFamily="2" charset="2"/>
-              <a:buChar char="ü"/>
-              <a:defRPr/>
-            </a:pPr>
-            <a:r>
-              <a:rPr lang="pt-BR" sz="1800" dirty="0" smtClean="0">
-                <a:effectLst>
-                  <a:outerShdw blurRad="38100" dist="38100" dir="2700000" algn="tl">
-                    <a:srgbClr val="C0C0C0"/>
-                  </a:outerShdw>
-                </a:effectLst>
-                <a:latin typeface="Verdana" pitchFamily="34" charset="0"/>
-                <a:cs typeface="Times New Roman" pitchFamily="18" charset="0"/>
-                <a:sym typeface="Wingdings" pitchFamily="2" charset="2"/>
-              </a:rPr>
-              <a:t> </a:t>
-            </a:r>
-            <a:r>
-              <a:rPr lang="pt-BR" sz="1800" b="1" dirty="0">
-                <a:effectLst>
-                  <a:outerShdw blurRad="38100" dist="38100" dir="2700000" algn="tl">
-                    <a:srgbClr val="C0C0C0"/>
-                  </a:outerShdw>
-                </a:effectLst>
-                <a:latin typeface="Verdana" pitchFamily="34" charset="0"/>
-                <a:cs typeface="Times New Roman" pitchFamily="18" charset="0"/>
-                <a:sym typeface="Wingdings" pitchFamily="2" charset="2"/>
-              </a:rPr>
-              <a:t>Alan Turing </a:t>
-            </a:r>
-            <a:r>
-              <a:rPr lang="pt-BR" sz="1800" dirty="0">
-                <a:effectLst>
-                  <a:outerShdw blurRad="38100" dist="38100" dir="2700000" algn="tl">
-                    <a:srgbClr val="C0C0C0"/>
-                  </a:outerShdw>
-                </a:effectLst>
-                <a:latin typeface="Verdana" pitchFamily="34" charset="0"/>
-                <a:cs typeface="Times New Roman" pitchFamily="18" charset="0"/>
-                <a:sym typeface="Wingdings" pitchFamily="2" charset="2"/>
-              </a:rPr>
-              <a:t>(1912 - 1954),</a:t>
-            </a:r>
-            <a:endParaRPr lang="pt-BR" sz="1800" dirty="0" smtClean="0">
-              <a:effectLst>
-                <a:outerShdw blurRad="38100" dist="38100" dir="2700000" algn="tl">
-                  <a:srgbClr val="C0C0C0"/>
-                </a:outerShdw>
-              </a:effectLst>
-              <a:latin typeface="Verdana" pitchFamily="34" charset="0"/>
-              <a:cs typeface="Times New Roman" pitchFamily="18" charset="0"/>
-              <a:sym typeface="Wingdings" pitchFamily="2" charset="2"/>
-            </a:endParaRPr>
-          </a:p>
-          <a:p>
-            <a:pPr lvl="5" algn="just">
-              <a:buFont typeface="Wingdings" pitchFamily="2" charset="2"/>
-              <a:buChar char="ü"/>
-              <a:defRPr/>
-            </a:pPr>
-            <a:endParaRPr lang="pt-BR" sz="1800" dirty="0">
-              <a:effectLst>
-                <a:outerShdw blurRad="38100" dist="38100" dir="2700000" algn="tl">
-                  <a:srgbClr val="C0C0C0"/>
-                </a:outerShdw>
-              </a:effectLst>
               <a:latin typeface="Verdana" pitchFamily="34" charset="0"/>
               <a:cs typeface="Times New Roman" pitchFamily="18" charset="0"/>
               <a:sym typeface="Wingdings" pitchFamily="2" charset="2"/>
@@ -7530,11 +7047,6 @@
             </a:pPr>
             <a:r>
               <a:rPr lang="pt-BR" sz="1800" b="1" dirty="0">
-                <a:effectLst>
-                  <a:outerShdw blurRad="38100" dist="38100" dir="2700000" algn="tl">
-                    <a:srgbClr val="C0C0C0"/>
-                  </a:outerShdw>
-                </a:effectLst>
                 <a:latin typeface="Verdana" pitchFamily="34" charset="0"/>
               </a:rPr>
               <a:t>5. Componentes Eletrônicos </a:t>
@@ -7614,7 +7126,7 @@
 </p:sld>
 </file>
 
-<file path=ppt/slides/slide19.xml><?xml version="1.0" encoding="utf-8"?>
+<file path=ppt/slides/slide2.xml><?xml version="1.0" encoding="utf-8"?>
 <p:sld xmlns:a="http://schemas.openxmlformats.org/drawingml/2006/main" xmlns:r="http://schemas.openxmlformats.org/officeDocument/2006/relationships" xmlns:p="http://schemas.openxmlformats.org/presentationml/2006/main">
   <p:cSld>
     <p:spTree>
@@ -7646,6 +7158,145 @@
           <a:bodyPr/>
           <a:lstStyle/>
           <a:p>
+            <a:fld id="{BD0E1E77-F1BA-4DA4-8402-702C27B98F33}" type="datetime1">
+              <a:rPr lang="pt-BR" smtClean="0"/>
+              <a:pPr/>
+              <a:t>28/02/2018</a:t>
+            </a:fld>
+            <a:endParaRPr lang="pt-BR" dirty="0"/>
+          </a:p>
+        </p:txBody>
+      </p:sp>
+      <p:sp>
+        <p:nvSpPr>
+          <p:cNvPr id="3" name="Slide Number Placeholder 2"/>
+          <p:cNvSpPr>
+            <a:spLocks noGrp="1"/>
+          </p:cNvSpPr>
+          <p:nvPr>
+            <p:ph type="sldNum" sz="quarter" idx="12"/>
+          </p:nvPr>
+        </p:nvSpPr>
+        <p:spPr/>
+        <p:txBody>
+          <a:bodyPr/>
+          <a:lstStyle/>
+          <a:p>
+            <a:fld id="{64A3345A-2F6D-44A1-94B6-C299985B9429}" type="slidenum">
+              <a:rPr lang="pt-BR" smtClean="0"/>
+              <a:pPr/>
+              <a:t>2</a:t>
+            </a:fld>
+            <a:endParaRPr lang="pt-BR"/>
+          </a:p>
+        </p:txBody>
+      </p:sp>
+      <p:sp>
+        <p:nvSpPr>
+          <p:cNvPr id="4" name="Retângulo 3">
+            <a:extLst>
+              <a:ext uri="{FF2B5EF4-FFF2-40B4-BE49-F238E27FC236}">
+                <a16:creationId xmlns:a16="http://schemas.microsoft.com/office/drawing/2014/main" id="{A85BB636-922E-42D9-8F29-59DBF7F5D709}"/>
+              </a:ext>
+            </a:extLst>
+          </p:cNvPr>
+          <p:cNvSpPr/>
+          <p:nvPr/>
+        </p:nvSpPr>
+        <p:spPr>
+          <a:xfrm>
+            <a:off x="685800" y="2708920"/>
+            <a:ext cx="7772400" cy="830997"/>
+          </a:xfrm>
+          <a:prstGeom prst="rect">
+            <a:avLst/>
+          </a:prstGeom>
+        </p:spPr>
+        <p:txBody>
+          <a:bodyPr wrap="square">
+            <a:spAutoFit/>
+          </a:bodyPr>
+          <a:lstStyle/>
+          <a:p>
+            <a:pPr algn="just"/>
+            <a:r>
+              <a:rPr lang="pt-BR" dirty="0">
+                <a:solidFill>
+                  <a:srgbClr val="C00000"/>
+                </a:solidFill>
+                <a:latin typeface="Arial" panose="020B0604020202020204" pitchFamily="34" charset="0"/>
+                <a:cs typeface="Arial" panose="020B0604020202020204" pitchFamily="34" charset="0"/>
+              </a:rPr>
+              <a:t>O presente conjunto de </a:t>
+            </a:r>
+            <a:r>
+              <a:rPr lang="pt-BR" i="1" dirty="0">
+                <a:solidFill>
+                  <a:srgbClr val="C00000"/>
+                </a:solidFill>
+                <a:latin typeface="Arial" panose="020B0604020202020204" pitchFamily="34" charset="0"/>
+                <a:cs typeface="Arial" panose="020B0604020202020204" pitchFamily="34" charset="0"/>
+              </a:rPr>
+              <a:t>slides</a:t>
+            </a:r>
+            <a:r>
+              <a:rPr lang="pt-BR" dirty="0">
+                <a:solidFill>
+                  <a:srgbClr val="C00000"/>
+                </a:solidFill>
+                <a:latin typeface="Arial" panose="020B0604020202020204" pitchFamily="34" charset="0"/>
+                <a:cs typeface="Arial" panose="020B0604020202020204" pitchFamily="34" charset="0"/>
+              </a:rPr>
+              <a:t> não pode ser reutilizado ou republicado sem a permissão do instrutor.</a:t>
+            </a:r>
+          </a:p>
+        </p:txBody>
+      </p:sp>
+    </p:spTree>
+    <p:extLst>
+      <p:ext uri="{BB962C8B-B14F-4D97-AF65-F5344CB8AC3E}">
+        <p14:creationId xmlns:p14="http://schemas.microsoft.com/office/powerpoint/2010/main" val="3892352892"/>
+      </p:ext>
+    </p:extLst>
+  </p:cSld>
+  <p:clrMapOvr>
+    <a:masterClrMapping/>
+  </p:clrMapOvr>
+</p:sld>
+</file>
+
+<file path=ppt/slides/slide20.xml><?xml version="1.0" encoding="utf-8"?>
+<p:sld xmlns:a="http://schemas.openxmlformats.org/drawingml/2006/main" xmlns:r="http://schemas.openxmlformats.org/officeDocument/2006/relationships" xmlns:p="http://schemas.openxmlformats.org/presentationml/2006/main">
+  <p:cSld>
+    <p:spTree>
+      <p:nvGrpSpPr>
+        <p:cNvPr id="1" name=""/>
+        <p:cNvGrpSpPr/>
+        <p:nvPr/>
+      </p:nvGrpSpPr>
+      <p:grpSpPr>
+        <a:xfrm>
+          <a:off x="0" y="0"/>
+          <a:ext cx="0" cy="0"/>
+          <a:chOff x="0" y="0"/>
+          <a:chExt cx="0" cy="0"/>
+        </a:xfrm>
+      </p:grpSpPr>
+      <p:sp>
+        <p:nvSpPr>
+          <p:cNvPr id="2" name="Date Placeholder 1"/>
+          <p:cNvSpPr>
+            <a:spLocks noGrp="1"/>
+          </p:cNvSpPr>
+          <p:nvPr>
+            <p:ph type="dt" sz="quarter" idx="10"/>
+          </p:nvPr>
+        </p:nvSpPr>
+        <p:spPr/>
+        <p:txBody>
+          <a:bodyPr/>
+          <a:lstStyle/>
+          <a:p>
             <a:pPr>
               <a:defRPr/>
             </a:pPr>
@@ -7654,7 +7305,7 @@
               <a:pPr>
                 <a:defRPr/>
               </a:pPr>
-              <a:t>24/04/2016</a:t>
+              <a:t>28/02/2018</a:t>
             </a:fld>
             <a:endParaRPr lang="pt-BR" dirty="0"/>
           </a:p>
@@ -7683,7 +7334,7 @@
               <a:pPr>
                 <a:defRPr/>
               </a:pPr>
-              <a:t>19</a:t>
+              <a:t>20</a:t>
             </a:fld>
             <a:endParaRPr lang="pt-BR"/>
           </a:p>
@@ -7736,7 +7387,15 @@
                 <a:cs typeface="Times New Roman" pitchFamily="18" charset="0"/>
                 <a:sym typeface="Wingdings" pitchFamily="2" charset="2"/>
               </a:rPr>
-              <a:t> Primeira geração: Computadores à Válvula</a:t>
+              <a:t> </a:t>
+            </a:r>
+            <a:r>
+              <a:rPr lang="pt-BR" sz="1800" dirty="0">
+                <a:latin typeface="Verdana" pitchFamily="34" charset="0"/>
+                <a:cs typeface="Times New Roman" pitchFamily="18" charset="0"/>
+                <a:sym typeface="Wingdings" pitchFamily="2" charset="2"/>
+              </a:rPr>
+              <a:t>Primeira geração: Computadores à Válvula</a:t>
             </a:r>
           </a:p>
           <a:p>
@@ -7746,11 +7405,6 @@
               <a:defRPr/>
             </a:pPr>
             <a:endParaRPr lang="pt-BR" sz="1800" i="1" dirty="0">
-              <a:effectLst>
-                <a:outerShdw blurRad="38100" dist="38100" dir="2700000" algn="tl">
-                  <a:srgbClr val="C0C0C0"/>
-                </a:outerShdw>
-              </a:effectLst>
               <a:latin typeface="Verdana" pitchFamily="34" charset="0"/>
               <a:cs typeface="Times New Roman" pitchFamily="18" charset="0"/>
               <a:sym typeface="Wingdings" pitchFamily="2" charset="2"/>
@@ -7764,11 +7418,6 @@
             </a:pPr>
             <a:r>
               <a:rPr lang="pt-BR" sz="1800" i="1" dirty="0">
-                <a:effectLst>
-                  <a:outerShdw blurRad="38100" dist="38100" dir="2700000" algn="tl">
-                    <a:srgbClr val="C0C0C0"/>
-                  </a:outerShdw>
-                </a:effectLst>
                 <a:latin typeface="Verdana" pitchFamily="34" charset="0"/>
                 <a:cs typeface="Times New Roman" pitchFamily="18" charset="0"/>
                 <a:sym typeface="Wingdings" pitchFamily="2" charset="2"/>
@@ -7777,11 +7426,6 @@
             </a:r>
             <a:r>
               <a:rPr lang="pt-BR" sz="1800" dirty="0">
-                <a:effectLst>
-                  <a:outerShdw blurRad="38100" dist="38100" dir="2700000" algn="tl">
-                    <a:srgbClr val="C0C0C0"/>
-                  </a:outerShdw>
-                </a:effectLst>
                 <a:latin typeface="Verdana" pitchFamily="34" charset="0"/>
                 <a:cs typeface="Times New Roman" pitchFamily="18" charset="0"/>
                 <a:sym typeface="Wingdings" pitchFamily="2" charset="2"/>
@@ -7790,11 +7434,6 @@
             </a:r>
             <a:r>
               <a:rPr lang="pt-BR" sz="1600" i="1" dirty="0" err="1">
-                <a:effectLst>
-                  <a:outerShdw blurRad="38100" dist="38100" dir="2700000" algn="tl">
-                    <a:srgbClr val="C0C0C0"/>
-                  </a:outerShdw>
-                </a:effectLst>
                 <a:latin typeface="Verdana" pitchFamily="34" charset="0"/>
                 <a:cs typeface="Times New Roman" pitchFamily="18" charset="0"/>
                 <a:sym typeface="Wingdings" pitchFamily="2" charset="2"/>
@@ -7803,11 +7442,6 @@
             </a:r>
             <a:r>
               <a:rPr lang="pt-BR" sz="1600" i="1" dirty="0">
-                <a:effectLst>
-                  <a:outerShdw blurRad="38100" dist="38100" dir="2700000" algn="tl">
-                    <a:srgbClr val="C0C0C0"/>
-                  </a:outerShdw>
-                </a:effectLst>
                 <a:latin typeface="Verdana" pitchFamily="34" charset="0"/>
                 <a:cs typeface="Times New Roman" pitchFamily="18" charset="0"/>
                 <a:sym typeface="Wingdings" pitchFamily="2" charset="2"/>
@@ -7816,11 +7450,6 @@
             </a:r>
             <a:r>
               <a:rPr lang="pt-BR" sz="1600" i="1" dirty="0" err="1">
-                <a:effectLst>
-                  <a:outerShdw blurRad="38100" dist="38100" dir="2700000" algn="tl">
-                    <a:srgbClr val="C0C0C0"/>
-                  </a:outerShdw>
-                </a:effectLst>
                 <a:latin typeface="Verdana" pitchFamily="34" charset="0"/>
                 <a:cs typeface="Times New Roman" pitchFamily="18" charset="0"/>
                 <a:sym typeface="Wingdings" pitchFamily="2" charset="2"/>
@@ -7829,11 +7458,6 @@
             </a:r>
             <a:r>
               <a:rPr lang="pt-BR" sz="1600" i="1" dirty="0">
-                <a:effectLst>
-                  <a:outerShdw blurRad="38100" dist="38100" dir="2700000" algn="tl">
-                    <a:srgbClr val="C0C0C0"/>
-                  </a:outerShdw>
-                </a:effectLst>
                 <a:latin typeface="Verdana" pitchFamily="34" charset="0"/>
                 <a:cs typeface="Times New Roman" pitchFamily="18" charset="0"/>
                 <a:sym typeface="Wingdings" pitchFamily="2" charset="2"/>
@@ -7842,11 +7466,6 @@
             </a:r>
             <a:r>
               <a:rPr lang="pt-BR" sz="1600" i="1" dirty="0" err="1">
-                <a:effectLst>
-                  <a:outerShdw blurRad="38100" dist="38100" dir="2700000" algn="tl">
-                    <a:srgbClr val="C0C0C0"/>
-                  </a:outerShdw>
-                </a:effectLst>
                 <a:latin typeface="Verdana" pitchFamily="34" charset="0"/>
                 <a:cs typeface="Times New Roman" pitchFamily="18" charset="0"/>
                 <a:sym typeface="Wingdings" pitchFamily="2" charset="2"/>
@@ -7855,11 +7474,6 @@
             </a:r>
             <a:r>
               <a:rPr lang="pt-BR" sz="1600" i="1" dirty="0">
-                <a:effectLst>
-                  <a:outerShdw blurRad="38100" dist="38100" dir="2700000" algn="tl">
-                    <a:srgbClr val="C0C0C0"/>
-                  </a:outerShdw>
-                </a:effectLst>
                 <a:latin typeface="Verdana" pitchFamily="34" charset="0"/>
                 <a:cs typeface="Times New Roman" pitchFamily="18" charset="0"/>
                 <a:sym typeface="Wingdings" pitchFamily="2" charset="2"/>
@@ -7868,11 +7482,6 @@
             </a:r>
             <a:r>
               <a:rPr lang="pt-BR" sz="1600" i="1" dirty="0" err="1">
-                <a:effectLst>
-                  <a:outerShdw blurRad="38100" dist="38100" dir="2700000" algn="tl">
-                    <a:srgbClr val="C0C0C0"/>
-                  </a:outerShdw>
-                </a:effectLst>
                 <a:latin typeface="Verdana" pitchFamily="34" charset="0"/>
                 <a:cs typeface="Times New Roman" pitchFamily="18" charset="0"/>
                 <a:sym typeface="Wingdings" pitchFamily="2" charset="2"/>
@@ -7881,11 +7490,6 @@
             </a:r>
             <a:r>
               <a:rPr lang="pt-BR" sz="1600" i="1" dirty="0">
-                <a:effectLst>
-                  <a:outerShdw blurRad="38100" dist="38100" dir="2700000" algn="tl">
-                    <a:srgbClr val="C0C0C0"/>
-                  </a:outerShdw>
-                </a:effectLst>
                 <a:latin typeface="Verdana" pitchFamily="34" charset="0"/>
                 <a:cs typeface="Times New Roman" pitchFamily="18" charset="0"/>
                 <a:sym typeface="Wingdings" pitchFamily="2" charset="2"/>
@@ -7894,11 +7498,6 @@
             </a:r>
             <a:r>
               <a:rPr lang="pt-BR" sz="1600" i="1" dirty="0" err="1">
-                <a:effectLst>
-                  <a:outerShdw blurRad="38100" dist="38100" dir="2700000" algn="tl">
-                    <a:srgbClr val="C0C0C0"/>
-                  </a:outerShdw>
-                </a:effectLst>
                 <a:latin typeface="Verdana" pitchFamily="34" charset="0"/>
                 <a:cs typeface="Times New Roman" pitchFamily="18" charset="0"/>
                 <a:sym typeface="Wingdings" pitchFamily="2" charset="2"/>
@@ -7907,11 +7506,6 @@
             </a:r>
             <a:r>
               <a:rPr lang="pt-BR" sz="1600" dirty="0">
-                <a:effectLst>
-                  <a:outerShdw blurRad="38100" dist="38100" dir="2700000" algn="tl">
-                    <a:srgbClr val="C0C0C0"/>
-                  </a:outerShdw>
-                </a:effectLst>
                 <a:latin typeface="Verdana" pitchFamily="34" charset="0"/>
                 <a:cs typeface="Times New Roman" pitchFamily="18" charset="0"/>
                 <a:sym typeface="Wingdings" pitchFamily="2" charset="2"/>
@@ -7924,11 +7518,6 @@
               <a:defRPr/>
             </a:pPr>
             <a:endParaRPr lang="pt-BR" sz="1800" i="1" dirty="0">
-              <a:effectLst>
-                <a:outerShdw blurRad="38100" dist="38100" dir="2700000" algn="tl">
-                  <a:srgbClr val="C0C0C0"/>
-                </a:outerShdw>
-              </a:effectLst>
               <a:latin typeface="Verdana" pitchFamily="34" charset="0"/>
               <a:cs typeface="Times New Roman" pitchFamily="18" charset="0"/>
               <a:sym typeface="Wingdings" pitchFamily="2" charset="2"/>
@@ -7942,11 +7531,6 @@
             </a:pPr>
             <a:r>
               <a:rPr lang="pt-BR" sz="1800" i="1" dirty="0">
-                <a:effectLst>
-                  <a:outerShdw blurRad="38100" dist="38100" dir="2700000" algn="tl">
-                    <a:srgbClr val="C0C0C0"/>
-                  </a:outerShdw>
-                </a:effectLst>
                 <a:latin typeface="Verdana" pitchFamily="34" charset="0"/>
                 <a:cs typeface="Times New Roman" pitchFamily="18" charset="0"/>
                 <a:sym typeface="Wingdings" pitchFamily="2" charset="2"/>
@@ -7955,11 +7539,6 @@
             </a:r>
             <a:r>
               <a:rPr lang="pt-BR" sz="1800" dirty="0">
-                <a:effectLst>
-                  <a:outerShdw blurRad="38100" dist="38100" dir="2700000" algn="tl">
-                    <a:srgbClr val="C0C0C0"/>
-                  </a:outerShdw>
-                </a:effectLst>
                 <a:latin typeface="Verdana" pitchFamily="34" charset="0"/>
                 <a:cs typeface="Times New Roman" pitchFamily="18" charset="0"/>
                 <a:sym typeface="Wingdings" pitchFamily="2" charset="2"/>
@@ -7968,11 +7547,6 @@
             </a:r>
             <a:r>
               <a:rPr lang="pt-BR" sz="1800" b="1" dirty="0">
-                <a:effectLst>
-                  <a:outerShdw blurRad="38100" dist="38100" dir="2700000" algn="tl">
-                    <a:srgbClr val="C0C0C0"/>
-                  </a:outerShdw>
-                </a:effectLst>
                 <a:latin typeface="Verdana" pitchFamily="34" charset="0"/>
                 <a:cs typeface="Times New Roman" pitchFamily="18" charset="0"/>
                 <a:sym typeface="Wingdings" pitchFamily="2" charset="2"/>
@@ -7981,11 +7555,6 @@
             </a:r>
             <a:r>
               <a:rPr lang="pt-BR" sz="1800" b="1" dirty="0" err="1">
-                <a:effectLst>
-                  <a:outerShdw blurRad="38100" dist="38100" dir="2700000" algn="tl">
-                    <a:srgbClr val="C0C0C0"/>
-                  </a:outerShdw>
-                </a:effectLst>
                 <a:latin typeface="Verdana" pitchFamily="34" charset="0"/>
                 <a:cs typeface="Times New Roman" pitchFamily="18" charset="0"/>
                 <a:sym typeface="Wingdings" pitchFamily="2" charset="2"/>
@@ -7994,11 +7563,6 @@
             </a:r>
             <a:r>
               <a:rPr lang="pt-BR" sz="1800" b="1" dirty="0">
-                <a:effectLst>
-                  <a:outerShdw blurRad="38100" dist="38100" dir="2700000" algn="tl">
-                    <a:srgbClr val="C0C0C0"/>
-                  </a:outerShdw>
-                </a:effectLst>
                 <a:latin typeface="Verdana" pitchFamily="34" charset="0"/>
                 <a:cs typeface="Times New Roman" pitchFamily="18" charset="0"/>
                 <a:sym typeface="Wingdings" pitchFamily="2" charset="2"/>
@@ -8007,11 +7571,6 @@
             </a:r>
             <a:r>
               <a:rPr lang="pt-BR" sz="1800" dirty="0">
-                <a:effectLst>
-                  <a:outerShdw blurRad="38100" dist="38100" dir="2700000" algn="tl">
-                    <a:srgbClr val="C0C0C0"/>
-                  </a:outerShdw>
-                </a:effectLst>
                 <a:latin typeface="Verdana" pitchFamily="34" charset="0"/>
                 <a:cs typeface="Times New Roman" pitchFamily="18" charset="0"/>
                 <a:sym typeface="Wingdings" pitchFamily="2" charset="2"/>
@@ -8020,11 +7579,6 @@
             </a:r>
             <a:r>
               <a:rPr lang="pt-BR" sz="1800" b="1" dirty="0">
-                <a:effectLst>
-                  <a:outerShdw blurRad="38100" dist="38100" dir="2700000" algn="tl">
-                    <a:srgbClr val="C0C0C0"/>
-                  </a:outerShdw>
-                </a:effectLst>
                 <a:latin typeface="Verdana" pitchFamily="34" charset="0"/>
                 <a:cs typeface="Times New Roman" pitchFamily="18" charset="0"/>
                 <a:sym typeface="Wingdings" pitchFamily="2" charset="2"/>
@@ -8033,11 +7587,6 @@
             </a:r>
             <a:r>
               <a:rPr lang="pt-BR" sz="1800" b="1" dirty="0" err="1">
-                <a:effectLst>
-                  <a:outerShdw blurRad="38100" dist="38100" dir="2700000" algn="tl">
-                    <a:srgbClr val="C0C0C0"/>
-                  </a:outerShdw>
-                </a:effectLst>
                 <a:latin typeface="Verdana" pitchFamily="34" charset="0"/>
                 <a:cs typeface="Times New Roman" pitchFamily="18" charset="0"/>
                 <a:sym typeface="Wingdings" pitchFamily="2" charset="2"/>
@@ -8046,11 +7595,6 @@
             </a:r>
             <a:r>
               <a:rPr lang="pt-BR" sz="1800" b="1" dirty="0">
-                <a:effectLst>
-                  <a:outerShdw blurRad="38100" dist="38100" dir="2700000" algn="tl">
-                    <a:srgbClr val="C0C0C0"/>
-                  </a:outerShdw>
-                </a:effectLst>
                 <a:latin typeface="Verdana" pitchFamily="34" charset="0"/>
                 <a:cs typeface="Times New Roman" pitchFamily="18" charset="0"/>
                 <a:sym typeface="Wingdings" pitchFamily="2" charset="2"/>
@@ -8059,11 +7603,6 @@
             </a:r>
             <a:r>
               <a:rPr lang="pt-BR" sz="1800" b="1" dirty="0" err="1">
-                <a:effectLst>
-                  <a:outerShdw blurRad="38100" dist="38100" dir="2700000" algn="tl">
-                    <a:srgbClr val="C0C0C0"/>
-                  </a:outerShdw>
-                </a:effectLst>
                 <a:latin typeface="Verdana" pitchFamily="34" charset="0"/>
                 <a:cs typeface="Times New Roman" pitchFamily="18" charset="0"/>
                 <a:sym typeface="Wingdings" pitchFamily="2" charset="2"/>
@@ -8072,11 +7611,6 @@
             </a:r>
             <a:r>
               <a:rPr lang="pt-BR" sz="1800" dirty="0">
-                <a:effectLst>
-                  <a:outerShdw blurRad="38100" dist="38100" dir="2700000" algn="tl">
-                    <a:srgbClr val="C0C0C0"/>
-                  </a:outerShdw>
-                </a:effectLst>
                 <a:latin typeface="Verdana" pitchFamily="34" charset="0"/>
                 <a:cs typeface="Times New Roman" pitchFamily="18" charset="0"/>
                 <a:sym typeface="Wingdings" pitchFamily="2" charset="2"/>
@@ -8122,11 +7656,6 @@
             </a:pPr>
             <a:r>
               <a:rPr lang="pt-BR" sz="1800" b="1" dirty="0">
-                <a:effectLst>
-                  <a:outerShdw blurRad="38100" dist="38100" dir="2700000" algn="tl">
-                    <a:srgbClr val="C0C0C0"/>
-                  </a:outerShdw>
-                </a:effectLst>
                 <a:latin typeface="Verdana" pitchFamily="34" charset="0"/>
               </a:rPr>
               <a:t>5. Computadores Eletrônicos (1945 - ?)</a:t>
@@ -8206,7 +7735,7 @@
 </p:sld>
 </file>
 
-<file path=ppt/slides/slide2.xml><?xml version="1.0" encoding="utf-8"?>
+<file path=ppt/slides/slide21.xml><?xml version="1.0" encoding="utf-8"?>
 <p:sld xmlns:a="http://schemas.openxmlformats.org/drawingml/2006/main" xmlns:r="http://schemas.openxmlformats.org/officeDocument/2006/relationships" xmlns:p="http://schemas.openxmlformats.org/presentationml/2006/main">
   <p:cSld>
     <p:spTree>
@@ -8225,160 +7754,6 @@
       </p:grpSpPr>
       <p:sp>
         <p:nvSpPr>
-          <p:cNvPr id="30723" name="Rectangle 3"/>
-          <p:cNvSpPr>
-            <a:spLocks noGrp="1" noChangeArrowheads="1"/>
-          </p:cNvSpPr>
-          <p:nvPr>
-            <p:ph type="body" idx="4294967295"/>
-          </p:nvPr>
-        </p:nvSpPr>
-        <p:spPr bwMode="auto">
-          <a:xfrm>
-            <a:off x="642938" y="1600200"/>
-            <a:ext cx="7786687" cy="4525963"/>
-          </a:xfrm>
-          <a:prstGeom prst="rect">
-            <a:avLst/>
-          </a:prstGeom>
-          <a:ln>
-            <a:miter lim="800000"/>
-            <a:headEnd/>
-            <a:tailEnd/>
-          </a:ln>
-        </p:spPr>
-        <p:txBody>
-          <a:bodyPr/>
-          <a:lstStyle/>
-          <a:p>
-            <a:pPr algn="ctr">
-              <a:buFontTx/>
-              <a:buNone/>
-              <a:defRPr/>
-            </a:pPr>
-            <a:endParaRPr lang="en-US" sz="2800" b="1" dirty="0">
-              <a:effectLst>
-                <a:outerShdw blurRad="38100" dist="38100" dir="2700000" algn="tl">
-                  <a:srgbClr val="C0C0C0"/>
-                </a:outerShdw>
-              </a:effectLst>
-              <a:latin typeface="Verdana" pitchFamily="34" charset="0"/>
-            </a:endParaRPr>
-          </a:p>
-          <a:p>
-            <a:pPr algn="ctr">
-              <a:buFontTx/>
-              <a:buNone/>
-              <a:defRPr/>
-            </a:pPr>
-            <a:endParaRPr lang="en-US" sz="2800" b="1" dirty="0">
-              <a:effectLst>
-                <a:outerShdw blurRad="38100" dist="38100" dir="2700000" algn="tl">
-                  <a:srgbClr val="C0C0C0"/>
-                </a:outerShdw>
-              </a:effectLst>
-              <a:latin typeface="Verdana" pitchFamily="34" charset="0"/>
-            </a:endParaRPr>
-          </a:p>
-          <a:p>
-            <a:pPr algn="ctr">
-              <a:buFontTx/>
-              <a:buNone/>
-              <a:defRPr/>
-            </a:pPr>
-            <a:r>
-              <a:rPr lang="en-US" sz="2800" b="1" dirty="0">
-                <a:effectLst>
-                  <a:outerShdw blurRad="38100" dist="38100" dir="2700000" algn="tl">
-                    <a:srgbClr val="C0C0C0"/>
-                  </a:outerShdw>
-                </a:effectLst>
-                <a:latin typeface="Verdana" pitchFamily="34" charset="0"/>
-              </a:rPr>
-              <a:t>O </a:t>
-            </a:r>
-            <a:r>
-              <a:rPr lang="en-US" sz="2800" b="1" dirty="0" err="1">
-                <a:effectLst>
-                  <a:outerShdw blurRad="38100" dist="38100" dir="2700000" algn="tl">
-                    <a:srgbClr val="C0C0C0"/>
-                  </a:outerShdw>
-                </a:effectLst>
-                <a:latin typeface="Verdana" pitchFamily="34" charset="0"/>
-              </a:rPr>
-              <a:t>Histórico</a:t>
-            </a:r>
-            <a:r>
-              <a:rPr lang="en-US" sz="2800" b="1" dirty="0">
-                <a:effectLst>
-                  <a:outerShdw blurRad="38100" dist="38100" dir="2700000" algn="tl">
-                    <a:srgbClr val="C0C0C0"/>
-                  </a:outerShdw>
-                </a:effectLst>
-                <a:latin typeface="Verdana" pitchFamily="34" charset="0"/>
-              </a:rPr>
-              <a:t> </a:t>
-            </a:r>
-            <a:r>
-              <a:rPr lang="en-US" sz="2800" b="1" dirty="0" err="1">
-                <a:effectLst>
-                  <a:outerShdw blurRad="38100" dist="38100" dir="2700000" algn="tl">
-                    <a:srgbClr val="C0C0C0"/>
-                  </a:outerShdw>
-                </a:effectLst>
-                <a:latin typeface="Verdana" pitchFamily="34" charset="0"/>
-              </a:rPr>
-              <a:t>da</a:t>
-            </a:r>
-            <a:r>
-              <a:rPr lang="en-US" sz="2800" b="1" dirty="0">
-                <a:effectLst>
-                  <a:outerShdw blurRad="38100" dist="38100" dir="2700000" algn="tl">
-                    <a:srgbClr val="C0C0C0"/>
-                  </a:outerShdw>
-                </a:effectLst>
-                <a:latin typeface="Verdana" pitchFamily="34" charset="0"/>
-              </a:rPr>
-              <a:t> Computação</a:t>
-            </a:r>
-            <a:endParaRPr lang="en-US" sz="2000" dirty="0">
-              <a:effectLst>
-                <a:outerShdw blurRad="38100" dist="38100" dir="2700000" algn="tl">
-                  <a:srgbClr val="C0C0C0"/>
-                </a:outerShdw>
-              </a:effectLst>
-              <a:latin typeface="Verdana" pitchFamily="34" charset="0"/>
-            </a:endParaRPr>
-          </a:p>
-        </p:txBody>
-      </p:sp>
-    </p:spTree>
-  </p:cSld>
-  <p:clrMapOvr>
-    <a:masterClrMapping/>
-  </p:clrMapOvr>
-</p:sld>
-</file>
-
-<file path=ppt/slides/slide20.xml><?xml version="1.0" encoding="utf-8"?>
-<p:sld xmlns:a="http://schemas.openxmlformats.org/drawingml/2006/main" xmlns:r="http://schemas.openxmlformats.org/officeDocument/2006/relationships" xmlns:p="http://schemas.openxmlformats.org/presentationml/2006/main">
-  <p:cSld>
-    <p:spTree>
-      <p:nvGrpSpPr>
-        <p:cNvPr id="1" name=""/>
-        <p:cNvGrpSpPr/>
-        <p:nvPr/>
-      </p:nvGrpSpPr>
-      <p:grpSpPr>
-        <a:xfrm>
-          <a:off x="0" y="0"/>
-          <a:ext cx="0" cy="0"/>
-          <a:chOff x="0" y="0"/>
-          <a:chExt cx="0" cy="0"/>
-        </a:xfrm>
-      </p:grpSpPr>
-      <p:sp>
-        <p:nvSpPr>
           <p:cNvPr id="2" name="Date Placeholder 1"/>
           <p:cNvSpPr>
             <a:spLocks noGrp="1"/>
@@ -8400,7 +7775,7 @@
               <a:pPr>
                 <a:defRPr/>
               </a:pPr>
-              <a:t>24/04/2016</a:t>
+              <a:t>28/02/2018</a:t>
             </a:fld>
             <a:endParaRPr lang="pt-BR" dirty="0"/>
           </a:p>
@@ -8429,7 +7804,7 @@
               <a:pPr>
                 <a:defRPr/>
               </a:pPr>
-              <a:t>20</a:t>
+              <a:t>21</a:t>
             </a:fld>
             <a:endParaRPr lang="pt-BR"/>
           </a:p>
@@ -8482,7 +7857,15 @@
                 <a:cs typeface="Times New Roman" pitchFamily="18" charset="0"/>
                 <a:sym typeface="Wingdings" pitchFamily="2" charset="2"/>
               </a:rPr>
-              <a:t> Primeira geração: Computadores à Válvula</a:t>
+              <a:t> </a:t>
+            </a:r>
+            <a:r>
+              <a:rPr lang="pt-BR" sz="1800" dirty="0">
+                <a:latin typeface="Verdana" pitchFamily="34" charset="0"/>
+                <a:cs typeface="Times New Roman" pitchFamily="18" charset="0"/>
+                <a:sym typeface="Wingdings" pitchFamily="2" charset="2"/>
+              </a:rPr>
+              <a:t>Primeira geração: Computadores à Válvula</a:t>
             </a:r>
           </a:p>
           <a:p>
@@ -8492,11 +7875,6 @@
               <a:defRPr/>
             </a:pPr>
             <a:endParaRPr lang="pt-BR" sz="1800" i="1" dirty="0">
-              <a:effectLst>
-                <a:outerShdw blurRad="38100" dist="38100" dir="2700000" algn="tl">
-                  <a:srgbClr val="C0C0C0"/>
-                </a:outerShdw>
-              </a:effectLst>
               <a:latin typeface="Verdana" pitchFamily="34" charset="0"/>
               <a:cs typeface="Times New Roman" pitchFamily="18" charset="0"/>
               <a:sym typeface="Wingdings" pitchFamily="2" charset="2"/>
@@ -8510,11 +7888,6 @@
             </a:pPr>
             <a:r>
               <a:rPr lang="pt-BR" sz="1800" dirty="0">
-                <a:effectLst>
-                  <a:outerShdw blurRad="38100" dist="38100" dir="2700000" algn="tl">
-                    <a:srgbClr val="C0C0C0"/>
-                  </a:outerShdw>
-                </a:effectLst>
                 <a:latin typeface="Verdana" pitchFamily="34" charset="0"/>
                 <a:cs typeface="Times New Roman" pitchFamily="18" charset="0"/>
                 <a:sym typeface="Wingdings" pitchFamily="2" charset="2"/>
@@ -8522,77 +7895,23 @@
               <a:t> </a:t>
             </a:r>
             <a:r>
-              <a:rPr lang="pt-BR" sz="1700" dirty="0" smtClean="0">
-                <a:effectLst>
-                  <a:outerShdw blurRad="38100" dist="38100" dir="2700000" algn="tl">
-                    <a:srgbClr val="C0C0C0"/>
-                  </a:outerShdw>
-                </a:effectLst>
+              <a:rPr lang="pt-BR" sz="1700" dirty="0">
                 <a:latin typeface="Verdana" pitchFamily="34" charset="0"/>
                 <a:cs typeface="Times New Roman" pitchFamily="18" charset="0"/>
                 <a:sym typeface="Wingdings" pitchFamily="2" charset="2"/>
               </a:rPr>
-              <a:t> </a:t>
+              <a:t> Uma vertente do aperfeiçoamento do ENIAC é atribuída ao matemático </a:t>
+            </a:r>
+            <a:r>
+              <a:rPr lang="pt-BR" sz="1700" b="1" dirty="0">
+                <a:latin typeface="Verdana" pitchFamily="34" charset="0"/>
+                <a:cs typeface="Times New Roman" pitchFamily="18" charset="0"/>
+                <a:sym typeface="Wingdings" pitchFamily="2" charset="2"/>
+              </a:rPr>
+              <a:t>John von Neumann</a:t>
             </a:r>
             <a:r>
               <a:rPr lang="pt-BR" sz="1700" dirty="0">
-                <a:effectLst>
-                  <a:outerShdw blurRad="38100" dist="38100" dir="2700000" algn="tl">
-                    <a:srgbClr val="C0C0C0"/>
-                  </a:outerShdw>
-                </a:effectLst>
-                <a:latin typeface="Verdana" pitchFamily="34" charset="0"/>
-                <a:cs typeface="Times New Roman" pitchFamily="18" charset="0"/>
-                <a:sym typeface="Wingdings" pitchFamily="2" charset="2"/>
-              </a:rPr>
-              <a:t>Uma </a:t>
-            </a:r>
-            <a:r>
-              <a:rPr lang="pt-BR" sz="1700" dirty="0" smtClean="0">
-                <a:effectLst>
-                  <a:outerShdw blurRad="38100" dist="38100" dir="2700000" algn="tl">
-                    <a:srgbClr val="C0C0C0"/>
-                  </a:outerShdw>
-                </a:effectLst>
-                <a:latin typeface="Verdana" pitchFamily="34" charset="0"/>
-                <a:cs typeface="Times New Roman" pitchFamily="18" charset="0"/>
-                <a:sym typeface="Wingdings" pitchFamily="2" charset="2"/>
-              </a:rPr>
-              <a:t>vertente </a:t>
-            </a:r>
-            <a:r>
-              <a:rPr lang="pt-BR" sz="1700" dirty="0">
-                <a:effectLst>
-                  <a:outerShdw blurRad="38100" dist="38100" dir="2700000" algn="tl">
-                    <a:srgbClr val="C0C0C0"/>
-                  </a:outerShdw>
-                </a:effectLst>
-                <a:latin typeface="Verdana" pitchFamily="34" charset="0"/>
-                <a:cs typeface="Times New Roman" pitchFamily="18" charset="0"/>
-                <a:sym typeface="Wingdings" pitchFamily="2" charset="2"/>
-              </a:rPr>
-              <a:t>do aperfeiçoamento do ENIAC é atribuída ao matemático </a:t>
-            </a:r>
-            <a:r>
-              <a:rPr lang="pt-BR" sz="1700" b="1" dirty="0">
-                <a:effectLst>
-                  <a:outerShdw blurRad="38100" dist="38100" dir="2700000" algn="tl">
-                    <a:srgbClr val="C0C0C0"/>
-                  </a:outerShdw>
-                </a:effectLst>
-                <a:latin typeface="Verdana" pitchFamily="34" charset="0"/>
-                <a:cs typeface="Times New Roman" pitchFamily="18" charset="0"/>
-                <a:sym typeface="Wingdings" pitchFamily="2" charset="2"/>
-              </a:rPr>
-              <a:t>John von Neumann</a:t>
-            </a:r>
-            <a:r>
-              <a:rPr lang="pt-BR" sz="1700" dirty="0" smtClean="0">
-                <a:effectLst>
-                  <a:outerShdw blurRad="38100" dist="38100" dir="2700000" algn="tl">
-                    <a:srgbClr val="C0C0C0"/>
-                  </a:outerShdw>
-                </a:effectLst>
                 <a:latin typeface="Verdana" pitchFamily="34" charset="0"/>
                 <a:cs typeface="Times New Roman" pitchFamily="18" charset="0"/>
                 <a:sym typeface="Wingdings" pitchFamily="2" charset="2"/>
@@ -8607,11 +7926,6 @@
               <a:defRPr/>
             </a:pPr>
             <a:endParaRPr lang="pt-BR" sz="1700" dirty="0">
-              <a:effectLst>
-                <a:outerShdw blurRad="38100" dist="38100" dir="2700000" algn="tl">
-                  <a:srgbClr val="C0C0C0"/>
-                </a:outerShdw>
-              </a:effectLst>
               <a:latin typeface="Verdana" pitchFamily="34" charset="0"/>
               <a:cs typeface="Times New Roman" pitchFamily="18" charset="0"/>
               <a:sym typeface="Wingdings" pitchFamily="2" charset="2"/>
@@ -8624,11 +7938,6 @@
               <a:defRPr/>
             </a:pPr>
             <a:endParaRPr lang="pt-BR" sz="1700" dirty="0">
-              <a:effectLst>
-                <a:outerShdw blurRad="38100" dist="38100" dir="2700000" algn="tl">
-                  <a:srgbClr val="C0C0C0"/>
-                </a:outerShdw>
-              </a:effectLst>
               <a:latin typeface="Verdana" pitchFamily="34" charset="0"/>
               <a:cs typeface="Times New Roman" pitchFamily="18" charset="0"/>
               <a:sym typeface="Wingdings" pitchFamily="2" charset="2"/>
@@ -8641,50 +7950,22 @@
               <a:defRPr/>
             </a:pPr>
             <a:r>
-              <a:rPr lang="pt-BR" sz="1700" dirty="0" smtClean="0">
-                <a:effectLst>
-                  <a:outerShdw blurRad="38100" dist="38100" dir="2700000" algn="tl">
-                    <a:srgbClr val="C0C0C0"/>
-                  </a:outerShdw>
-                </a:effectLst>
+              <a:rPr lang="pt-BR" sz="1700" dirty="0">
                 <a:latin typeface="Verdana" pitchFamily="34" charset="0"/>
                 <a:cs typeface="Times New Roman" pitchFamily="18" charset="0"/>
                 <a:sym typeface="Wingdings" pitchFamily="2" charset="2"/>
               </a:rPr>
-              <a:t> </a:t>
-            </a:r>
-            <a:r>
-              <a:rPr lang="pt-BR" sz="1700" dirty="0">
-                <a:effectLst>
-                  <a:outerShdw blurRad="38100" dist="38100" dir="2700000" algn="tl">
-                    <a:srgbClr val="C0C0C0"/>
-                  </a:outerShdw>
-                </a:effectLst>
+              <a:t> Em 1946 von Neumann e vários outros cientistas em Princeton iniciaram a construção de uma nova máquina, um computador eletrônico de programa armazenado, o </a:t>
+            </a:r>
+            <a:r>
+              <a:rPr lang="pt-BR" sz="1700" b="1" dirty="0">
                 <a:latin typeface="Verdana" pitchFamily="34" charset="0"/>
                 <a:cs typeface="Times New Roman" pitchFamily="18" charset="0"/>
                 <a:sym typeface="Wingdings" pitchFamily="2" charset="2"/>
               </a:rPr>
-              <a:t>Em 1946 von Neumann e vários outros cientistas em Princeton iniciaram a construção de uma nova máquina, um computador eletrônico de programa armazenado, o </a:t>
-            </a:r>
-            <a:r>
-              <a:rPr lang="pt-BR" sz="1700" b="1" dirty="0">
-                <a:effectLst>
-                  <a:outerShdw blurRad="38100" dist="38100" dir="2700000" algn="tl">
-                    <a:srgbClr val="C0C0C0"/>
-                  </a:outerShdw>
-                </a:effectLst>
-                <a:latin typeface="Verdana" pitchFamily="34" charset="0"/>
-                <a:cs typeface="Times New Roman" pitchFamily="18" charset="0"/>
-                <a:sym typeface="Wingdings" pitchFamily="2" charset="2"/>
-              </a:rPr>
               <a:t>IAS.</a:t>
             </a:r>
             <a:endParaRPr lang="pt-BR" sz="1700" dirty="0">
-              <a:effectLst>
-                <a:outerShdw blurRad="38100" dist="38100" dir="2700000" algn="tl">
-                  <a:srgbClr val="C0C0C0"/>
-                </a:outerShdw>
-              </a:effectLst>
               <a:latin typeface="Verdana" pitchFamily="34" charset="0"/>
               <a:cs typeface="Times New Roman" pitchFamily="18" charset="0"/>
               <a:sym typeface="Wingdings" pitchFamily="2" charset="2"/>
@@ -8728,11 +8009,6 @@
             </a:pPr>
             <a:r>
               <a:rPr lang="pt-BR" sz="1800" b="1" dirty="0">
-                <a:effectLst>
-                  <a:outerShdw blurRad="38100" dist="38100" dir="2700000" algn="tl">
-                    <a:srgbClr val="C0C0C0"/>
-                  </a:outerShdw>
-                </a:effectLst>
                 <a:latin typeface="Verdana" pitchFamily="34" charset="0"/>
               </a:rPr>
               <a:t>5. Computadores Eletrônicos (1945 - ?)</a:t>
@@ -8780,7 +8056,7 @@
 </p:sld>
 </file>
 
-<file path=ppt/slides/slide21.xml><?xml version="1.0" encoding="utf-8"?>
+<file path=ppt/slides/slide22.xml><?xml version="1.0" encoding="utf-8"?>
 <p:sld xmlns:a="http://schemas.openxmlformats.org/drawingml/2006/main" xmlns:r="http://schemas.openxmlformats.org/officeDocument/2006/relationships" xmlns:p="http://schemas.openxmlformats.org/presentationml/2006/main">
   <p:cSld>
     <p:spTree>
@@ -8820,7 +8096,7 @@
               <a:pPr>
                 <a:defRPr/>
               </a:pPr>
-              <a:t>24/04/2016</a:t>
+              <a:t>28/02/2018</a:t>
             </a:fld>
             <a:endParaRPr lang="pt-BR" dirty="0"/>
           </a:p>
@@ -8849,7 +8125,7 @@
               <a:pPr>
                 <a:defRPr/>
               </a:pPr>
-              <a:t>21</a:t>
+              <a:t>22</a:t>
             </a:fld>
             <a:endParaRPr lang="pt-BR"/>
           </a:p>
@@ -8902,7 +8178,15 @@
                 <a:cs typeface="Times New Roman" pitchFamily="18" charset="0"/>
                 <a:sym typeface="Wingdings" pitchFamily="2" charset="2"/>
               </a:rPr>
-              <a:t> Primeira geração: Computadores à Válvula</a:t>
+              <a:t> </a:t>
+            </a:r>
+            <a:r>
+              <a:rPr lang="pt-BR" sz="1800" dirty="0">
+                <a:latin typeface="Verdana" pitchFamily="34" charset="0"/>
+                <a:cs typeface="Times New Roman" pitchFamily="18" charset="0"/>
+                <a:sym typeface="Wingdings" pitchFamily="2" charset="2"/>
+              </a:rPr>
+              <a:t>Primeira geração: Computadores à Válvula</a:t>
             </a:r>
           </a:p>
           <a:p>
@@ -8910,11 +8194,6 @@
               <a:defRPr/>
             </a:pPr>
             <a:endParaRPr lang="pt-BR" sz="1800" dirty="0">
-              <a:effectLst>
-                <a:outerShdw blurRad="38100" dist="38100" dir="2700000" algn="tl">
-                  <a:srgbClr val="C0C0C0"/>
-                </a:outerShdw>
-              </a:effectLst>
               <a:latin typeface="Verdana" pitchFamily="34" charset="0"/>
               <a:cs typeface="Times New Roman" pitchFamily="18" charset="0"/>
               <a:sym typeface="Wingdings" pitchFamily="2" charset="2"/>
@@ -8926,6 +8205,41 @@
               <a:buChar char="ü"/>
               <a:defRPr/>
             </a:pPr>
+            <a:r>
+              <a:rPr lang="pt-BR" sz="1800" dirty="0">
+                <a:latin typeface="Verdana" pitchFamily="34" charset="0"/>
+                <a:cs typeface="Times New Roman" pitchFamily="18" charset="0"/>
+                <a:sym typeface="Wingdings" pitchFamily="2" charset="2"/>
+              </a:rPr>
+              <a:t> No IAS, o conceito de programa armazenado eliminou a necessidade de se alterar as ligações com cabos ou outros dispositivos.</a:t>
+            </a:r>
+          </a:p>
+          <a:p>
+            <a:pPr lvl="1" algn="just">
+              <a:buFont typeface="Wingdings" pitchFamily="2" charset="2"/>
+              <a:buChar char="ü"/>
+              <a:defRPr/>
+            </a:pPr>
+            <a:endParaRPr lang="pt-BR" sz="1800" dirty="0">
+              <a:latin typeface="Verdana" pitchFamily="34" charset="0"/>
+              <a:cs typeface="Times New Roman" pitchFamily="18" charset="0"/>
+              <a:sym typeface="Wingdings" pitchFamily="2" charset="2"/>
+            </a:endParaRPr>
+          </a:p>
+          <a:p>
+            <a:pPr lvl="1" algn="just">
+              <a:buFont typeface="Wingdings" pitchFamily="2" charset="2"/>
+              <a:buChar char="ü"/>
+              <a:defRPr/>
+            </a:pPr>
+            <a:r>
+              <a:rPr lang="pt-BR" sz="1800" dirty="0">
+                <a:latin typeface="Verdana" pitchFamily="34" charset="0"/>
+                <a:cs typeface="Times New Roman" pitchFamily="18" charset="0"/>
+                <a:sym typeface="Wingdings" pitchFamily="2" charset="2"/>
+              </a:rPr>
+              <a:t> A arquitetura proposta permanece até os dias de hoje</a:t>
+            </a:r>
             <a:r>
               <a:rPr lang="pt-BR" sz="1800" dirty="0">
                 <a:effectLst>
@@ -8937,70 +8251,7 @@
                 <a:cs typeface="Times New Roman" pitchFamily="18" charset="0"/>
                 <a:sym typeface="Wingdings" pitchFamily="2" charset="2"/>
               </a:rPr>
-              <a:t> No IAS, o conceito de programa armazenado </a:t>
-            </a:r>
-            <a:r>
-              <a:rPr lang="pt-BR" sz="1800" dirty="0" smtClean="0">
-                <a:effectLst>
-                  <a:outerShdw blurRad="38100" dist="38100" dir="2700000" algn="tl">
-                    <a:srgbClr val="C0C0C0"/>
-                  </a:outerShdw>
-                </a:effectLst>
-                <a:latin typeface="Verdana" pitchFamily="34" charset="0"/>
-                <a:cs typeface="Times New Roman" pitchFamily="18" charset="0"/>
-                <a:sym typeface="Wingdings" pitchFamily="2" charset="2"/>
-              </a:rPr>
-              <a:t>eliminou </a:t>
-            </a:r>
-            <a:r>
-              <a:rPr lang="pt-BR" sz="1800" dirty="0">
-                <a:effectLst>
-                  <a:outerShdw blurRad="38100" dist="38100" dir="2700000" algn="tl">
-                    <a:srgbClr val="C0C0C0"/>
-                  </a:outerShdw>
-                </a:effectLst>
-                <a:latin typeface="Verdana" pitchFamily="34" charset="0"/>
-                <a:cs typeface="Times New Roman" pitchFamily="18" charset="0"/>
-                <a:sym typeface="Wingdings" pitchFamily="2" charset="2"/>
-              </a:rPr>
-              <a:t>a necessidade de se alterar as ligações com cabos ou outros dispositivos.</a:t>
-            </a:r>
-          </a:p>
-          <a:p>
-            <a:pPr lvl="1" algn="just">
-              <a:buFont typeface="Wingdings" pitchFamily="2" charset="2"/>
-              <a:buChar char="ü"/>
-              <a:defRPr/>
-            </a:pPr>
-            <a:endParaRPr lang="pt-BR" sz="1800" dirty="0">
-              <a:effectLst>
-                <a:outerShdw blurRad="38100" dist="38100" dir="2700000" algn="tl">
-                  <a:srgbClr val="C0C0C0"/>
-                </a:outerShdw>
-              </a:effectLst>
-              <a:latin typeface="Verdana" pitchFamily="34" charset="0"/>
-              <a:cs typeface="Times New Roman" pitchFamily="18" charset="0"/>
-              <a:sym typeface="Wingdings" pitchFamily="2" charset="2"/>
-            </a:endParaRPr>
-          </a:p>
-          <a:p>
-            <a:pPr lvl="1" algn="just">
-              <a:buFont typeface="Wingdings" pitchFamily="2" charset="2"/>
-              <a:buChar char="ü"/>
-              <a:defRPr/>
-            </a:pPr>
-            <a:r>
-              <a:rPr lang="pt-BR" sz="1800" dirty="0">
-                <a:effectLst>
-                  <a:outerShdw blurRad="38100" dist="38100" dir="2700000" algn="tl">
-                    <a:srgbClr val="C0C0C0"/>
-                  </a:outerShdw>
-                </a:effectLst>
-                <a:latin typeface="Verdana" pitchFamily="34" charset="0"/>
-                <a:cs typeface="Times New Roman" pitchFamily="18" charset="0"/>
-                <a:sym typeface="Wingdings" pitchFamily="2" charset="2"/>
-              </a:rPr>
-              <a:t> A arquitetura proposta permanece até os dias de hoje.</a:t>
+              <a:t>.</a:t>
             </a:r>
           </a:p>
         </p:txBody>
@@ -9041,11 +8292,6 @@
             </a:pPr>
             <a:r>
               <a:rPr lang="pt-BR" sz="1800" b="1" dirty="0">
-                <a:effectLst>
-                  <a:outerShdw blurRad="38100" dist="38100" dir="2700000" algn="tl">
-                    <a:srgbClr val="C0C0C0"/>
-                  </a:outerShdw>
-                </a:effectLst>
                 <a:latin typeface="Verdana" pitchFamily="34" charset="0"/>
               </a:rPr>
               <a:t>5. Computadores Eletrônicos (1945 - ?)</a:t>
@@ -9125,7 +8371,7 @@
 </p:sld>
 </file>
 
-<file path=ppt/slides/slide22.xml><?xml version="1.0" encoding="utf-8"?>
+<file path=ppt/slides/slide23.xml><?xml version="1.0" encoding="utf-8"?>
 <p:sld xmlns:a="http://schemas.openxmlformats.org/drawingml/2006/main" xmlns:r="http://schemas.openxmlformats.org/officeDocument/2006/relationships" xmlns:p="http://schemas.openxmlformats.org/presentationml/2006/main">
   <p:cSld>
     <p:spTree>
@@ -9165,7 +8411,7 @@
               <a:pPr>
                 <a:defRPr/>
               </a:pPr>
-              <a:t>24/04/2016</a:t>
+              <a:t>28/02/2018</a:t>
             </a:fld>
             <a:endParaRPr lang="pt-BR" dirty="0"/>
           </a:p>
@@ -9194,7 +8440,7 @@
               <a:pPr>
                 <a:defRPr/>
               </a:pPr>
-              <a:t>22</a:t>
+              <a:t>23</a:t>
             </a:fld>
             <a:endParaRPr lang="pt-BR"/>
           </a:p>
@@ -9247,14 +8493,17 @@
                 <a:cs typeface="Times New Roman" pitchFamily="18" charset="0"/>
                 <a:sym typeface="Wingdings" pitchFamily="2" charset="2"/>
               </a:rPr>
-              <a:t> Segunda geração: Computadores Transistorizados</a:t>
+              <a:t> </a:t>
+            </a:r>
+            <a:r>
+              <a:rPr lang="pt-BR" sz="1800" dirty="0">
+                <a:latin typeface="Verdana" pitchFamily="34" charset="0"/>
+                <a:cs typeface="Times New Roman" pitchFamily="18" charset="0"/>
+                <a:sym typeface="Wingdings" pitchFamily="2" charset="2"/>
+              </a:rPr>
+              <a:t>Segunda geração: Computadores Transistorizados</a:t>
             </a:r>
             <a:endParaRPr lang="pt-BR" sz="1800" i="1" dirty="0">
-              <a:effectLst>
-                <a:outerShdw blurRad="38100" dist="38100" dir="2700000" algn="tl">
-                  <a:srgbClr val="C0C0C0"/>
-                </a:outerShdw>
-              </a:effectLst>
               <a:latin typeface="Verdana" pitchFamily="34" charset="0"/>
               <a:cs typeface="Times New Roman" pitchFamily="18" charset="0"/>
               <a:sym typeface="Wingdings" pitchFamily="2" charset="2"/>
@@ -9267,11 +8516,6 @@
               <a:defRPr/>
             </a:pPr>
             <a:endParaRPr lang="pt-BR" sz="1800" dirty="0">
-              <a:effectLst>
-                <a:outerShdw blurRad="38100" dist="38100" dir="2700000" algn="tl">
-                  <a:srgbClr val="C0C0C0"/>
-                </a:outerShdw>
-              </a:effectLst>
               <a:latin typeface="Verdana" pitchFamily="34" charset="0"/>
               <a:cs typeface="Times New Roman" pitchFamily="18" charset="0"/>
               <a:sym typeface="Wingdings" pitchFamily="2" charset="2"/>
@@ -9285,11 +8529,6 @@
             </a:pPr>
             <a:r>
               <a:rPr lang="pt-BR" sz="1800" dirty="0">
-                <a:effectLst>
-                  <a:outerShdw blurRad="38100" dist="38100" dir="2700000" algn="tl">
-                    <a:srgbClr val="C0C0C0"/>
-                  </a:outerShdw>
-                </a:effectLst>
                 <a:latin typeface="Verdana" pitchFamily="34" charset="0"/>
                 <a:cs typeface="Times New Roman" pitchFamily="18" charset="0"/>
                 <a:sym typeface="Wingdings" pitchFamily="2" charset="2"/>
@@ -9304,11 +8543,6 @@
               <a:defRPr/>
             </a:pPr>
             <a:endParaRPr lang="pt-BR" sz="1800" dirty="0">
-              <a:effectLst>
-                <a:outerShdw blurRad="38100" dist="38100" dir="2700000" algn="tl">
-                  <a:srgbClr val="C0C0C0"/>
-                </a:outerShdw>
-              </a:effectLst>
               <a:latin typeface="Verdana" pitchFamily="34" charset="0"/>
               <a:cs typeface="Times New Roman" pitchFamily="18" charset="0"/>
               <a:sym typeface="Wingdings" pitchFamily="2" charset="2"/>
@@ -9322,11 +8556,6 @@
             </a:pPr>
             <a:r>
               <a:rPr lang="pt-BR" sz="1800" dirty="0">
-                <a:effectLst>
-                  <a:outerShdw blurRad="38100" dist="38100" dir="2700000" algn="tl">
-                    <a:srgbClr val="C0C0C0"/>
-                  </a:outerShdw>
-                </a:effectLst>
                 <a:latin typeface="Verdana" pitchFamily="34" charset="0"/>
                 <a:cs typeface="Times New Roman" pitchFamily="18" charset="0"/>
                 <a:sym typeface="Wingdings" pitchFamily="2" charset="2"/>
@@ -9335,11 +8564,6 @@
             </a:r>
             <a:r>
               <a:rPr lang="pt-BR" sz="1800" dirty="0" err="1">
-                <a:effectLst>
-                  <a:outerShdw blurRad="38100" dist="38100" dir="2700000" algn="tl">
-                    <a:srgbClr val="C0C0C0"/>
-                  </a:outerShdw>
-                </a:effectLst>
                 <a:latin typeface="Verdana" pitchFamily="34" charset="0"/>
                 <a:cs typeface="Times New Roman" pitchFamily="18" charset="0"/>
                 <a:sym typeface="Wingdings" pitchFamily="2" charset="2"/>
@@ -9348,11 +8572,6 @@
             </a:r>
             <a:r>
               <a:rPr lang="pt-BR" sz="1800" dirty="0">
-                <a:effectLst>
-                  <a:outerShdw blurRad="38100" dist="38100" dir="2700000" algn="tl">
-                    <a:srgbClr val="C0C0C0"/>
-                  </a:outerShdw>
-                </a:effectLst>
                 <a:latin typeface="Verdana" pitchFamily="34" charset="0"/>
                 <a:cs typeface="Times New Roman" pitchFamily="18" charset="0"/>
                 <a:sym typeface="Wingdings" pitchFamily="2" charset="2"/>
@@ -9361,11 +8580,6 @@
             </a:r>
             <a:r>
               <a:rPr lang="pt-BR" sz="1800" b="1" dirty="0">
-                <a:effectLst>
-                  <a:outerShdw blurRad="38100" dist="38100" dir="2700000" algn="tl">
-                    <a:srgbClr val="C0C0C0"/>
-                  </a:outerShdw>
-                </a:effectLst>
                 <a:latin typeface="Verdana" pitchFamily="34" charset="0"/>
                 <a:cs typeface="Times New Roman" pitchFamily="18" charset="0"/>
                 <a:sym typeface="Wingdings" pitchFamily="2" charset="2"/>
@@ -9374,11 +8588,6 @@
             </a:r>
             <a:r>
               <a:rPr lang="pt-BR" sz="1800" dirty="0">
-                <a:effectLst>
-                  <a:outerShdw blurRad="38100" dist="38100" dir="2700000" algn="tl">
-                    <a:srgbClr val="C0C0C0"/>
-                  </a:outerShdw>
-                </a:effectLst>
                 <a:latin typeface="Verdana" pitchFamily="34" charset="0"/>
                 <a:cs typeface="Times New Roman" pitchFamily="18" charset="0"/>
                 <a:sym typeface="Wingdings" pitchFamily="2" charset="2"/>
@@ -9387,11 +8596,6 @@
             </a:r>
             <a:r>
               <a:rPr lang="pt-BR" sz="1800" b="1" dirty="0">
-                <a:effectLst>
-                  <a:outerShdw blurRad="38100" dist="38100" dir="2700000" algn="tl">
-                    <a:srgbClr val="C0C0C0"/>
-                  </a:outerShdw>
-                </a:effectLst>
                 <a:latin typeface="Verdana" pitchFamily="34" charset="0"/>
                 <a:cs typeface="Times New Roman" pitchFamily="18" charset="0"/>
                 <a:sym typeface="Wingdings" pitchFamily="2" charset="2"/>
@@ -9400,11 +8604,6 @@
             </a:r>
             <a:r>
               <a:rPr lang="pt-BR" sz="1800" b="1" dirty="0" err="1">
-                <a:effectLst>
-                  <a:outerShdw blurRad="38100" dist="38100" dir="2700000" algn="tl">
-                    <a:srgbClr val="C0C0C0"/>
-                  </a:outerShdw>
-                </a:effectLst>
                 <a:latin typeface="Verdana" pitchFamily="34" charset="0"/>
                 <a:cs typeface="Times New Roman" pitchFamily="18" charset="0"/>
                 <a:sym typeface="Wingdings" pitchFamily="2" charset="2"/>
@@ -9413,11 +8612,6 @@
             </a:r>
             <a:r>
               <a:rPr lang="pt-BR" sz="1800" b="1" dirty="0">
-                <a:effectLst>
-                  <a:outerShdw blurRad="38100" dist="38100" dir="2700000" algn="tl">
-                    <a:srgbClr val="C0C0C0"/>
-                  </a:outerShdw>
-                </a:effectLst>
                 <a:latin typeface="Verdana" pitchFamily="34" charset="0"/>
                 <a:cs typeface="Times New Roman" pitchFamily="18" charset="0"/>
                 <a:sym typeface="Wingdings" pitchFamily="2" charset="2"/>
@@ -9426,11 +8620,6 @@
             </a:r>
             <a:r>
               <a:rPr lang="pt-BR" sz="1800" dirty="0">
-                <a:effectLst>
-                  <a:outerShdw blurRad="38100" dist="38100" dir="2700000" algn="tl">
-                    <a:srgbClr val="C0C0C0"/>
-                  </a:outerShdw>
-                </a:effectLst>
                 <a:latin typeface="Verdana" pitchFamily="34" charset="0"/>
                 <a:cs typeface="Times New Roman" pitchFamily="18" charset="0"/>
                 <a:sym typeface="Wingdings" pitchFamily="2" charset="2"/>
@@ -9439,11 +8628,6 @@
             </a:r>
             <a:r>
               <a:rPr lang="pt-BR" sz="1800" b="1" dirty="0">
-                <a:effectLst>
-                  <a:outerShdw blurRad="38100" dist="38100" dir="2700000" algn="tl">
-                    <a:srgbClr val="C0C0C0"/>
-                  </a:outerShdw>
-                </a:effectLst>
                 <a:latin typeface="Verdana" pitchFamily="34" charset="0"/>
                 <a:cs typeface="Times New Roman" pitchFamily="18" charset="0"/>
                 <a:sym typeface="Wingdings" pitchFamily="2" charset="2"/>
@@ -9452,11 +8636,6 @@
             </a:r>
             <a:r>
               <a:rPr lang="pt-BR" sz="1800" b="1" dirty="0" err="1">
-                <a:effectLst>
-                  <a:outerShdw blurRad="38100" dist="38100" dir="2700000" algn="tl">
-                    <a:srgbClr val="C0C0C0"/>
-                  </a:outerShdw>
-                </a:effectLst>
                 <a:latin typeface="Verdana" pitchFamily="34" charset="0"/>
                 <a:cs typeface="Times New Roman" pitchFamily="18" charset="0"/>
                 <a:sym typeface="Wingdings" pitchFamily="2" charset="2"/>
@@ -9465,11 +8644,6 @@
             </a:r>
             <a:r>
               <a:rPr lang="pt-BR" sz="1800" dirty="0">
-                <a:effectLst>
-                  <a:outerShdw blurRad="38100" dist="38100" dir="2700000" algn="tl">
-                    <a:srgbClr val="C0C0C0"/>
-                  </a:outerShdw>
-                </a:effectLst>
                 <a:latin typeface="Verdana" pitchFamily="34" charset="0"/>
                 <a:cs typeface="Times New Roman" pitchFamily="18" charset="0"/>
                 <a:sym typeface="Wingdings" pitchFamily="2" charset="2"/>
@@ -9515,11 +8689,6 @@
             </a:pPr>
             <a:r>
               <a:rPr lang="pt-BR" sz="1800" b="1" dirty="0">
-                <a:effectLst>
-                  <a:outerShdw blurRad="38100" dist="38100" dir="2700000" algn="tl">
-                    <a:srgbClr val="C0C0C0"/>
-                  </a:outerShdw>
-                </a:effectLst>
                 <a:latin typeface="Verdana" pitchFamily="34" charset="0"/>
               </a:rPr>
               <a:t>5. Computadores Eletrônicos (1945 - ?)</a:t>
@@ -9599,7 +8768,7 @@
 </p:sld>
 </file>
 
-<file path=ppt/slides/slide23.xml><?xml version="1.0" encoding="utf-8"?>
+<file path=ppt/slides/slide24.xml><?xml version="1.0" encoding="utf-8"?>
 <p:sld xmlns:a="http://schemas.openxmlformats.org/drawingml/2006/main" xmlns:r="http://schemas.openxmlformats.org/officeDocument/2006/relationships" xmlns:p="http://schemas.openxmlformats.org/presentationml/2006/main">
   <p:cSld>
     <p:spTree>
@@ -9639,7 +8808,7 @@
               <a:pPr>
                 <a:defRPr/>
               </a:pPr>
-              <a:t>24/04/2016</a:t>
+              <a:t>28/02/2018</a:t>
             </a:fld>
             <a:endParaRPr lang="pt-BR" dirty="0"/>
           </a:p>
@@ -9668,7 +8837,7 @@
               <a:pPr>
                 <a:defRPr/>
               </a:pPr>
-              <a:t>23</a:t>
+              <a:t>24</a:t>
             </a:fld>
             <a:endParaRPr lang="pt-BR"/>
           </a:p>
@@ -9721,14 +8890,17 @@
                 <a:cs typeface="Times New Roman" pitchFamily="18" charset="0"/>
                 <a:sym typeface="Wingdings" pitchFamily="2" charset="2"/>
               </a:rPr>
-              <a:t> Segunda geração: Computadores Transistorizados</a:t>
+              <a:t> </a:t>
+            </a:r>
+            <a:r>
+              <a:rPr lang="pt-BR" sz="1800" dirty="0">
+                <a:latin typeface="Verdana" pitchFamily="34" charset="0"/>
+                <a:cs typeface="Times New Roman" pitchFamily="18" charset="0"/>
+                <a:sym typeface="Wingdings" pitchFamily="2" charset="2"/>
+              </a:rPr>
+              <a:t>Segunda geração: Computadores Transistorizados</a:t>
             </a:r>
             <a:endParaRPr lang="pt-BR" sz="1800" i="1" dirty="0">
-              <a:effectLst>
-                <a:outerShdw blurRad="38100" dist="38100" dir="2700000" algn="tl">
-                  <a:srgbClr val="C0C0C0"/>
-                </a:outerShdw>
-              </a:effectLst>
               <a:latin typeface="Verdana" pitchFamily="34" charset="0"/>
               <a:cs typeface="Times New Roman" pitchFamily="18" charset="0"/>
               <a:sym typeface="Wingdings" pitchFamily="2" charset="2"/>
@@ -9741,11 +8913,6 @@
               <a:defRPr/>
             </a:pPr>
             <a:endParaRPr lang="pt-BR" sz="1800" dirty="0">
-              <a:effectLst>
-                <a:outerShdw blurRad="38100" dist="38100" dir="2700000" algn="tl">
-                  <a:srgbClr val="C0C0C0"/>
-                </a:outerShdw>
-              </a:effectLst>
               <a:latin typeface="Verdana" pitchFamily="34" charset="0"/>
               <a:cs typeface="Times New Roman" pitchFamily="18" charset="0"/>
               <a:sym typeface="Wingdings" pitchFamily="2" charset="2"/>
@@ -9759,11 +8926,6 @@
             </a:pPr>
             <a:r>
               <a:rPr lang="pt-BR" sz="1800" dirty="0">
-                <a:effectLst>
-                  <a:outerShdw blurRad="38100" dist="38100" dir="2700000" algn="tl">
-                    <a:srgbClr val="C0C0C0"/>
-                  </a:outerShdw>
-                </a:effectLst>
                 <a:latin typeface="Verdana" pitchFamily="34" charset="0"/>
                 <a:cs typeface="Times New Roman" pitchFamily="18" charset="0"/>
                 <a:sym typeface="Wingdings" pitchFamily="2" charset="2"/>
@@ -9809,11 +8971,6 @@
             </a:pPr>
             <a:r>
               <a:rPr lang="pt-BR" sz="1800" b="1" dirty="0">
-                <a:effectLst>
-                  <a:outerShdw blurRad="38100" dist="38100" dir="2700000" algn="tl">
-                    <a:srgbClr val="C0C0C0"/>
-                  </a:outerShdw>
-                </a:effectLst>
                 <a:latin typeface="Verdana" pitchFamily="34" charset="0"/>
               </a:rPr>
               <a:t>5. Computadores Eletrônicos (1945 - ?)</a:t>
@@ -9861,7 +9018,7 @@
 </p:sld>
 </file>
 
-<file path=ppt/slides/slide24.xml><?xml version="1.0" encoding="utf-8"?>
+<file path=ppt/slides/slide25.xml><?xml version="1.0" encoding="utf-8"?>
 <p:sld xmlns:a="http://schemas.openxmlformats.org/drawingml/2006/main" xmlns:r="http://schemas.openxmlformats.org/officeDocument/2006/relationships" xmlns:p="http://schemas.openxmlformats.org/presentationml/2006/main">
   <p:cSld>
     <p:spTree>
@@ -9901,7 +9058,7 @@
               <a:pPr>
                 <a:defRPr/>
               </a:pPr>
-              <a:t>24/04/2016</a:t>
+              <a:t>28/02/2018</a:t>
             </a:fld>
             <a:endParaRPr lang="pt-BR" dirty="0"/>
           </a:p>
@@ -9930,7 +9087,7 @@
               <a:pPr>
                 <a:defRPr/>
               </a:pPr>
-              <a:t>24</a:t>
+              <a:t>25</a:t>
             </a:fld>
             <a:endParaRPr lang="pt-BR"/>
           </a:p>
@@ -9983,28 +9140,18 @@
                 <a:cs typeface="Times New Roman" pitchFamily="18" charset="0"/>
                 <a:sym typeface="Wingdings" pitchFamily="2" charset="2"/>
               </a:rPr>
-              <a:t> Terceira geração: Computadores com Circuitos </a:t>
+              <a:t> </a:t>
             </a:r>
             <a:r>
               <a:rPr lang="pt-BR" sz="1800" dirty="0">
-                <a:effectLst>
-                  <a:outerShdw blurRad="38100" dist="38100" dir="2700000" algn="tl">
-                    <a:srgbClr val="C0C0C0"/>
-                  </a:outerShdw>
-                </a:effectLst>
                 <a:latin typeface="Verdana" pitchFamily="34" charset="0"/>
                 <a:cs typeface="Times New Roman" pitchFamily="18" charset="0"/>
                 <a:sym typeface="Wingdings" pitchFamily="2" charset="2"/>
               </a:rPr>
-              <a:t>Integrados (LSI - </a:t>
+              <a:t>Terceira geração: Computadores com Circuitos Integrados (LSI - </a:t>
             </a:r>
             <a:r>
               <a:rPr lang="pt-BR" sz="1800" dirty="0" err="1">
-                <a:effectLst>
-                  <a:outerShdw blurRad="38100" dist="38100" dir="2700000" algn="tl">
-                    <a:srgbClr val="C0C0C0"/>
-                  </a:outerShdw>
-                </a:effectLst>
                 <a:latin typeface="Verdana" pitchFamily="34" charset="0"/>
                 <a:cs typeface="Times New Roman" pitchFamily="18" charset="0"/>
                 <a:sym typeface="Wingdings" pitchFamily="2" charset="2"/>
@@ -10013,11 +9160,6 @@
             </a:r>
             <a:r>
               <a:rPr lang="pt-BR" sz="1800" dirty="0">
-                <a:effectLst>
-                  <a:outerShdw blurRad="38100" dist="38100" dir="2700000" algn="tl">
-                    <a:srgbClr val="C0C0C0"/>
-                  </a:outerShdw>
-                </a:effectLst>
                 <a:latin typeface="Verdana" pitchFamily="34" charset="0"/>
                 <a:cs typeface="Times New Roman" pitchFamily="18" charset="0"/>
                 <a:sym typeface="Wingdings" pitchFamily="2" charset="2"/>
@@ -10026,11 +9168,6 @@
             </a:r>
             <a:r>
               <a:rPr lang="pt-BR" sz="1800" dirty="0" err="1">
-                <a:effectLst>
-                  <a:outerShdw blurRad="38100" dist="38100" dir="2700000" algn="tl">
-                    <a:srgbClr val="C0C0C0"/>
-                  </a:outerShdw>
-                </a:effectLst>
                 <a:latin typeface="Verdana" pitchFamily="34" charset="0"/>
                 <a:cs typeface="Times New Roman" pitchFamily="18" charset="0"/>
                 <a:sym typeface="Wingdings" pitchFamily="2" charset="2"/>
@@ -10039,11 +9176,6 @@
             </a:r>
             <a:r>
               <a:rPr lang="pt-BR" sz="1800" dirty="0">
-                <a:effectLst>
-                  <a:outerShdw blurRad="38100" dist="38100" dir="2700000" algn="tl">
-                    <a:srgbClr val="C0C0C0"/>
-                  </a:outerShdw>
-                </a:effectLst>
                 <a:latin typeface="Verdana" pitchFamily="34" charset="0"/>
                 <a:cs typeface="Times New Roman" pitchFamily="18" charset="0"/>
                 <a:sym typeface="Wingdings" pitchFamily="2" charset="2"/>
@@ -10052,11 +9184,6 @@
             </a:r>
             <a:r>
               <a:rPr lang="pt-BR" sz="1800" dirty="0" err="1">
-                <a:effectLst>
-                  <a:outerShdw blurRad="38100" dist="38100" dir="2700000" algn="tl">
-                    <a:srgbClr val="C0C0C0"/>
-                  </a:outerShdw>
-                </a:effectLst>
                 <a:latin typeface="Verdana" pitchFamily="34" charset="0"/>
                 <a:cs typeface="Times New Roman" pitchFamily="18" charset="0"/>
                 <a:sym typeface="Wingdings" pitchFamily="2" charset="2"/>
@@ -10064,12 +9191,7 @@
               <a:t>Integration</a:t>
             </a:r>
             <a:r>
-              <a:rPr lang="pt-BR" sz="1800" dirty="0" smtClean="0">
-                <a:effectLst>
-                  <a:outerShdw blurRad="38100" dist="38100" dir="2700000" algn="tl">
-                    <a:srgbClr val="C0C0C0"/>
-                  </a:outerShdw>
-                </a:effectLst>
+              <a:rPr lang="pt-BR" sz="1800" dirty="0">
                 <a:latin typeface="Verdana" pitchFamily="34" charset="0"/>
                 <a:cs typeface="Times New Roman" pitchFamily="18" charset="0"/>
                 <a:sym typeface="Wingdings" pitchFamily="2" charset="2"/>
@@ -10077,11 +9199,6 @@
               <a:t>).</a:t>
             </a:r>
             <a:endParaRPr lang="pt-BR" sz="1800" i="1" dirty="0">
-              <a:effectLst>
-                <a:outerShdw blurRad="38100" dist="38100" dir="2700000" algn="tl">
-                  <a:srgbClr val="C0C0C0"/>
-                </a:outerShdw>
-              </a:effectLst>
               <a:latin typeface="Verdana" pitchFamily="34" charset="0"/>
               <a:cs typeface="Times New Roman" pitchFamily="18" charset="0"/>
               <a:sym typeface="Wingdings" pitchFamily="2" charset="2"/>
@@ -10094,11 +9211,6 @@
               <a:defRPr/>
             </a:pPr>
             <a:endParaRPr lang="pt-BR" sz="1800" dirty="0">
-              <a:effectLst>
-                <a:outerShdw blurRad="38100" dist="38100" dir="2700000" algn="tl">
-                  <a:srgbClr val="C0C0C0"/>
-                </a:outerShdw>
-              </a:effectLst>
               <a:latin typeface="Verdana" pitchFamily="34" charset="0"/>
               <a:cs typeface="Times New Roman" pitchFamily="18" charset="0"/>
               <a:sym typeface="Wingdings" pitchFamily="2" charset="2"/>
@@ -10112,11 +9224,6 @@
             </a:pPr>
             <a:r>
               <a:rPr lang="pt-BR" sz="1800" dirty="0">
-                <a:effectLst>
-                  <a:outerShdw blurRad="38100" dist="38100" dir="2700000" algn="tl">
-                    <a:srgbClr val="C0C0C0"/>
-                  </a:outerShdw>
-                </a:effectLst>
                 <a:latin typeface="Verdana" pitchFamily="34" charset="0"/>
                 <a:cs typeface="Times New Roman" pitchFamily="18" charset="0"/>
                 <a:sym typeface="Wingdings" pitchFamily="2" charset="2"/>
@@ -10131,11 +9238,6 @@
               <a:defRPr/>
             </a:pPr>
             <a:endParaRPr lang="pt-BR" sz="1800" dirty="0">
-              <a:effectLst>
-                <a:outerShdw blurRad="38100" dist="38100" dir="2700000" algn="tl">
-                  <a:srgbClr val="C0C0C0"/>
-                </a:outerShdw>
-              </a:effectLst>
               <a:latin typeface="Verdana" pitchFamily="34" charset="0"/>
               <a:cs typeface="Times New Roman" pitchFamily="18" charset="0"/>
               <a:sym typeface="Wingdings" pitchFamily="2" charset="2"/>
@@ -10149,11 +9251,6 @@
             </a:pPr>
             <a:r>
               <a:rPr lang="pt-BR" sz="1800" dirty="0">
-                <a:effectLst>
-                  <a:outerShdw blurRad="38100" dist="38100" dir="2700000" algn="tl">
-                    <a:srgbClr val="C0C0C0"/>
-                  </a:outerShdw>
-                </a:effectLst>
                 <a:latin typeface="Verdana" pitchFamily="34" charset="0"/>
                 <a:cs typeface="Times New Roman" pitchFamily="18" charset="0"/>
                 <a:sym typeface="Wingdings" pitchFamily="2" charset="2"/>
@@ -10162,11 +9259,6 @@
             </a:r>
             <a:r>
               <a:rPr lang="pt-BR" sz="1800" b="1" dirty="0">
-                <a:effectLst>
-                  <a:outerShdw blurRad="38100" dist="38100" dir="2700000" algn="tl">
-                    <a:srgbClr val="C0C0C0"/>
-                  </a:outerShdw>
-                </a:effectLst>
                 <a:latin typeface="Verdana" pitchFamily="34" charset="0"/>
                 <a:cs typeface="Times New Roman" pitchFamily="18" charset="0"/>
                 <a:sym typeface="Wingdings" pitchFamily="2" charset="2"/>
@@ -10175,11 +9267,6 @@
             </a:r>
             <a:r>
               <a:rPr lang="pt-BR" sz="1800" dirty="0">
-                <a:effectLst>
-                  <a:outerShdw blurRad="38100" dist="38100" dir="2700000" algn="tl">
-                    <a:srgbClr val="C0C0C0"/>
-                  </a:outerShdw>
-                </a:effectLst>
                 <a:latin typeface="Verdana" pitchFamily="34" charset="0"/>
                 <a:cs typeface="Times New Roman" pitchFamily="18" charset="0"/>
                 <a:sym typeface="Wingdings" pitchFamily="2" charset="2"/>
@@ -10188,11 +9275,6 @@
             </a:r>
             <a:r>
               <a:rPr lang="pt-BR" sz="1800" dirty="0" err="1">
-                <a:effectLst>
-                  <a:outerShdw blurRad="38100" dist="38100" dir="2700000" algn="tl">
-                    <a:srgbClr val="C0C0C0"/>
-                  </a:outerShdw>
-                </a:effectLst>
                 <a:latin typeface="Verdana" pitchFamily="34" charset="0"/>
                 <a:cs typeface="Times New Roman" pitchFamily="18" charset="0"/>
                 <a:sym typeface="Wingdings" pitchFamily="2" charset="2"/>
@@ -10201,11 +9283,6 @@
             </a:r>
             <a:r>
               <a:rPr lang="pt-BR" sz="1800" dirty="0">
-                <a:effectLst>
-                  <a:outerShdw blurRad="38100" dist="38100" dir="2700000" algn="tl">
-                    <a:srgbClr val="C0C0C0"/>
-                  </a:outerShdw>
-                </a:effectLst>
                 <a:latin typeface="Verdana" pitchFamily="34" charset="0"/>
                 <a:cs typeface="Times New Roman" pitchFamily="18" charset="0"/>
                 <a:sym typeface="Wingdings" pitchFamily="2" charset="2"/>
@@ -10214,11 +9291,6 @@
             </a:r>
             <a:r>
               <a:rPr lang="en-US" sz="1800" b="1" dirty="0">
-                <a:effectLst>
-                  <a:outerShdw blurRad="38100" dist="38100" dir="2700000" algn="tl">
-                    <a:srgbClr val="C0C0C0"/>
-                  </a:outerShdw>
-                </a:effectLst>
                 <a:latin typeface="Verdana" pitchFamily="34" charset="0"/>
                 <a:cs typeface="Times New Roman" pitchFamily="18" charset="0"/>
                 <a:sym typeface="Wingdings" pitchFamily="2" charset="2"/>
@@ -10227,11 +9299,6 @@
             </a:r>
             <a:r>
               <a:rPr lang="en-US" sz="1800" b="1" dirty="0" err="1">
-                <a:effectLst>
-                  <a:outerShdw blurRad="38100" dist="38100" dir="2700000" algn="tl">
-                    <a:srgbClr val="C0C0C0"/>
-                  </a:outerShdw>
-                </a:effectLst>
                 <a:latin typeface="Verdana" pitchFamily="34" charset="0"/>
                 <a:cs typeface="Times New Roman" pitchFamily="18" charset="0"/>
                 <a:sym typeface="Wingdings" pitchFamily="2" charset="2"/>
@@ -10240,11 +9307,6 @@
             </a:r>
             <a:r>
               <a:rPr lang="en-US" sz="1800" dirty="0">
-                <a:effectLst>
-                  <a:outerShdw blurRad="38100" dist="38100" dir="2700000" algn="tl">
-                    <a:srgbClr val="C0C0C0"/>
-                  </a:outerShdw>
-                </a:effectLst>
                 <a:latin typeface="Verdana" pitchFamily="34" charset="0"/>
                 <a:cs typeface="Times New Roman" pitchFamily="18" charset="0"/>
                 <a:sym typeface="Wingdings" pitchFamily="2" charset="2"/>
@@ -10253,11 +9315,6 @@
             </a:r>
             <a:r>
               <a:rPr lang="en-US" sz="1800" dirty="0" err="1">
-                <a:effectLst>
-                  <a:outerShdw blurRad="38100" dist="38100" dir="2700000" algn="tl">
-                    <a:srgbClr val="C0C0C0"/>
-                  </a:outerShdw>
-                </a:effectLst>
                 <a:latin typeface="Verdana" pitchFamily="34" charset="0"/>
                 <a:cs typeface="Times New Roman" pitchFamily="18" charset="0"/>
                 <a:sym typeface="Wingdings" pitchFamily="2" charset="2"/>
@@ -10266,11 +9323,6 @@
             </a:r>
             <a:r>
               <a:rPr lang="en-US" sz="1800" dirty="0">
-                <a:effectLst>
-                  <a:outerShdw blurRad="38100" dist="38100" dir="2700000" algn="tl">
-                    <a:srgbClr val="C0C0C0"/>
-                  </a:outerShdw>
-                </a:effectLst>
                 <a:latin typeface="Verdana" pitchFamily="34" charset="0"/>
                 <a:cs typeface="Times New Roman" pitchFamily="18" charset="0"/>
                 <a:sym typeface="Wingdings" pitchFamily="2" charset="2"/>
@@ -10278,11 +9330,6 @@
               <a:t> Fairchild Semiconductor Inc.</a:t>
             </a:r>
             <a:endParaRPr lang="pt-BR" sz="1800" dirty="0">
-              <a:effectLst>
-                <a:outerShdw blurRad="38100" dist="38100" dir="2700000" algn="tl">
-                  <a:srgbClr val="C0C0C0"/>
-                </a:outerShdw>
-              </a:effectLst>
               <a:latin typeface="Verdana" pitchFamily="34" charset="0"/>
               <a:cs typeface="Times New Roman" pitchFamily="18" charset="0"/>
               <a:sym typeface="Wingdings" pitchFamily="2" charset="2"/>
@@ -10326,11 +9373,6 @@
             </a:pPr>
             <a:r>
               <a:rPr lang="pt-BR" sz="1800" b="1" dirty="0">
-                <a:effectLst>
-                  <a:outerShdw blurRad="38100" dist="38100" dir="2700000" algn="tl">
-                    <a:srgbClr val="C0C0C0"/>
-                  </a:outerShdw>
-                </a:effectLst>
                 <a:latin typeface="Verdana" pitchFamily="34" charset="0"/>
               </a:rPr>
               <a:t>5. Computadores Eletrônicos (1945 - ?)</a:t>
@@ -10442,7 +9484,7 @@
 </p:sld>
 </file>
 
-<file path=ppt/slides/slide25.xml><?xml version="1.0" encoding="utf-8"?>
+<file path=ppt/slides/slide26.xml><?xml version="1.0" encoding="utf-8"?>
 <p:sld xmlns:a="http://schemas.openxmlformats.org/drawingml/2006/main" xmlns:r="http://schemas.openxmlformats.org/officeDocument/2006/relationships" xmlns:p="http://schemas.openxmlformats.org/presentationml/2006/main">
   <p:cSld>
     <p:spTree>
@@ -10482,7 +9524,7 @@
               <a:pPr>
                 <a:defRPr/>
               </a:pPr>
-              <a:t>25/04/2016</a:t>
+              <a:t>28/02/2018</a:t>
             </a:fld>
             <a:endParaRPr lang="pt-BR" dirty="0"/>
           </a:p>
@@ -10511,7 +9553,7 @@
               <a:pPr>
                 <a:defRPr/>
               </a:pPr>
-              <a:t>25</a:t>
+              <a:t>26</a:t>
             </a:fld>
             <a:endParaRPr lang="pt-BR"/>
           </a:p>
@@ -10568,11 +9610,6 @@
             </a:r>
             <a:r>
               <a:rPr lang="pt-BR" sz="1800" dirty="0">
-                <a:effectLst>
-                  <a:outerShdw blurRad="38100" dist="38100" dir="2700000" algn="tl">
-                    <a:srgbClr val="C0C0C0"/>
-                  </a:outerShdw>
-                </a:effectLst>
                 <a:latin typeface="Verdana" pitchFamily="34" charset="0"/>
                 <a:cs typeface="Times New Roman" pitchFamily="18" charset="0"/>
                 <a:sym typeface="Wingdings" pitchFamily="2" charset="2"/>
@@ -10581,11 +9618,6 @@
             </a:r>
             <a:r>
               <a:rPr lang="pt-BR" sz="1800" dirty="0" err="1">
-                <a:effectLst>
-                  <a:outerShdw blurRad="38100" dist="38100" dir="2700000" algn="tl">
-                    <a:srgbClr val="C0C0C0"/>
-                  </a:outerShdw>
-                </a:effectLst>
                 <a:latin typeface="Verdana" pitchFamily="34" charset="0"/>
                 <a:cs typeface="Times New Roman" pitchFamily="18" charset="0"/>
                 <a:sym typeface="Wingdings" pitchFamily="2" charset="2"/>
@@ -10594,11 +9626,6 @@
             </a:r>
             <a:r>
               <a:rPr lang="pt-BR" sz="1800" dirty="0">
-                <a:effectLst>
-                  <a:outerShdw blurRad="38100" dist="38100" dir="2700000" algn="tl">
-                    <a:srgbClr val="C0C0C0"/>
-                  </a:outerShdw>
-                </a:effectLst>
                 <a:latin typeface="Verdana" pitchFamily="34" charset="0"/>
                 <a:cs typeface="Times New Roman" pitchFamily="18" charset="0"/>
                 <a:sym typeface="Wingdings" pitchFamily="2" charset="2"/>
@@ -10607,11 +9634,6 @@
             </a:r>
             <a:r>
               <a:rPr lang="pt-BR" sz="1800" dirty="0" err="1">
-                <a:effectLst>
-                  <a:outerShdw blurRad="38100" dist="38100" dir="2700000" algn="tl">
-                    <a:srgbClr val="C0C0C0"/>
-                  </a:outerShdw>
-                </a:effectLst>
                 <a:latin typeface="Verdana" pitchFamily="34" charset="0"/>
                 <a:cs typeface="Times New Roman" pitchFamily="18" charset="0"/>
                 <a:sym typeface="Wingdings" pitchFamily="2" charset="2"/>
@@ -10620,11 +9642,6 @@
             </a:r>
             <a:r>
               <a:rPr lang="pt-BR" sz="1800" dirty="0">
-                <a:effectLst>
-                  <a:outerShdw blurRad="38100" dist="38100" dir="2700000" algn="tl">
-                    <a:srgbClr val="C0C0C0"/>
-                  </a:outerShdw>
-                </a:effectLst>
                 <a:latin typeface="Verdana" pitchFamily="34" charset="0"/>
                 <a:cs typeface="Times New Roman" pitchFamily="18" charset="0"/>
                 <a:sym typeface="Wingdings" pitchFamily="2" charset="2"/>
@@ -10633,11 +9650,6 @@
             </a:r>
             <a:r>
               <a:rPr lang="pt-BR" sz="1800" dirty="0" err="1">
-                <a:effectLst>
-                  <a:outerShdw blurRad="38100" dist="38100" dir="2700000" algn="tl">
-                    <a:srgbClr val="C0C0C0"/>
-                  </a:outerShdw>
-                </a:effectLst>
                 <a:latin typeface="Verdana" pitchFamily="34" charset="0"/>
                 <a:cs typeface="Times New Roman" pitchFamily="18" charset="0"/>
                 <a:sym typeface="Wingdings" pitchFamily="2" charset="2"/>
@@ -10646,11 +9658,6 @@
             </a:r>
             <a:r>
               <a:rPr lang="pt-BR" sz="1800" dirty="0">
-                <a:effectLst>
-                  <a:outerShdw blurRad="38100" dist="38100" dir="2700000" algn="tl">
-                    <a:srgbClr val="C0C0C0"/>
-                  </a:outerShdw>
-                </a:effectLst>
                 <a:latin typeface="Verdana" pitchFamily="34" charset="0"/>
                 <a:cs typeface="Times New Roman" pitchFamily="18" charset="0"/>
                 <a:sym typeface="Wingdings" pitchFamily="2" charset="2"/>
@@ -10658,11 +9665,6 @@
               <a:t>).</a:t>
             </a:r>
             <a:endParaRPr lang="pt-BR" sz="1800" i="1" dirty="0">
-              <a:effectLst>
-                <a:outerShdw blurRad="38100" dist="38100" dir="2700000" algn="tl">
-                  <a:srgbClr val="C0C0C0"/>
-                </a:outerShdw>
-              </a:effectLst>
               <a:latin typeface="Verdana" pitchFamily="34" charset="0"/>
               <a:cs typeface="Times New Roman" pitchFamily="18" charset="0"/>
               <a:sym typeface="Wingdings" pitchFamily="2" charset="2"/>
@@ -10675,11 +9677,6 @@
               <a:defRPr/>
             </a:pPr>
             <a:endParaRPr lang="pt-BR" sz="1800" dirty="0">
-              <a:effectLst>
-                <a:outerShdw blurRad="38100" dist="38100" dir="2700000" algn="tl">
-                  <a:srgbClr val="C0C0C0"/>
-                </a:outerShdw>
-              </a:effectLst>
               <a:latin typeface="Verdana" pitchFamily="34" charset="0"/>
               <a:cs typeface="Times New Roman" pitchFamily="18" charset="0"/>
               <a:sym typeface="Wingdings" pitchFamily="2" charset="2"/>
@@ -10693,11 +9690,6 @@
             </a:pPr>
             <a:r>
               <a:rPr lang="pt-BR" sz="1800" dirty="0">
-                <a:effectLst>
-                  <a:outerShdw blurRad="38100" dist="38100" dir="2700000" algn="tl">
-                    <a:srgbClr val="C0C0C0"/>
-                  </a:outerShdw>
-                </a:effectLst>
                 <a:latin typeface="Verdana" pitchFamily="34" charset="0"/>
                 <a:cs typeface="Times New Roman" pitchFamily="18" charset="0"/>
                 <a:sym typeface="Wingdings" pitchFamily="2" charset="2"/>
@@ -10743,11 +9735,6 @@
             </a:pPr>
             <a:r>
               <a:rPr lang="pt-BR" sz="1800" b="1" dirty="0">
-                <a:effectLst>
-                  <a:outerShdw blurRad="38100" dist="38100" dir="2700000" algn="tl">
-                    <a:srgbClr val="C0C0C0"/>
-                  </a:outerShdw>
-                </a:effectLst>
                 <a:latin typeface="Verdana" pitchFamily="34" charset="0"/>
               </a:rPr>
               <a:t>5. Computadores Eletrônicos (1945 - ?)</a:t>
@@ -10795,7 +9782,7 @@
 </p:sld>
 </file>
 
-<file path=ppt/slides/slide26.xml><?xml version="1.0" encoding="utf-8"?>
+<file path=ppt/slides/slide27.xml><?xml version="1.0" encoding="utf-8"?>
 <p:sld xmlns:a="http://schemas.openxmlformats.org/drawingml/2006/main" xmlns:r="http://schemas.openxmlformats.org/officeDocument/2006/relationships" xmlns:p="http://schemas.openxmlformats.org/presentationml/2006/main">
   <p:cSld>
     <p:spTree>
@@ -10835,7 +9822,7 @@
               <a:pPr>
                 <a:defRPr/>
               </a:pPr>
-              <a:t>24/04/2016</a:t>
+              <a:t>28/02/2018</a:t>
             </a:fld>
             <a:endParaRPr lang="pt-BR" dirty="0"/>
           </a:p>
@@ -10864,7 +9851,7 @@
               <a:pPr>
                 <a:defRPr/>
               </a:pPr>
-              <a:t>26</a:t>
+              <a:t>27</a:t>
             </a:fld>
             <a:endParaRPr lang="pt-BR"/>
           </a:p>
@@ -10917,80 +9904,58 @@
                 <a:cs typeface="Times New Roman" pitchFamily="18" charset="0"/>
                 <a:sym typeface="Wingdings" pitchFamily="2" charset="2"/>
               </a:rPr>
-              <a:t> Quarta geração: Computadores que Utilizam </a:t>
+              <a:t> </a:t>
             </a:r>
             <a:r>
               <a:rPr lang="pt-BR" sz="1800" dirty="0">
-                <a:effectLst>
-                  <a:outerShdw blurRad="38100" dist="38100" dir="2700000" algn="tl">
-                    <a:srgbClr val="C0C0C0"/>
-                  </a:outerShdw>
-                </a:effectLst>
                 <a:latin typeface="Verdana" pitchFamily="34" charset="0"/>
                 <a:cs typeface="Times New Roman" pitchFamily="18" charset="0"/>
                 <a:sym typeface="Wingdings" pitchFamily="2" charset="2"/>
               </a:rPr>
-              <a:t>VLSI </a:t>
-            </a:r>
-            <a:r>
-              <a:rPr lang="pt-BR" sz="1800" dirty="0" smtClean="0">
-                <a:effectLst>
-                  <a:outerShdw blurRad="38100" dist="38100" dir="2700000" algn="tl">
-                    <a:srgbClr val="C0C0C0"/>
-                  </a:outerShdw>
-                </a:effectLst>
+              <a:t>Quarta geração: Computadores que Utilizam VLSI (</a:t>
+            </a:r>
+            <a:r>
+              <a:rPr lang="pt-BR" sz="1800" dirty="0" err="1">
                 <a:latin typeface="Verdana" pitchFamily="34" charset="0"/>
                 <a:cs typeface="Times New Roman" pitchFamily="18" charset="0"/>
                 <a:sym typeface="Wingdings" pitchFamily="2" charset="2"/>
               </a:rPr>
-              <a:t>(</a:t>
-            </a:r>
-            <a:r>
-              <a:rPr lang="pt-BR" sz="1800" dirty="0" err="1" smtClean="0">
-                <a:effectLst>
-                  <a:outerShdw blurRad="38100" dist="38100" dir="2700000" algn="tl">
-                    <a:srgbClr val="C0C0C0"/>
-                  </a:outerShdw>
-                </a:effectLst>
+              <a:t>Very</a:t>
+            </a:r>
+            <a:r>
+              <a:rPr lang="pt-BR" sz="1800" dirty="0">
                 <a:latin typeface="Verdana" pitchFamily="34" charset="0"/>
                 <a:cs typeface="Times New Roman" pitchFamily="18" charset="0"/>
                 <a:sym typeface="Wingdings" pitchFamily="2" charset="2"/>
               </a:rPr>
-              <a:t>Very</a:t>
-            </a:r>
-            <a:r>
-              <a:rPr lang="pt-BR" sz="1800" dirty="0" smtClean="0">
-                <a:effectLst>
-                  <a:outerShdw blurRad="38100" dist="38100" dir="2700000" algn="tl">
-                    <a:srgbClr val="C0C0C0"/>
-                  </a:outerShdw>
-                </a:effectLst>
+              <a:t> </a:t>
+            </a:r>
+            <a:r>
+              <a:rPr lang="pt-BR" sz="1800" dirty="0" err="1">
                 <a:latin typeface="Verdana" pitchFamily="34" charset="0"/>
                 <a:cs typeface="Times New Roman" pitchFamily="18" charset="0"/>
                 <a:sym typeface="Wingdings" pitchFamily="2" charset="2"/>
               </a:rPr>
+              <a:t>Large</a:t>
+            </a:r>
+            <a:r>
+              <a:rPr lang="pt-BR" sz="1800" dirty="0">
+                <a:latin typeface="Verdana" pitchFamily="34" charset="0"/>
+                <a:cs typeface="Times New Roman" pitchFamily="18" charset="0"/>
+                <a:sym typeface="Wingdings" pitchFamily="2" charset="2"/>
+              </a:rPr>
               <a:t> </a:t>
             </a:r>
             <a:r>
               <a:rPr lang="pt-BR" sz="1800" dirty="0" err="1">
-                <a:effectLst>
-                  <a:outerShdw blurRad="38100" dist="38100" dir="2700000" algn="tl">
-                    <a:srgbClr val="C0C0C0"/>
-                  </a:outerShdw>
-                </a:effectLst>
                 <a:latin typeface="Verdana" pitchFamily="34" charset="0"/>
                 <a:cs typeface="Times New Roman" pitchFamily="18" charset="0"/>
                 <a:sym typeface="Wingdings" pitchFamily="2" charset="2"/>
               </a:rPr>
-              <a:t>Large</a:t>
+              <a:t>Scale</a:t>
             </a:r>
             <a:r>
               <a:rPr lang="pt-BR" sz="1800" dirty="0">
-                <a:effectLst>
-                  <a:outerShdw blurRad="38100" dist="38100" dir="2700000" algn="tl">
-                    <a:srgbClr val="C0C0C0"/>
-                  </a:outerShdw>
-                </a:effectLst>
                 <a:latin typeface="Verdana" pitchFamily="34" charset="0"/>
                 <a:cs typeface="Times New Roman" pitchFamily="18" charset="0"/>
                 <a:sym typeface="Wingdings" pitchFamily="2" charset="2"/>
@@ -10999,62 +9964,21 @@
             </a:r>
             <a:r>
               <a:rPr lang="pt-BR" sz="1800" dirty="0" err="1">
-                <a:effectLst>
-                  <a:outerShdw blurRad="38100" dist="38100" dir="2700000" algn="tl">
-                    <a:srgbClr val="C0C0C0"/>
-                  </a:outerShdw>
-                </a:effectLst>
                 <a:latin typeface="Verdana" pitchFamily="34" charset="0"/>
                 <a:cs typeface="Times New Roman" pitchFamily="18" charset="0"/>
                 <a:sym typeface="Wingdings" pitchFamily="2" charset="2"/>
               </a:rPr>
-              <a:t>Scale</a:t>
+              <a:t>Integration</a:t>
             </a:r>
             <a:r>
               <a:rPr lang="pt-BR" sz="1800" dirty="0">
-                <a:effectLst>
-                  <a:outerShdw blurRad="38100" dist="38100" dir="2700000" algn="tl">
-                    <a:srgbClr val="C0C0C0"/>
-                  </a:outerShdw>
-                </a:effectLst>
                 <a:latin typeface="Verdana" pitchFamily="34" charset="0"/>
                 <a:cs typeface="Times New Roman" pitchFamily="18" charset="0"/>
                 <a:sym typeface="Wingdings" pitchFamily="2" charset="2"/>
               </a:rPr>
-              <a:t> </a:t>
-            </a:r>
-            <a:r>
-              <a:rPr lang="pt-BR" sz="1800" dirty="0" err="1">
-                <a:effectLst>
-                  <a:outerShdw blurRad="38100" dist="38100" dir="2700000" algn="tl">
-                    <a:srgbClr val="C0C0C0"/>
-                  </a:outerShdw>
-                </a:effectLst>
-                <a:latin typeface="Verdana" pitchFamily="34" charset="0"/>
-                <a:cs typeface="Times New Roman" pitchFamily="18" charset="0"/>
-                <a:sym typeface="Wingdings" pitchFamily="2" charset="2"/>
-              </a:rPr>
-              <a:t>Integration</a:t>
-            </a:r>
-            <a:r>
-              <a:rPr lang="pt-BR" sz="1800" dirty="0" smtClean="0">
-                <a:effectLst>
-                  <a:outerShdw blurRad="38100" dist="38100" dir="2700000" algn="tl">
-                    <a:srgbClr val="C0C0C0"/>
-                  </a:outerShdw>
-                </a:effectLst>
-                <a:latin typeface="Verdana" pitchFamily="34" charset="0"/>
-                <a:cs typeface="Times New Roman" pitchFamily="18" charset="0"/>
-                <a:sym typeface="Wingdings" pitchFamily="2" charset="2"/>
-              </a:rPr>
               <a:t>).</a:t>
             </a:r>
             <a:endParaRPr lang="pt-BR" sz="1800" i="1" dirty="0">
-              <a:effectLst>
-                <a:outerShdw blurRad="38100" dist="38100" dir="2700000" algn="tl">
-                  <a:srgbClr val="C0C0C0"/>
-                </a:outerShdw>
-              </a:effectLst>
               <a:latin typeface="Verdana" pitchFamily="34" charset="0"/>
               <a:cs typeface="Times New Roman" pitchFamily="18" charset="0"/>
               <a:sym typeface="Wingdings" pitchFamily="2" charset="2"/>
@@ -11065,11 +9989,6 @@
               <a:defRPr/>
             </a:pPr>
             <a:endParaRPr lang="pt-BR" sz="1800" dirty="0">
-              <a:effectLst>
-                <a:outerShdw blurRad="38100" dist="38100" dir="2700000" algn="tl">
-                  <a:srgbClr val="C0C0C0"/>
-                </a:outerShdw>
-              </a:effectLst>
               <a:latin typeface="Verdana" pitchFamily="34" charset="0"/>
               <a:cs typeface="Times New Roman" pitchFamily="18" charset="0"/>
               <a:sym typeface="Wingdings" pitchFamily="2" charset="2"/>
@@ -11083,11 +10002,6 @@
             </a:pPr>
             <a:r>
               <a:rPr lang="pt-BR" sz="1800" dirty="0">
-                <a:effectLst>
-                  <a:outerShdw blurRad="38100" dist="38100" dir="2700000" algn="tl">
-                    <a:srgbClr val="C0C0C0"/>
-                  </a:outerShdw>
-                </a:effectLst>
                 <a:latin typeface="Verdana" pitchFamily="34" charset="0"/>
                 <a:cs typeface="Times New Roman" pitchFamily="18" charset="0"/>
                 <a:sym typeface="Wingdings" pitchFamily="2" charset="2"/>
@@ -11102,11 +10016,6 @@
               <a:defRPr/>
             </a:pPr>
             <a:endParaRPr lang="pt-BR" sz="1800" dirty="0">
-              <a:effectLst>
-                <a:outerShdw blurRad="38100" dist="38100" dir="2700000" algn="tl">
-                  <a:srgbClr val="C0C0C0"/>
-                </a:outerShdw>
-              </a:effectLst>
               <a:latin typeface="Verdana" pitchFamily="34" charset="0"/>
               <a:cs typeface="Times New Roman" pitchFamily="18" charset="0"/>
               <a:sym typeface="Wingdings" pitchFamily="2" charset="2"/>
@@ -11120,11 +10029,6 @@
             </a:pPr>
             <a:r>
               <a:rPr lang="pt-BR" sz="1800" dirty="0">
-                <a:effectLst>
-                  <a:outerShdw blurRad="38100" dist="38100" dir="2700000" algn="tl">
-                    <a:srgbClr val="C0C0C0"/>
-                  </a:outerShdw>
-                </a:effectLst>
                 <a:latin typeface="Verdana" pitchFamily="34" charset="0"/>
                 <a:cs typeface="Times New Roman" pitchFamily="18" charset="0"/>
                 <a:sym typeface="Wingdings" pitchFamily="2" charset="2"/>
@@ -11138,11 +10042,6 @@
             </a:pPr>
             <a:r>
               <a:rPr lang="pt-BR" sz="1800" dirty="0">
-                <a:effectLst>
-                  <a:outerShdw blurRad="38100" dist="38100" dir="2700000" algn="tl">
-                    <a:srgbClr val="C0C0C0"/>
-                  </a:outerShdw>
-                </a:effectLst>
                 <a:latin typeface="Verdana" pitchFamily="34" charset="0"/>
                 <a:cs typeface="Times New Roman" pitchFamily="18" charset="0"/>
                 <a:sym typeface="Wingdings" pitchFamily="2" charset="2"/>
@@ -11188,11 +10087,6 @@
             </a:pPr>
             <a:r>
               <a:rPr lang="pt-BR" sz="1800" b="1" dirty="0">
-                <a:effectLst>
-                  <a:outerShdw blurRad="38100" dist="38100" dir="2700000" algn="tl">
-                    <a:srgbClr val="C0C0C0"/>
-                  </a:outerShdw>
-                </a:effectLst>
                 <a:latin typeface="Verdana" pitchFamily="34" charset="0"/>
               </a:rPr>
               <a:t>5. Computadores Eletrônicos (1945 - ?)</a:t>
@@ -11274,7 +10168,7 @@
 </p:sld>
 </file>
 
-<file path=ppt/slides/slide27.xml><?xml version="1.0" encoding="utf-8"?>
+<file path=ppt/slides/slide28.xml><?xml version="1.0" encoding="utf-8"?>
 <p:sld xmlns:a="http://schemas.openxmlformats.org/drawingml/2006/main" xmlns:r="http://schemas.openxmlformats.org/officeDocument/2006/relationships" xmlns:p="http://schemas.openxmlformats.org/presentationml/2006/main">
   <p:cSld>
     <p:spTree>
@@ -11314,7 +10208,7 @@
               <a:pPr>
                 <a:defRPr/>
               </a:pPr>
-              <a:t>24/04/2016</a:t>
+              <a:t>28/02/2018</a:t>
             </a:fld>
             <a:endParaRPr lang="pt-BR" dirty="0"/>
           </a:p>
@@ -11343,7 +10237,7 @@
               <a:pPr>
                 <a:defRPr/>
               </a:pPr>
-              <a:t>27</a:t>
+              <a:t>28</a:t>
             </a:fld>
             <a:endParaRPr lang="pt-BR"/>
           </a:p>
@@ -11396,15 +10290,18 @@
                 <a:cs typeface="Times New Roman" pitchFamily="18" charset="0"/>
                 <a:sym typeface="Wingdings" pitchFamily="2" charset="2"/>
               </a:rPr>
-              <a:t> Lei de Moore: prevê que o número de transistores dobra a cada 2 anos </a:t>
+              <a:t> </a:t>
+            </a:r>
+            <a:r>
+              <a:rPr lang="pt-BR" sz="1800" dirty="0">
+                <a:latin typeface="Verdana" pitchFamily="34" charset="0"/>
+                <a:cs typeface="Times New Roman" pitchFamily="18" charset="0"/>
+                <a:sym typeface="Wingdings" pitchFamily="2" charset="2"/>
+              </a:rPr>
+              <a:t>Lei de Moore: prevê que o número de transistores dobra a cada 2 anos </a:t>
             </a:r>
             <a:r>
               <a:rPr lang="pt-BR" sz="1400" dirty="0">
-                <a:effectLst>
-                  <a:outerShdw blurRad="38100" dist="38100" dir="2700000" algn="tl">
-                    <a:srgbClr val="C0C0C0"/>
-                  </a:outerShdw>
-                </a:effectLst>
                 <a:latin typeface="Verdana" pitchFamily="34" charset="0"/>
                 <a:cs typeface="Times New Roman" pitchFamily="18" charset="0"/>
                 <a:sym typeface="Wingdings" pitchFamily="2" charset="2"/>
@@ -11419,11 +10316,6 @@
               <a:defRPr/>
             </a:pPr>
             <a:endParaRPr lang="pt-BR" sz="1800" dirty="0">
-              <a:effectLst>
-                <a:outerShdw blurRad="38100" dist="38100" dir="2700000" algn="tl">
-                  <a:srgbClr val="C0C0C0"/>
-                </a:outerShdw>
-              </a:effectLst>
               <a:latin typeface="Verdana" pitchFamily="34" charset="0"/>
               <a:cs typeface="Times New Roman" pitchFamily="18" charset="0"/>
               <a:sym typeface="Wingdings" pitchFamily="2" charset="2"/>
@@ -11437,11 +10329,6 @@
             </a:pPr>
             <a:r>
               <a:rPr lang="pt-BR" sz="1800" dirty="0">
-                <a:effectLst>
-                  <a:outerShdw blurRad="38100" dist="38100" dir="2700000" algn="tl">
-                    <a:srgbClr val="C0C0C0"/>
-                  </a:outerShdw>
-                </a:effectLst>
                 <a:latin typeface="Verdana" pitchFamily="34" charset="0"/>
                 <a:cs typeface="Times New Roman" pitchFamily="18" charset="0"/>
                 <a:sym typeface="Wingdings" pitchFamily="2" charset="2"/>
@@ -11487,11 +10374,6 @@
             </a:pPr>
             <a:r>
               <a:rPr lang="pt-BR" sz="1800" b="1" dirty="0">
-                <a:effectLst>
-                  <a:outerShdw blurRad="38100" dist="38100" dir="2700000" algn="tl">
-                    <a:srgbClr val="C0C0C0"/>
-                  </a:outerShdw>
-                </a:effectLst>
                 <a:latin typeface="Verdana" pitchFamily="34" charset="0"/>
               </a:rPr>
               <a:t>5. Computadores Eletrônicos (1945 - ?)</a:t>
@@ -11571,7 +10453,7 @@
 </p:sld>
 </file>
 
-<file path=ppt/slides/slide28.xml><?xml version="1.0" encoding="utf-8"?>
+<file path=ppt/slides/slide29.xml><?xml version="1.0" encoding="utf-8"?>
 <p:sld xmlns:a="http://schemas.openxmlformats.org/drawingml/2006/main" xmlns:r="http://schemas.openxmlformats.org/officeDocument/2006/relationships" xmlns:p="http://schemas.openxmlformats.org/presentationml/2006/main">
   <p:cSld>
     <p:spTree>
@@ -11611,7 +10493,7 @@
               <a:pPr>
                 <a:defRPr/>
               </a:pPr>
-              <a:t>24/04/2016</a:t>
+              <a:t>28/02/2018</a:t>
             </a:fld>
             <a:endParaRPr lang="pt-BR" dirty="0"/>
           </a:p>
@@ -11640,7 +10522,7 @@
               <a:pPr>
                 <a:defRPr/>
               </a:pPr>
-              <a:t>28</a:t>
+              <a:t>29</a:t>
             </a:fld>
             <a:endParaRPr lang="pt-BR"/>
           </a:p>
@@ -11693,15 +10575,18 @@
                 <a:cs typeface="Times New Roman" pitchFamily="18" charset="0"/>
                 <a:sym typeface="Wingdings" pitchFamily="2" charset="2"/>
               </a:rPr>
-              <a:t> Lei de Moore: prevê que o número de transistores dobra a cada 2 anos </a:t>
+              <a:t> </a:t>
+            </a:r>
+            <a:r>
+              <a:rPr lang="pt-BR" sz="1800" dirty="0">
+                <a:latin typeface="Verdana" pitchFamily="34" charset="0"/>
+                <a:cs typeface="Times New Roman" pitchFamily="18" charset="0"/>
+                <a:sym typeface="Wingdings" pitchFamily="2" charset="2"/>
+              </a:rPr>
+              <a:t>Lei de Moore: prevê que o número de transistores dobra a cada 2 anos </a:t>
             </a:r>
             <a:r>
               <a:rPr lang="pt-BR" sz="1400" dirty="0">
-                <a:effectLst>
-                  <a:outerShdw blurRad="38100" dist="38100" dir="2700000" algn="tl">
-                    <a:srgbClr val="C0C0C0"/>
-                  </a:outerShdw>
-                </a:effectLst>
                 <a:latin typeface="Verdana" pitchFamily="34" charset="0"/>
                 <a:cs typeface="Times New Roman" pitchFamily="18" charset="0"/>
                 <a:sym typeface="Wingdings" pitchFamily="2" charset="2"/>
@@ -11747,11 +10632,6 @@
             </a:pPr>
             <a:r>
               <a:rPr lang="pt-BR" sz="1800" b="1" dirty="0">
-                <a:effectLst>
-                  <a:outerShdw blurRad="38100" dist="38100" dir="2700000" algn="tl">
-                    <a:srgbClr val="C0C0C0"/>
-                  </a:outerShdw>
-                </a:effectLst>
                 <a:latin typeface="Verdana" pitchFamily="34" charset="0"/>
               </a:rPr>
               <a:t>5. Computadores Eletrônicos (1945 - ?)</a:t>
@@ -11818,6 +10698,132 @@
       </p:grpSpPr>
       <p:sp>
         <p:nvSpPr>
+          <p:cNvPr id="30723" name="Rectangle 3"/>
+          <p:cNvSpPr>
+            <a:spLocks noGrp="1" noChangeArrowheads="1"/>
+          </p:cNvSpPr>
+          <p:nvPr>
+            <p:ph type="body" idx="4294967295"/>
+          </p:nvPr>
+        </p:nvSpPr>
+        <p:spPr bwMode="auto">
+          <a:xfrm>
+            <a:off x="642938" y="1600200"/>
+            <a:ext cx="7786687" cy="4525963"/>
+          </a:xfrm>
+          <a:prstGeom prst="rect">
+            <a:avLst/>
+          </a:prstGeom>
+          <a:ln>
+            <a:miter lim="800000"/>
+            <a:headEnd/>
+            <a:tailEnd/>
+          </a:ln>
+        </p:spPr>
+        <p:txBody>
+          <a:bodyPr/>
+          <a:lstStyle/>
+          <a:p>
+            <a:pPr algn="ctr">
+              <a:buFontTx/>
+              <a:buNone/>
+              <a:defRPr/>
+            </a:pPr>
+            <a:endParaRPr lang="en-US" sz="2800" b="1" dirty="0">
+              <a:effectLst>
+                <a:outerShdw blurRad="38100" dist="38100" dir="2700000" algn="tl">
+                  <a:srgbClr val="C0C0C0"/>
+                </a:outerShdw>
+              </a:effectLst>
+              <a:latin typeface="Verdana" pitchFamily="34" charset="0"/>
+            </a:endParaRPr>
+          </a:p>
+          <a:p>
+            <a:pPr algn="ctr">
+              <a:buFontTx/>
+              <a:buNone/>
+              <a:defRPr/>
+            </a:pPr>
+            <a:endParaRPr lang="en-US" sz="2800" b="1" dirty="0">
+              <a:latin typeface="Verdana" pitchFamily="34" charset="0"/>
+            </a:endParaRPr>
+          </a:p>
+          <a:p>
+            <a:pPr algn="ctr">
+              <a:buFontTx/>
+              <a:buNone/>
+              <a:defRPr/>
+            </a:pPr>
+            <a:r>
+              <a:rPr lang="en-US" sz="2800" b="1" dirty="0" err="1">
+                <a:latin typeface="Verdana" pitchFamily="34" charset="0"/>
+              </a:rPr>
+              <a:t>Módulo</a:t>
+            </a:r>
+            <a:r>
+              <a:rPr lang="en-US" sz="2800" b="1" dirty="0">
+                <a:latin typeface="Verdana" pitchFamily="34" charset="0"/>
+              </a:rPr>
+              <a:t> 01</a:t>
+            </a:r>
+          </a:p>
+          <a:p>
+            <a:pPr algn="ctr">
+              <a:buFontTx/>
+              <a:buNone/>
+              <a:defRPr/>
+            </a:pPr>
+            <a:r>
+              <a:rPr lang="en-US" sz="2800" b="1" dirty="0">
+                <a:latin typeface="Verdana" pitchFamily="34" charset="0"/>
+              </a:rPr>
+              <a:t>O </a:t>
+            </a:r>
+            <a:r>
+              <a:rPr lang="en-US" sz="2800" b="1" dirty="0" err="1">
+                <a:latin typeface="Verdana" pitchFamily="34" charset="0"/>
+              </a:rPr>
+              <a:t>Histórico</a:t>
+            </a:r>
+            <a:r>
+              <a:rPr lang="en-US" sz="2800" b="1" dirty="0">
+                <a:latin typeface="Verdana" pitchFamily="34" charset="0"/>
+              </a:rPr>
+              <a:t> da Computação</a:t>
+            </a:r>
+            <a:endParaRPr lang="en-US" sz="2000" b="1" dirty="0">
+              <a:latin typeface="Verdana" pitchFamily="34" charset="0"/>
+            </a:endParaRPr>
+          </a:p>
+        </p:txBody>
+      </p:sp>
+    </p:spTree>
+  </p:cSld>
+  <p:clrMapOvr>
+    <a:masterClrMapping/>
+  </p:clrMapOvr>
+</p:sld>
+</file>
+
+<file path=ppt/slides/slide4.xml><?xml version="1.0" encoding="utf-8"?>
+<p:sld xmlns:a="http://schemas.openxmlformats.org/drawingml/2006/main" xmlns:r="http://schemas.openxmlformats.org/officeDocument/2006/relationships" xmlns:p="http://schemas.openxmlformats.org/presentationml/2006/main">
+  <p:cSld>
+    <p:spTree>
+      <p:nvGrpSpPr>
+        <p:cNvPr id="1" name=""/>
+        <p:cNvGrpSpPr/>
+        <p:nvPr/>
+      </p:nvGrpSpPr>
+      <p:grpSpPr>
+        <a:xfrm>
+          <a:off x="0" y="0"/>
+          <a:ext cx="0" cy="0"/>
+          <a:chOff x="0" y="0"/>
+          <a:chExt cx="0" cy="0"/>
+        </a:xfrm>
+      </p:grpSpPr>
+      <p:sp>
+        <p:nvSpPr>
           <p:cNvPr id="2" name="Date Placeholder 1"/>
           <p:cNvSpPr>
             <a:spLocks noGrp="1"/>
@@ -11839,7 +10845,7 @@
               <a:pPr>
                 <a:defRPr/>
               </a:pPr>
-              <a:t>24/04/2016</a:t>
+              <a:t>28/02/2018</a:t>
             </a:fld>
             <a:endParaRPr lang="pt-BR" dirty="0"/>
           </a:p>
@@ -11868,7 +10874,7 @@
               <a:pPr>
                 <a:defRPr/>
               </a:pPr>
-              <a:t>3</a:t>
+              <a:t>4</a:t>
             </a:fld>
             <a:endParaRPr lang="pt-BR"/>
           </a:p>
@@ -11920,7 +10926,14 @@
                 <a:latin typeface="Verdana" pitchFamily="34" charset="0"/>
                 <a:cs typeface="Times New Roman" pitchFamily="18" charset="0"/>
               </a:rPr>
-              <a:t> O primeiro grande passo do homem rumo à Ciência e à tecnologia talvez tenha sido a concepção da idéia de número.</a:t>
+              <a:t> </a:t>
+            </a:r>
+            <a:r>
+              <a:rPr lang="pt-BR" sz="1800" dirty="0">
+                <a:latin typeface="Verdana" pitchFamily="34" charset="0"/>
+                <a:cs typeface="Times New Roman" pitchFamily="18" charset="0"/>
+              </a:rPr>
+              <a:t>O primeiro grande passo do homem rumo à Ciência e à tecnologia talvez tenha sido a concepção da idéia de número.</a:t>
             </a:r>
           </a:p>
           <a:p>
@@ -11928,11 +10941,6 @@
               <a:defRPr/>
             </a:pPr>
             <a:endParaRPr lang="pt-BR" sz="1800" dirty="0">
-              <a:effectLst>
-                <a:outerShdw blurRad="38100" dist="38100" dir="2700000" algn="tl">
-                  <a:srgbClr val="C0C0C0"/>
-                </a:outerShdw>
-              </a:effectLst>
               <a:latin typeface="Verdana" pitchFamily="34" charset="0"/>
               <a:cs typeface="Times New Roman" pitchFamily="18" charset="0"/>
             </a:endParaRPr>
@@ -11945,11 +10953,6 @@
             </a:pPr>
             <a:r>
               <a:rPr lang="pt-BR" sz="1800" dirty="0">
-                <a:effectLst>
-                  <a:outerShdw blurRad="38100" dist="38100" dir="2700000" algn="tl">
-                    <a:srgbClr val="C0C0C0"/>
-                  </a:outerShdw>
-                </a:effectLst>
                 <a:latin typeface="Verdana" pitchFamily="34" charset="0"/>
                 <a:cs typeface="Times New Roman" pitchFamily="18" charset="0"/>
               </a:rPr>
@@ -11963,11 +10966,6 @@
               <a:defRPr/>
             </a:pPr>
             <a:endParaRPr lang="pt-BR" sz="1800" dirty="0">
-              <a:effectLst>
-                <a:outerShdw blurRad="38100" dist="38100" dir="2700000" algn="tl">
-                  <a:srgbClr val="C0C0C0"/>
-                </a:outerShdw>
-              </a:effectLst>
               <a:latin typeface="Verdana" pitchFamily="34" charset="0"/>
               <a:cs typeface="Times New Roman" pitchFamily="18" charset="0"/>
             </a:endParaRPr>
@@ -11979,11 +10977,6 @@
               <a:defRPr/>
             </a:pPr>
             <a:endParaRPr lang="pt-BR" sz="1800" dirty="0">
-              <a:effectLst>
-                <a:outerShdw blurRad="38100" dist="38100" dir="2700000" algn="tl">
-                  <a:srgbClr val="C0C0C0"/>
-                </a:outerShdw>
-              </a:effectLst>
               <a:latin typeface="Verdana" pitchFamily="34" charset="0"/>
               <a:cs typeface="Times New Roman" pitchFamily="18" charset="0"/>
             </a:endParaRPr>
@@ -11995,11 +10988,6 @@
               <a:defRPr/>
             </a:pPr>
             <a:endParaRPr lang="pt-BR" sz="1800" dirty="0">
-              <a:effectLst>
-                <a:outerShdw blurRad="38100" dist="38100" dir="2700000" algn="tl">
-                  <a:srgbClr val="C0C0C0"/>
-                </a:outerShdw>
-              </a:effectLst>
               <a:latin typeface="Verdana" pitchFamily="34" charset="0"/>
               <a:cs typeface="Times New Roman" pitchFamily="18" charset="0"/>
             </a:endParaRPr>
@@ -12011,11 +10999,6 @@
               <a:defRPr/>
             </a:pPr>
             <a:endParaRPr lang="pt-BR" sz="1800" dirty="0">
-              <a:effectLst>
-                <a:outerShdw blurRad="38100" dist="38100" dir="2700000" algn="tl">
-                  <a:srgbClr val="C0C0C0"/>
-                </a:outerShdw>
-              </a:effectLst>
               <a:latin typeface="Verdana" pitchFamily="34" charset="0"/>
               <a:cs typeface="Times New Roman" pitchFamily="18" charset="0"/>
             </a:endParaRPr>
@@ -12027,11 +11010,6 @@
               <a:defRPr/>
             </a:pPr>
             <a:endParaRPr lang="pt-BR" sz="1800" dirty="0">
-              <a:effectLst>
-                <a:outerShdw blurRad="38100" dist="38100" dir="2700000" algn="tl">
-                  <a:srgbClr val="C0C0C0"/>
-                </a:outerShdw>
-              </a:effectLst>
               <a:latin typeface="Verdana" pitchFamily="34" charset="0"/>
               <a:cs typeface="Times New Roman" pitchFamily="18" charset="0"/>
             </a:endParaRPr>
@@ -12043,11 +11021,6 @@
               <a:defRPr/>
             </a:pPr>
             <a:endParaRPr lang="pt-BR" sz="1800" dirty="0">
-              <a:effectLst>
-                <a:outerShdw blurRad="38100" dist="38100" dir="2700000" algn="tl">
-                  <a:srgbClr val="C0C0C0"/>
-                </a:outerShdw>
-              </a:effectLst>
               <a:latin typeface="Verdana" pitchFamily="34" charset="0"/>
               <a:cs typeface="Times New Roman" pitchFamily="18" charset="0"/>
             </a:endParaRPr>
@@ -12059,11 +11032,6 @@
               <a:defRPr/>
             </a:pPr>
             <a:endParaRPr lang="pt-BR" sz="1800" dirty="0">
-              <a:effectLst>
-                <a:outerShdw blurRad="38100" dist="38100" dir="2700000" algn="tl">
-                  <a:srgbClr val="C0C0C0"/>
-                </a:outerShdw>
-              </a:effectLst>
               <a:latin typeface="Verdana" pitchFamily="34" charset="0"/>
               <a:cs typeface="Times New Roman" pitchFamily="18" charset="0"/>
             </a:endParaRPr>
@@ -12075,11 +11043,6 @@
               <a:defRPr/>
             </a:pPr>
             <a:endParaRPr lang="pt-BR" sz="1800" dirty="0">
-              <a:effectLst>
-                <a:outerShdw blurRad="38100" dist="38100" dir="2700000" algn="tl">
-                  <a:srgbClr val="C0C0C0"/>
-                </a:outerShdw>
-              </a:effectLst>
               <a:latin typeface="Verdana" pitchFamily="34" charset="0"/>
               <a:cs typeface="Times New Roman" pitchFamily="18" charset="0"/>
             </a:endParaRPr>
@@ -12091,11 +11054,6 @@
               <a:defRPr/>
             </a:pPr>
             <a:endParaRPr lang="pt-BR" sz="1800" dirty="0">
-              <a:effectLst>
-                <a:outerShdw blurRad="38100" dist="38100" dir="2700000" algn="tl">
-                  <a:srgbClr val="C0C0C0"/>
-                </a:outerShdw>
-              </a:effectLst>
               <a:latin typeface="Verdana" pitchFamily="34" charset="0"/>
               <a:cs typeface="Times New Roman" pitchFamily="18" charset="0"/>
             </a:endParaRPr>
@@ -12107,11 +11065,6 @@
               <a:defRPr/>
             </a:pPr>
             <a:endParaRPr lang="pt-BR" sz="1800" dirty="0">
-              <a:effectLst>
-                <a:outerShdw blurRad="38100" dist="38100" dir="2700000" algn="tl">
-                  <a:srgbClr val="C0C0C0"/>
-                </a:outerShdw>
-              </a:effectLst>
               <a:latin typeface="Verdana" pitchFamily="34" charset="0"/>
               <a:cs typeface="Times New Roman" pitchFamily="18" charset="0"/>
             </a:endParaRPr>
@@ -12124,11 +11077,6 @@
             </a:pPr>
             <a:r>
               <a:rPr lang="pt-BR" sz="1800" dirty="0">
-                <a:effectLst>
-                  <a:outerShdw blurRad="38100" dist="38100" dir="2700000" algn="tl">
-                    <a:srgbClr val="C0C0C0"/>
-                  </a:outerShdw>
-                </a:effectLst>
                 <a:latin typeface="Verdana" pitchFamily="34" charset="0"/>
                 <a:cs typeface="Times New Roman" pitchFamily="18" charset="0"/>
               </a:rPr>
@@ -12173,11 +11121,6 @@
             </a:pPr>
             <a:r>
               <a:rPr lang="pt-BR" sz="1800" b="1" dirty="0">
-                <a:effectLst>
-                  <a:outerShdw blurRad="38100" dist="38100" dir="2700000" algn="tl">
-                    <a:srgbClr val="C0C0C0"/>
-                  </a:outerShdw>
-                </a:effectLst>
                 <a:latin typeface="Verdana" pitchFamily="34" charset="0"/>
               </a:rPr>
               <a:t>1. Conceito de Número</a:t>
@@ -12225,7 +11168,7 @@
 </p:sld>
 </file>
 
-<file path=ppt/slides/slide4.xml><?xml version="1.0" encoding="utf-8"?>
+<file path=ppt/slides/slide5.xml><?xml version="1.0" encoding="utf-8"?>
 <p:sld xmlns:a="http://schemas.openxmlformats.org/drawingml/2006/main" xmlns:r="http://schemas.openxmlformats.org/officeDocument/2006/relationships" xmlns:p="http://schemas.openxmlformats.org/presentationml/2006/main">
   <p:cSld>
     <p:spTree>
@@ -12265,7 +11208,7 @@
               <a:pPr>
                 <a:defRPr/>
               </a:pPr>
-              <a:t>24/04/2016</a:t>
+              <a:t>28/02/2018</a:t>
             </a:fld>
             <a:endParaRPr lang="pt-BR" dirty="0"/>
           </a:p>
@@ -12294,7 +11237,7 @@
               <a:pPr>
                 <a:defRPr/>
               </a:pPr>
-              <a:t>4</a:t>
+              <a:t>5</a:t>
             </a:fld>
             <a:endParaRPr lang="pt-BR"/>
           </a:p>
@@ -12346,7 +11289,14 @@
                 <a:latin typeface="Verdana" pitchFamily="34" charset="0"/>
                 <a:cs typeface="Times New Roman" pitchFamily="18" charset="0"/>
               </a:rPr>
-              <a:t> É quase certo que o primeiro instrumento de cálculo que o homem utilizou foram seus próprios dedos.</a:t>
+              <a:t> </a:t>
+            </a:r>
+            <a:r>
+              <a:rPr lang="pt-BR" sz="1800" dirty="0">
+                <a:latin typeface="Verdana" pitchFamily="34" charset="0"/>
+                <a:cs typeface="Times New Roman" pitchFamily="18" charset="0"/>
+              </a:rPr>
+              <a:t>É quase certo que o primeiro instrumento de cálculo que o homem utilizou foram seus próprios dedos.</a:t>
             </a:r>
           </a:p>
         </p:txBody>
@@ -12387,11 +11337,6 @@
             </a:pPr>
             <a:r>
               <a:rPr lang="pt-BR" sz="1800" b="1" dirty="0">
-                <a:effectLst>
-                  <a:outerShdw blurRad="38100" dist="38100" dir="2700000" algn="tl">
-                    <a:srgbClr val="C0C0C0"/>
-                  </a:outerShdw>
-                </a:effectLst>
                 <a:latin typeface="Verdana" pitchFamily="34" charset="0"/>
               </a:rPr>
               <a:t>2. Primeiros Métodos de Cálculo</a:t>
@@ -12452,7 +11397,7 @@
 </p:sld>
 </file>
 
-<file path=ppt/slides/slide5.xml><?xml version="1.0" encoding="utf-8"?>
+<file path=ppt/slides/slide6.xml><?xml version="1.0" encoding="utf-8"?>
 <p:sld xmlns:a="http://schemas.openxmlformats.org/drawingml/2006/main" xmlns:r="http://schemas.openxmlformats.org/officeDocument/2006/relationships" xmlns:p="http://schemas.openxmlformats.org/presentationml/2006/main">
   <p:cSld>
     <p:spTree>
@@ -12492,7 +11437,7 @@
               <a:pPr>
                 <a:defRPr/>
               </a:pPr>
-              <a:t>24/04/2016</a:t>
+              <a:t>28/02/2018</a:t>
             </a:fld>
             <a:endParaRPr lang="pt-BR" dirty="0"/>
           </a:p>
@@ -12521,7 +11466,7 @@
               <a:pPr>
                 <a:defRPr/>
               </a:pPr>
-              <a:t>5</a:t>
+              <a:t>6</a:t>
             </a:fld>
             <a:endParaRPr lang="pt-BR"/>
           </a:p>
@@ -12565,11 +11510,6 @@
             </a:pPr>
             <a:r>
               <a:rPr lang="pt-BR" sz="1800" dirty="0">
-                <a:effectLst>
-                  <a:outerShdw blurRad="38100" dist="38100" dir="2700000" algn="tl">
-                    <a:srgbClr val="C0C0C0"/>
-                  </a:outerShdw>
-                </a:effectLst>
                 <a:latin typeface="Verdana" pitchFamily="34" charset="0"/>
                 <a:cs typeface="Times New Roman" pitchFamily="18" charset="0"/>
               </a:rPr>
@@ -12614,11 +11554,6 @@
             </a:pPr>
             <a:r>
               <a:rPr lang="pt-BR" sz="1800" b="1" dirty="0">
-                <a:effectLst>
-                  <a:outerShdw blurRad="38100" dist="38100" dir="2700000" algn="tl">
-                    <a:srgbClr val="C0C0C0"/>
-                  </a:outerShdw>
-                </a:effectLst>
                 <a:latin typeface="Verdana" pitchFamily="34" charset="0"/>
               </a:rPr>
               <a:t>3. Dispositivos Mecânicos (500 a.C. – 1880)</a:t>
@@ -12679,7 +11614,7 @@
 </p:sld>
 </file>
 
-<file path=ppt/slides/slide6.xml><?xml version="1.0" encoding="utf-8"?>
+<file path=ppt/slides/slide7.xml><?xml version="1.0" encoding="utf-8"?>
 <p:sld xmlns:a="http://schemas.openxmlformats.org/drawingml/2006/main" xmlns:r="http://schemas.openxmlformats.org/officeDocument/2006/relationships" xmlns:p="http://schemas.openxmlformats.org/presentationml/2006/main">
   <p:cSld>
     <p:spTree>
@@ -12719,7 +11654,7 @@
               <a:pPr>
                 <a:defRPr/>
               </a:pPr>
-              <a:t>24/04/2016</a:t>
+              <a:t>28/02/2018</a:t>
             </a:fld>
             <a:endParaRPr lang="pt-BR" dirty="0"/>
           </a:p>
@@ -12748,7 +11683,7 @@
               <a:pPr>
                 <a:defRPr/>
               </a:pPr>
-              <a:t>6</a:t>
+              <a:t>7</a:t>
             </a:fld>
             <a:endParaRPr lang="pt-BR"/>
           </a:p>
@@ -12804,11 +11739,6 @@
             </a:r>
             <a:r>
               <a:rPr lang="pt-BR" sz="1800" b="1" dirty="0">
-                <a:effectLst>
-                  <a:outerShdw blurRad="38100" dist="38100" dir="2700000" algn="tl">
-                    <a:srgbClr val="C0C0C0"/>
-                  </a:outerShdw>
-                </a:effectLst>
                 <a:latin typeface="Verdana" pitchFamily="34" charset="0"/>
                 <a:cs typeface="Times New Roman" pitchFamily="18" charset="0"/>
               </a:rPr>
@@ -12816,11 +11746,6 @@
             </a:r>
             <a:r>
               <a:rPr lang="pt-BR" sz="1800" b="1" dirty="0" err="1">
-                <a:effectLst>
-                  <a:outerShdw blurRad="38100" dist="38100" dir="2700000" algn="tl">
-                    <a:srgbClr val="C0C0C0"/>
-                  </a:outerShdw>
-                </a:effectLst>
                 <a:latin typeface="Verdana" pitchFamily="34" charset="0"/>
                 <a:cs typeface="Times New Roman" pitchFamily="18" charset="0"/>
               </a:rPr>
@@ -12828,109 +11753,46 @@
             </a:r>
             <a:r>
               <a:rPr lang="pt-BR" sz="1800" b="1" dirty="0">
-                <a:effectLst>
-                  <a:outerShdw blurRad="38100" dist="38100" dir="2700000" algn="tl">
-                    <a:srgbClr val="C0C0C0"/>
-                  </a:outerShdw>
-                </a:effectLst>
                 <a:latin typeface="Verdana" pitchFamily="34" charset="0"/>
                 <a:cs typeface="Times New Roman" pitchFamily="18" charset="0"/>
               </a:rPr>
               <a:t> </a:t>
             </a:r>
             <a:r>
-              <a:rPr lang="pt-BR" sz="1800" dirty="0" smtClean="0">
-                <a:effectLst>
-                  <a:outerShdw blurRad="38100" dist="38100" dir="2700000" algn="tl">
-                    <a:srgbClr val="C0C0C0"/>
-                  </a:outerShdw>
-                </a:effectLst>
+              <a:rPr lang="pt-BR" sz="1800" dirty="0">
                 <a:latin typeface="Verdana" pitchFamily="34" charset="0"/>
                 <a:cs typeface="Times New Roman" pitchFamily="18" charset="0"/>
               </a:rPr>
               <a:t>(1575-1660)</a:t>
             </a:r>
             <a:r>
-              <a:rPr lang="pt-BR" sz="1800" b="1" dirty="0" smtClean="0">
-                <a:effectLst>
-                  <a:outerShdw blurRad="38100" dist="38100" dir="2700000" algn="tl">
-                    <a:srgbClr val="C0C0C0"/>
-                  </a:outerShdw>
-                </a:effectLst>
+              <a:rPr lang="pt-BR" sz="1800" b="1" dirty="0">
                 <a:latin typeface="Verdana" pitchFamily="34" charset="0"/>
                 <a:cs typeface="Times New Roman" pitchFamily="18" charset="0"/>
               </a:rPr>
               <a:t> </a:t>
             </a:r>
             <a:r>
-              <a:rPr lang="pt-BR" sz="1800" dirty="0" smtClean="0">
-                <a:effectLst>
-                  <a:outerShdw blurRad="38100" dist="38100" dir="2700000" algn="tl">
-                    <a:srgbClr val="C0C0C0"/>
-                  </a:outerShdw>
-                </a:effectLst>
+              <a:rPr lang="pt-BR" sz="1800" dirty="0">
                 <a:latin typeface="Verdana" pitchFamily="34" charset="0"/>
                 <a:cs typeface="Times New Roman" pitchFamily="18" charset="0"/>
               </a:rPr>
               <a:t>e a</a:t>
             </a:r>
             <a:r>
-              <a:rPr lang="pt-BR" sz="1800" b="1" dirty="0" smtClean="0">
-                <a:effectLst>
-                  <a:outerShdw blurRad="38100" dist="38100" dir="2700000" algn="tl">
-                    <a:srgbClr val="C0C0C0"/>
-                  </a:outerShdw>
-                </a:effectLst>
+              <a:rPr lang="pt-BR" sz="1800" b="1" dirty="0">
                 <a:latin typeface="Verdana" pitchFamily="34" charset="0"/>
                 <a:cs typeface="Times New Roman" pitchFamily="18" charset="0"/>
               </a:rPr>
               <a:t> </a:t>
             </a:r>
             <a:r>
-              <a:rPr lang="pt-BR" sz="1800" dirty="0" smtClean="0">
-                <a:effectLst>
-                  <a:outerShdw blurRad="38100" dist="38100" dir="2700000" algn="tl">
-                    <a:srgbClr val="C0C0C0"/>
-                  </a:outerShdw>
-                </a:effectLst>
-                <a:latin typeface="Verdana" pitchFamily="34" charset="0"/>
-                <a:cs typeface="Times New Roman" pitchFamily="18" charset="0"/>
-              </a:rPr>
-              <a:t>Régua </a:t>
-            </a:r>
-            <a:r>
               <a:rPr lang="pt-BR" sz="1800" dirty="0">
-                <a:effectLst>
-                  <a:outerShdw blurRad="38100" dist="38100" dir="2700000" algn="tl">
-                    <a:srgbClr val="C0C0C0"/>
-                  </a:outerShdw>
-                </a:effectLst>
-                <a:latin typeface="Verdana" pitchFamily="34" charset="0"/>
-                <a:cs typeface="Times New Roman" pitchFamily="18" charset="0"/>
-              </a:rPr>
-              <a:t>de </a:t>
-            </a:r>
-            <a:r>
-              <a:rPr lang="pt-BR" sz="1800" dirty="0" smtClean="0">
-                <a:effectLst>
-                  <a:outerShdw blurRad="38100" dist="38100" dir="2700000" algn="tl">
-                    <a:srgbClr val="C0C0C0"/>
-                  </a:outerShdw>
-                </a:effectLst>
-                <a:latin typeface="Verdana" pitchFamily="34" charset="0"/>
-                <a:cs typeface="Times New Roman" pitchFamily="18" charset="0"/>
-              </a:rPr>
-              <a:t>Cálculo:</a:t>
-            </a:r>
-            <a:endParaRPr lang="pt-BR" sz="1800" dirty="0">
-              <a:effectLst>
-                <a:outerShdw blurRad="38100" dist="38100" dir="2700000" algn="tl">
-                  <a:srgbClr val="C0C0C0"/>
-                </a:outerShdw>
-              </a:effectLst>
-              <a:latin typeface="Verdana" pitchFamily="34" charset="0"/>
-              <a:cs typeface="Times New Roman" pitchFamily="18" charset="0"/>
-            </a:endParaRPr>
+                <a:latin typeface="Verdana" pitchFamily="34" charset="0"/>
+                <a:cs typeface="Times New Roman" pitchFamily="18" charset="0"/>
+              </a:rPr>
+              <a:t>Régua de Cálculo:</a:t>
+            </a:r>
           </a:p>
         </p:txBody>
       </p:sp>
@@ -12970,11 +11832,6 @@
             </a:pPr>
             <a:r>
               <a:rPr lang="pt-BR" sz="1800" b="1" dirty="0">
-                <a:effectLst>
-                  <a:outerShdw blurRad="38100" dist="38100" dir="2700000" algn="tl">
-                    <a:srgbClr val="C0C0C0"/>
-                  </a:outerShdw>
-                </a:effectLst>
                 <a:latin typeface="Verdana" pitchFamily="34" charset="0"/>
               </a:rPr>
               <a:t>3. Dispositivos Mecânicos (500 a.C. – 1880)</a:t>
@@ -13067,7 +11924,7 @@
 </p:sld>
 </file>
 
-<file path=ppt/slides/slide7.xml><?xml version="1.0" encoding="utf-8"?>
+<file path=ppt/slides/slide8.xml><?xml version="1.0" encoding="utf-8"?>
 <p:sld xmlns:a="http://schemas.openxmlformats.org/drawingml/2006/main" xmlns:r="http://schemas.openxmlformats.org/officeDocument/2006/relationships" xmlns:p="http://schemas.openxmlformats.org/presentationml/2006/main">
   <p:cSld>
     <p:spTree>
@@ -13107,7 +11964,7 @@
               <a:pPr>
                 <a:defRPr/>
               </a:pPr>
-              <a:t>24/04/2016</a:t>
+              <a:t>28/02/2018</a:t>
             </a:fld>
             <a:endParaRPr lang="pt-BR" dirty="0"/>
           </a:p>
@@ -13136,7 +11993,7 @@
               <a:pPr>
                 <a:defRPr/>
               </a:pPr>
-              <a:t>7</a:t>
+              <a:t>8</a:t>
             </a:fld>
             <a:endParaRPr lang="pt-BR"/>
           </a:p>
@@ -13188,7 +12045,14 @@
                 <a:latin typeface="Verdana" pitchFamily="34" charset="0"/>
                 <a:cs typeface="Times New Roman" pitchFamily="18" charset="0"/>
               </a:rPr>
-              <a:t> Bastões (ou ossos) de Napier:</a:t>
+              <a:t> </a:t>
+            </a:r>
+            <a:r>
+              <a:rPr lang="pt-BR" sz="1800" dirty="0">
+                <a:latin typeface="Verdana" pitchFamily="34" charset="0"/>
+                <a:cs typeface="Times New Roman" pitchFamily="18" charset="0"/>
+              </a:rPr>
+              <a:t>Bastões (ou ossos) de Napier:</a:t>
             </a:r>
           </a:p>
         </p:txBody>
@@ -13204,7 +12068,7 @@
         <p:spPr bwMode="auto">
           <a:xfrm>
             <a:off x="685800" y="842963"/>
-            <a:ext cx="7772400" cy="923925"/>
+            <a:ext cx="7772400" cy="369332"/>
           </a:xfrm>
           <a:prstGeom prst="rect">
             <a:avLst/>
@@ -13229,41 +12093,10 @@
             </a:pPr>
             <a:r>
               <a:rPr lang="pt-BR" sz="1800" b="1" dirty="0">
-                <a:effectLst>
-                  <a:outerShdw blurRad="38100" dist="38100" dir="2700000" algn="tl">
-                    <a:srgbClr val="C0C0C0"/>
-                  </a:outerShdw>
-                </a:effectLst>
                 <a:latin typeface="Verdana" pitchFamily="34" charset="0"/>
               </a:rPr>
               <a:t>3. Dispositivos Mecânicos (500 a.C. – 1880)</a:t>
             </a:r>
-          </a:p>
-          <a:p>
-            <a:pPr algn="ctr">
-              <a:defRPr/>
-            </a:pPr>
-            <a:endParaRPr lang="pt-BR" sz="1800" b="1" dirty="0">
-              <a:effectLst>
-                <a:outerShdw blurRad="38100" dist="38100" dir="2700000" algn="tl">
-                  <a:srgbClr val="C0C0C0"/>
-                </a:outerShdw>
-              </a:effectLst>
-              <a:latin typeface="Verdana" pitchFamily="34" charset="0"/>
-            </a:endParaRPr>
-          </a:p>
-          <a:p>
-            <a:pPr algn="ctr">
-              <a:defRPr/>
-            </a:pPr>
-            <a:endParaRPr lang="pt-BR" sz="1800" b="1" dirty="0">
-              <a:effectLst>
-                <a:outerShdw blurRad="38100" dist="38100" dir="2700000" algn="tl">
-                  <a:srgbClr val="C0C0C0"/>
-                </a:outerShdw>
-              </a:effectLst>
-              <a:latin typeface="Verdana" pitchFamily="34" charset="0"/>
-            </a:endParaRPr>
           </a:p>
         </p:txBody>
       </p:sp>
@@ -13339,7 +12172,7 @@
 </p:sld>
 </file>
 
-<file path=ppt/slides/slide8.xml><?xml version="1.0" encoding="utf-8"?>
+<file path=ppt/slides/slide9.xml><?xml version="1.0" encoding="utf-8"?>
 <p:sld xmlns:a="http://schemas.openxmlformats.org/drawingml/2006/main" xmlns:r="http://schemas.openxmlformats.org/officeDocument/2006/relationships" xmlns:p="http://schemas.openxmlformats.org/presentationml/2006/main">
   <p:cSld>
     <p:spTree>
@@ -13379,7 +12212,7 @@
               <a:pPr>
                 <a:defRPr/>
               </a:pPr>
-              <a:t>24/04/2016</a:t>
+              <a:t>28/02/2018</a:t>
             </a:fld>
             <a:endParaRPr lang="pt-BR" dirty="0"/>
           </a:p>
@@ -13408,7 +12241,7 @@
               <a:pPr>
                 <a:defRPr/>
               </a:pPr>
-              <a:t>8</a:t>
+              <a:t>9</a:t>
             </a:fld>
             <a:endParaRPr lang="pt-BR"/>
           </a:p>
@@ -13464,11 +12297,6 @@
             </a:r>
             <a:r>
               <a:rPr lang="pt-BR" sz="1800" b="1" dirty="0" err="1">
-                <a:effectLst>
-                  <a:outerShdw blurRad="38100" dist="38100" dir="2700000" algn="tl">
-                    <a:srgbClr val="C0C0C0"/>
-                  </a:outerShdw>
-                </a:effectLst>
                 <a:latin typeface="Verdana" pitchFamily="34" charset="0"/>
                 <a:cs typeface="Times New Roman" pitchFamily="18" charset="0"/>
               </a:rPr>
@@ -13476,35 +12304,20 @@
             </a:r>
             <a:r>
               <a:rPr lang="pt-BR" sz="1800" b="1" dirty="0">
-                <a:effectLst>
-                  <a:outerShdw blurRad="38100" dist="38100" dir="2700000" algn="tl">
-                    <a:srgbClr val="C0C0C0"/>
-                  </a:outerShdw>
-                </a:effectLst>
                 <a:latin typeface="Verdana" pitchFamily="34" charset="0"/>
                 <a:cs typeface="Times New Roman" pitchFamily="18" charset="0"/>
               </a:rPr>
               <a:t> Pascal </a:t>
             </a:r>
             <a:r>
-              <a:rPr lang="pt-BR" sz="1800" dirty="0" smtClean="0">
-                <a:effectLst>
-                  <a:outerShdw blurRad="38100" dist="38100" dir="2700000" algn="tl">
-                    <a:srgbClr val="C0C0C0"/>
-                  </a:outerShdw>
-                </a:effectLst>
+              <a:rPr lang="pt-BR" sz="1800" dirty="0">
                 <a:latin typeface="Verdana" pitchFamily="34" charset="0"/>
                 <a:cs typeface="Times New Roman" pitchFamily="18" charset="0"/>
               </a:rPr>
               <a:t>(1623 - 1662) e a </a:t>
             </a:r>
             <a:r>
-              <a:rPr lang="pt-BR" sz="1800" dirty="0" err="1" smtClean="0">
-                <a:effectLst>
-                  <a:outerShdw blurRad="38100" dist="38100" dir="2700000" algn="tl">
-                    <a:srgbClr val="C0C0C0"/>
-                  </a:outerShdw>
-                </a:effectLst>
+              <a:rPr lang="pt-BR" sz="1800" dirty="0" err="1">
                 <a:latin typeface="Verdana" pitchFamily="34" charset="0"/>
                 <a:cs typeface="Times New Roman" pitchFamily="18" charset="0"/>
               </a:rPr>
@@ -13512,25 +12325,11 @@
             </a:r>
             <a:r>
               <a:rPr lang="pt-BR" sz="1800" dirty="0">
-                <a:effectLst>
-                  <a:outerShdw blurRad="38100" dist="38100" dir="2700000" algn="tl">
-                    <a:srgbClr val="C0C0C0"/>
-                  </a:outerShdw>
-                </a:effectLst>
                 <a:latin typeface="Verdana" pitchFamily="34" charset="0"/>
                 <a:cs typeface="Times New Roman" pitchFamily="18" charset="0"/>
               </a:rPr>
               <a:t>:</a:t>
             </a:r>
-            <a:endParaRPr lang="pt-BR" sz="1800" dirty="0">
-              <a:effectLst>
-                <a:outerShdw blurRad="38100" dist="38100" dir="2700000" algn="tl">
-                  <a:srgbClr val="C0C0C0"/>
-                </a:outerShdw>
-              </a:effectLst>
-              <a:latin typeface="Verdana" pitchFamily="34" charset="0"/>
-              <a:cs typeface="Times New Roman" pitchFamily="18" charset="0"/>
-            </a:endParaRPr>
           </a:p>
         </p:txBody>
       </p:sp>
@@ -13545,7 +12344,7 @@
         <p:spPr bwMode="auto">
           <a:xfrm>
             <a:off x="685800" y="842963"/>
-            <a:ext cx="7772400" cy="646112"/>
+            <a:ext cx="7772400" cy="369332"/>
           </a:xfrm>
           <a:prstGeom prst="rect">
             <a:avLst/>
@@ -13570,28 +12369,10 @@
             </a:pPr>
             <a:r>
               <a:rPr lang="pt-BR" sz="1800" b="1" dirty="0">
-                <a:effectLst>
-                  <a:outerShdw blurRad="38100" dist="38100" dir="2700000" algn="tl">
-                    <a:srgbClr val="C0C0C0"/>
-                  </a:outerShdw>
-                </a:effectLst>
                 <a:latin typeface="Verdana" pitchFamily="34" charset="0"/>
               </a:rPr>
               <a:t>3. Dispositivos Mecânicos (500 a.C. – 1880)</a:t>
             </a:r>
-          </a:p>
-          <a:p>
-            <a:pPr algn="ctr">
-              <a:defRPr/>
-            </a:pPr>
-            <a:endParaRPr lang="pt-BR" sz="1800" b="1" dirty="0">
-              <a:effectLst>
-                <a:outerShdw blurRad="38100" dist="38100" dir="2700000" algn="tl">
-                  <a:srgbClr val="C0C0C0"/>
-                </a:outerShdw>
-              </a:effectLst>
-              <a:latin typeface="Verdana" pitchFamily="34" charset="0"/>
-            </a:endParaRPr>
           </a:p>
         </p:txBody>
       </p:sp>
@@ -13646,334 +12427,6 @@
           <a:xfrm>
             <a:off x="4143375" y="2944912"/>
             <a:ext cx="4214813" cy="1622425"/>
-          </a:xfrm>
-          <a:prstGeom prst="rect">
-            <a:avLst/>
-          </a:prstGeom>
-          <a:noFill/>
-          <a:ln w="9525">
-            <a:noFill/>
-            <a:miter lim="800000"/>
-            <a:headEnd/>
-            <a:tailEnd/>
-          </a:ln>
-        </p:spPr>
-      </p:pic>
-    </p:spTree>
-  </p:cSld>
-  <p:clrMapOvr>
-    <a:masterClrMapping/>
-  </p:clrMapOvr>
-</p:sld>
-</file>
-
-<file path=ppt/slides/slide9.xml><?xml version="1.0" encoding="utf-8"?>
-<p:sld xmlns:a="http://schemas.openxmlformats.org/drawingml/2006/main" xmlns:r="http://schemas.openxmlformats.org/officeDocument/2006/relationships" xmlns:p="http://schemas.openxmlformats.org/presentationml/2006/main">
-  <p:cSld>
-    <p:spTree>
-      <p:nvGrpSpPr>
-        <p:cNvPr id="1" name=""/>
-        <p:cNvGrpSpPr/>
-        <p:nvPr/>
-      </p:nvGrpSpPr>
-      <p:grpSpPr>
-        <a:xfrm>
-          <a:off x="0" y="0"/>
-          <a:ext cx="0" cy="0"/>
-          <a:chOff x="0" y="0"/>
-          <a:chExt cx="0" cy="0"/>
-        </a:xfrm>
-      </p:grpSpPr>
-      <p:sp>
-        <p:nvSpPr>
-          <p:cNvPr id="2" name="Date Placeholder 1"/>
-          <p:cNvSpPr>
-            <a:spLocks noGrp="1"/>
-          </p:cNvSpPr>
-          <p:nvPr>
-            <p:ph type="dt" sz="quarter" idx="10"/>
-          </p:nvPr>
-        </p:nvSpPr>
-        <p:spPr/>
-        <p:txBody>
-          <a:bodyPr/>
-          <a:lstStyle/>
-          <a:p>
-            <a:pPr>
-              <a:defRPr/>
-            </a:pPr>
-            <a:fld id="{BD0E1E77-F1BA-4DA4-8402-702C27B98F33}" type="datetime1">
-              <a:rPr lang="pt-BR" smtClean="0"/>
-              <a:pPr>
-                <a:defRPr/>
-              </a:pPr>
-              <a:t>24/04/2016</a:t>
-            </a:fld>
-            <a:endParaRPr lang="pt-BR" dirty="0"/>
-          </a:p>
-        </p:txBody>
-      </p:sp>
-      <p:sp>
-        <p:nvSpPr>
-          <p:cNvPr id="3" name="Slide Number Placeholder 2"/>
-          <p:cNvSpPr>
-            <a:spLocks noGrp="1"/>
-          </p:cNvSpPr>
-          <p:nvPr>
-            <p:ph type="sldNum" sz="quarter" idx="12"/>
-          </p:nvPr>
-        </p:nvSpPr>
-        <p:spPr/>
-        <p:txBody>
-          <a:bodyPr/>
-          <a:lstStyle/>
-          <a:p>
-            <a:pPr>
-              <a:defRPr/>
-            </a:pPr>
-            <a:fld id="{9C5A2CBA-94C5-40FF-84B0-C8AD0A48F3EA}" type="slidenum">
-              <a:rPr lang="pt-BR" smtClean="0"/>
-              <a:pPr>
-                <a:defRPr/>
-              </a:pPr>
-              <a:t>9</a:t>
-            </a:fld>
-            <a:endParaRPr lang="pt-BR"/>
-          </a:p>
-        </p:txBody>
-      </p:sp>
-      <p:sp>
-        <p:nvSpPr>
-          <p:cNvPr id="5" name="Text Box 2052"/>
-          <p:cNvSpPr txBox="1">
-            <a:spLocks noChangeArrowheads="1"/>
-          </p:cNvSpPr>
-          <p:nvPr/>
-        </p:nvSpPr>
-        <p:spPr bwMode="auto">
-          <a:xfrm>
-            <a:off x="990600" y="1349375"/>
-            <a:ext cx="6934200" cy="369332"/>
-          </a:xfrm>
-          <a:prstGeom prst="rect">
-            <a:avLst/>
-          </a:prstGeom>
-          <a:noFill/>
-          <a:ln w="9525">
-            <a:noFill/>
-            <a:miter lim="800000"/>
-            <a:headEnd/>
-            <a:tailEnd/>
-          </a:ln>
-          <a:effectLst/>
-        </p:spPr>
-        <p:txBody>
-          <a:bodyPr>
-            <a:spAutoFit/>
-          </a:bodyPr>
-          <a:lstStyle/>
-          <a:p>
-            <a:pPr algn="just">
-              <a:buFontTx/>
-              <a:buChar char="•"/>
-              <a:defRPr/>
-            </a:pPr>
-            <a:r>
-              <a:rPr lang="pt-BR" sz="1800" b="1" dirty="0" smtClean="0">
-                <a:effectLst>
-                  <a:outerShdw blurRad="38100" dist="38100" dir="2700000" algn="tl">
-                    <a:srgbClr val="C0C0C0"/>
-                  </a:outerShdw>
-                </a:effectLst>
-                <a:latin typeface="Verdana" pitchFamily="34" charset="0"/>
-                <a:cs typeface="Times New Roman" pitchFamily="18" charset="0"/>
-              </a:rPr>
-              <a:t> </a:t>
-            </a:r>
-            <a:r>
-              <a:rPr lang="pt-BR" sz="1800" b="1" dirty="0" err="1" smtClean="0">
-                <a:effectLst>
-                  <a:outerShdw blurRad="38100" dist="38100" dir="2700000" algn="tl">
-                    <a:srgbClr val="C0C0C0"/>
-                  </a:outerShdw>
-                </a:effectLst>
-                <a:latin typeface="Verdana" pitchFamily="34" charset="0"/>
-                <a:cs typeface="Times New Roman" pitchFamily="18" charset="0"/>
-              </a:rPr>
-              <a:t>Gottfried</a:t>
-            </a:r>
-            <a:r>
-              <a:rPr lang="pt-BR" sz="1800" b="1" dirty="0" smtClean="0">
-                <a:effectLst>
-                  <a:outerShdw blurRad="38100" dist="38100" dir="2700000" algn="tl">
-                    <a:srgbClr val="C0C0C0"/>
-                  </a:outerShdw>
-                </a:effectLst>
-                <a:latin typeface="Verdana" pitchFamily="34" charset="0"/>
-                <a:cs typeface="Times New Roman" pitchFamily="18" charset="0"/>
-              </a:rPr>
-              <a:t> </a:t>
-            </a:r>
-            <a:r>
-              <a:rPr lang="pt-BR" sz="1800" b="1" dirty="0">
-                <a:effectLst>
-                  <a:outerShdw blurRad="38100" dist="38100" dir="2700000" algn="tl">
-                    <a:srgbClr val="C0C0C0"/>
-                  </a:outerShdw>
-                </a:effectLst>
-                <a:latin typeface="Verdana" pitchFamily="34" charset="0"/>
-                <a:cs typeface="Times New Roman" pitchFamily="18" charset="0"/>
-              </a:rPr>
-              <a:t>Wilhelm von Leibniz </a:t>
-            </a:r>
-            <a:r>
-              <a:rPr lang="pt-BR" sz="1800" dirty="0">
-                <a:effectLst>
-                  <a:outerShdw blurRad="38100" dist="38100" dir="2700000" algn="tl">
-                    <a:srgbClr val="C0C0C0"/>
-                  </a:outerShdw>
-                </a:effectLst>
-                <a:latin typeface="Verdana" pitchFamily="34" charset="0"/>
-                <a:cs typeface="Times New Roman" pitchFamily="18" charset="0"/>
-              </a:rPr>
-              <a:t>(1646 - 1716</a:t>
-            </a:r>
-            <a:r>
-              <a:rPr lang="pt-BR" sz="1800" dirty="0" smtClean="0">
-                <a:effectLst>
-                  <a:outerShdw blurRad="38100" dist="38100" dir="2700000" algn="tl">
-                    <a:srgbClr val="C0C0C0"/>
-                  </a:outerShdw>
-                </a:effectLst>
-                <a:latin typeface="Verdana" pitchFamily="34" charset="0"/>
-                <a:cs typeface="Times New Roman" pitchFamily="18" charset="0"/>
-              </a:rPr>
-              <a:t>):</a:t>
-            </a:r>
-            <a:endParaRPr lang="pt-BR" sz="1800" dirty="0">
-              <a:effectLst>
-                <a:outerShdw blurRad="38100" dist="38100" dir="2700000" algn="tl">
-                  <a:srgbClr val="C0C0C0"/>
-                </a:outerShdw>
-              </a:effectLst>
-              <a:latin typeface="Verdana" pitchFamily="34" charset="0"/>
-              <a:cs typeface="Times New Roman" pitchFamily="18" charset="0"/>
-            </a:endParaRPr>
-          </a:p>
-        </p:txBody>
-      </p:sp>
-      <p:sp>
-        <p:nvSpPr>
-          <p:cNvPr id="6" name="Text Box 2051"/>
-          <p:cNvSpPr txBox="1">
-            <a:spLocks noChangeArrowheads="1"/>
-          </p:cNvSpPr>
-          <p:nvPr/>
-        </p:nvSpPr>
-        <p:spPr bwMode="auto">
-          <a:xfrm>
-            <a:off x="685800" y="842963"/>
-            <a:ext cx="7772400" cy="646112"/>
-          </a:xfrm>
-          <a:prstGeom prst="rect">
-            <a:avLst/>
-          </a:prstGeom>
-          <a:noFill/>
-          <a:ln w="9525">
-            <a:noFill/>
-            <a:miter lim="800000"/>
-            <a:headEnd/>
-            <a:tailEnd/>
-          </a:ln>
-          <a:effectLst/>
-        </p:spPr>
-        <p:txBody>
-          <a:bodyPr>
-            <a:spAutoFit/>
-          </a:bodyPr>
-          <a:lstStyle/>
-          <a:p>
-            <a:pPr algn="ctr">
-              <a:defRPr/>
-            </a:pPr>
-            <a:r>
-              <a:rPr lang="pt-BR" sz="1800" b="1" dirty="0">
-                <a:effectLst>
-                  <a:outerShdw blurRad="38100" dist="38100" dir="2700000" algn="tl">
-                    <a:srgbClr val="C0C0C0"/>
-                  </a:outerShdw>
-                </a:effectLst>
-                <a:latin typeface="Verdana" pitchFamily="34" charset="0"/>
-              </a:rPr>
-              <a:t>3. Dispositivos Mecânicos (500 a.C. – 1880)</a:t>
-            </a:r>
-          </a:p>
-          <a:p>
-            <a:pPr algn="ctr">
-              <a:defRPr/>
-            </a:pPr>
-            <a:endParaRPr lang="pt-BR" sz="1800" b="1" dirty="0">
-              <a:effectLst>
-                <a:outerShdw blurRad="38100" dist="38100" dir="2700000" algn="tl">
-                  <a:srgbClr val="C0C0C0"/>
-                </a:outerShdw>
-              </a:effectLst>
-              <a:latin typeface="Verdana" pitchFamily="34" charset="0"/>
-            </a:endParaRPr>
-          </a:p>
-        </p:txBody>
-      </p:sp>
-      <p:pic>
-        <p:nvPicPr>
-          <p:cNvPr id="40966" name="Picture 8" descr="http://www.philso.uni-augsburg.de/web2/Schulpaed/website/images/leibniz.jpg"/>
-          <p:cNvPicPr>
-            <a:picLocks noChangeAspect="1" noChangeArrowheads="1"/>
-          </p:cNvPicPr>
-          <p:nvPr/>
-        </p:nvPicPr>
-        <p:blipFill>
-          <a:blip r:embed="rId2" cstate="print"/>
-          <a:srcRect/>
-          <a:stretch>
-            <a:fillRect/>
-          </a:stretch>
-        </p:blipFill>
-        <p:spPr bwMode="auto">
-          <a:xfrm>
-            <a:off x="1143000" y="2348880"/>
-            <a:ext cx="2395538" cy="2762250"/>
-          </a:xfrm>
-          <a:prstGeom prst="rect">
-            <a:avLst/>
-          </a:prstGeom>
-          <a:noFill/>
-          <a:ln w="9525">
-            <a:noFill/>
-            <a:miter lim="800000"/>
-            <a:headEnd/>
-            <a:tailEnd/>
-          </a:ln>
-        </p:spPr>
-      </p:pic>
-      <p:pic>
-        <p:nvPicPr>
-          <p:cNvPr id="40967" name="Picture 2" descr="http://www.deanstalk.net/photos/uncategorized/2008/04/23/leibniz_machine.jpeg"/>
-          <p:cNvPicPr>
-            <a:picLocks noChangeAspect="1" noChangeArrowheads="1"/>
-          </p:cNvPicPr>
-          <p:nvPr/>
-        </p:nvPicPr>
-        <p:blipFill>
-          <a:blip r:embed="rId3" cstate="print"/>
-          <a:srcRect/>
-          <a:stretch>
-            <a:fillRect/>
-          </a:stretch>
-        </p:blipFill>
-        <p:spPr bwMode="auto">
-          <a:xfrm>
-            <a:off x="4143375" y="2848942"/>
-            <a:ext cx="4143375" cy="1785938"/>
           </a:xfrm>
           <a:prstGeom prst="rect">
             <a:avLst/>
